--- a/_static/EcoTask/figures/Infographic_graphs/sketch diagram.pptx
+++ b/_static/EcoTask/figures/Infographic_graphs/sketch diagram.pptx
@@ -7,8 +7,8 @@
   <p:sldIdLst>
     <p:sldId id="262" r:id="rId2"/>
     <p:sldId id="263" r:id="rId3"/>
-    <p:sldId id="257" r:id="rId4"/>
-    <p:sldId id="264" r:id="rId5"/>
+    <p:sldId id="264" r:id="rId4"/>
+    <p:sldId id="265" r:id="rId5"/>
   </p:sldIdLst>
   <p:sldSz cx="12192000" cy="6858000"/>
   <p:notesSz cx="6858000" cy="9144000"/>
@@ -136,10 +136,10 @@
           <c:layoutTarget val="inner"/>
           <c:xMode val="edge"/>
           <c:yMode val="edge"/>
-          <c:x val="7.9794414370078739E-2"/>
-          <c:y val="0.18680867453194669"/>
-          <c:w val="0.90301808562992125"/>
-          <c:h val="0.7419413298510501"/>
+          <c:x val="8.7606914370078739E-2"/>
+          <c:y val="5.087118289424318E-2"/>
+          <c:w val="0.89520558562992125"/>
+          <c:h val="0.87787882148875362"/>
         </c:manualLayout>
       </c:layout>
       <c:barChart>
@@ -414,7 +414,7 @@
         <c:crossAx val="816337520"/>
         <c:crosses val="autoZero"/>
         <c:crossBetween val="between"/>
-        <c:majorUnit val="1"/>
+        <c:majorUnit val="0.5"/>
       </c:valAx>
       <c:spPr>
         <a:pattFill prst="pct20">
@@ -487,10 +487,10 @@
           <c:layoutTarget val="inner"/>
           <c:xMode val="edge"/>
           <c:yMode val="edge"/>
-          <c:x val="7.9794414370078739E-2"/>
-          <c:y val="0.18680867453194669"/>
+          <c:x val="8.2919414370078742E-2"/>
+          <c:y val="4.6183683182598217E-2"/>
           <c:w val="0.90301808562992125"/>
-          <c:h val="0.7419413298510501"/>
+          <c:h val="0.88725382091204352"/>
         </c:manualLayout>
       </c:layout>
       <c:barChart>
@@ -687,7 +687,7 @@
                     <a:latin typeface="Arial" panose="020B0604020202020204" pitchFamily="34" charset="0"/>
                     <a:cs typeface="Arial" panose="020B0604020202020204" pitchFamily="34" charset="0"/>
                   </a:rPr>
-                  <a:t>          Amount of planted</a:t>
+                  <a:t>Amount of planted</a:t>
                 </a:r>
                 <a:r>
                   <a:rPr lang="en-US" sz="1600" b="0" baseline="0" dirty="0">
@@ -710,8 +710,8 @@
             <c:manualLayout>
               <c:xMode val="edge"/>
               <c:yMode val="edge"/>
-              <c:x val="6.2500000000000003E-3"/>
-              <c:y val="0.3325234785603175"/>
+              <c:x val="1.7187500000000001E-2"/>
+              <c:y val="0.33017972870449502"/>
             </c:manualLayout>
           </c:layout>
           <c:overlay val="0"/>
@@ -852,10 +852,10 @@
           <c:layoutTarget val="inner"/>
           <c:xMode val="edge"/>
           <c:yMode val="edge"/>
-          <c:x val="7.9794414370078739E-2"/>
-          <c:y val="0.18680867453194669"/>
+          <c:x val="8.2919414370078742E-2"/>
+          <c:y val="4.6183683182598217E-2"/>
           <c:w val="0.90301808562992125"/>
-          <c:h val="0.7419413298510501"/>
+          <c:h val="0.88725382091204352"/>
         </c:manualLayout>
       </c:layout>
       <c:barChart>
@@ -1052,7 +1052,7 @@
                     <a:latin typeface="Arial" panose="020B0604020202020204" pitchFamily="34" charset="0"/>
                     <a:cs typeface="Arial" panose="020B0604020202020204" pitchFamily="34" charset="0"/>
                   </a:rPr>
-                  <a:t>          Amount of planted</a:t>
+                  <a:t>Amount of planted</a:t>
                 </a:r>
                 <a:r>
                   <a:rPr lang="en-US" sz="1600" b="0" baseline="0" dirty="0">
@@ -1075,8 +1075,8 @@
             <c:manualLayout>
               <c:xMode val="edge"/>
               <c:yMode val="edge"/>
-              <c:x val="6.2500000000000003E-3"/>
-              <c:y val="0.3325234785603175"/>
+              <c:x val="1.7187500000000001E-2"/>
+              <c:y val="0.33017972870449502"/>
             </c:manualLayout>
           </c:layout>
           <c:overlay val="0"/>
@@ -1217,10 +1217,10 @@
           <c:layoutTarget val="inner"/>
           <c:xMode val="edge"/>
           <c:yMode val="edge"/>
-          <c:x val="7.9794414370078739E-2"/>
-          <c:y val="0.18680867453194669"/>
+          <c:x val="8.2919414370078742E-2"/>
+          <c:y val="4.6183683182598217E-2"/>
           <c:w val="0.90301808562992125"/>
-          <c:h val="0.7419413298510501"/>
+          <c:h val="0.88725382091204352"/>
         </c:manualLayout>
       </c:layout>
       <c:barChart>
@@ -1417,7 +1417,7 @@
                     <a:latin typeface="Arial" panose="020B0604020202020204" pitchFamily="34" charset="0"/>
                     <a:cs typeface="Arial" panose="020B0604020202020204" pitchFamily="34" charset="0"/>
                   </a:rPr>
-                  <a:t>          Amount of planted</a:t>
+                  <a:t>Amount of planted</a:t>
                 </a:r>
                 <a:r>
                   <a:rPr lang="en-US" sz="1600" b="0" baseline="0" dirty="0">
@@ -1440,8 +1440,8 @@
             <c:manualLayout>
               <c:xMode val="edge"/>
               <c:yMode val="edge"/>
-              <c:x val="6.2500000000000003E-3"/>
-              <c:y val="0.3325234785603175"/>
+              <c:x val="1.7187500000000001E-2"/>
+              <c:y val="0.33017972870449502"/>
             </c:manualLayout>
           </c:layout>
           <c:overlay val="0"/>
@@ -3738,10 +3738,10 @@
   <cdr:relSizeAnchor xmlns:cdr="http://schemas.openxmlformats.org/drawingml/2006/chartDrawing">
     <cdr:from>
       <cdr:x>0.22253</cdr:x>
-      <cdr:y>0.68181</cdr:y>
+      <cdr:y>0.63594</cdr:y>
     </cdr:from>
     <cdr:to>
-      <cdr:x>0.34196</cdr:x>
+      <cdr:x>0.34609</cdr:x>
       <cdr:y>0.92824</cdr:y>
     </cdr:to>
     <cdr:sp macro="" textlink="">
@@ -3757,8 +3757,8 @@
       </cdr:nvSpPr>
       <cdr:spPr>
         <a:xfrm xmlns:a="http://schemas.openxmlformats.org/drawingml/2006/main">
-          <a:off x="1808743" y="3694489"/>
-          <a:ext cx="970743" cy="1335314"/>
+          <a:off x="1808724" y="3445932"/>
+          <a:ext cx="1004327" cy="1583891"/>
         </a:xfrm>
         <a:prstGeom xmlns:a="http://schemas.openxmlformats.org/drawingml/2006/main" prst="rect">
           <a:avLst/>
@@ -3883,11 +3883,11 @@
   <cdr:relSizeAnchor xmlns:cdr="http://schemas.openxmlformats.org/drawingml/2006/chartDrawing">
     <cdr:from>
       <cdr:x>0.22253</cdr:x>
-      <cdr:y>0.80502</cdr:y>
+      <cdr:y>0.78209</cdr:y>
     </cdr:from>
     <cdr:to>
-      <cdr:x>0.34196</cdr:x>
-      <cdr:y>0.80502</cdr:y>
+      <cdr:x>0.34609</cdr:x>
+      <cdr:y>0.78209</cdr:y>
     </cdr:to>
     <cdr:cxnSp macro="">
       <cdr:nvCxnSpPr>
@@ -3905,8 +3905,8 @@
       </cdr:nvCxnSpPr>
       <cdr:spPr>
         <a:xfrm xmlns:a="http://schemas.openxmlformats.org/drawingml/2006/main">
-          <a:off x="1808743" y="4362146"/>
-          <a:ext cx="970743" cy="0"/>
+          <a:off x="1808724" y="4237878"/>
+          <a:ext cx="1004327" cy="0"/>
         </a:xfrm>
         <a:prstGeom xmlns:a="http://schemas.openxmlformats.org/drawingml/2006/main" prst="line">
           <a:avLst/>
@@ -3936,11 +3936,11 @@
   <cdr:relSizeAnchor xmlns:cdr="http://schemas.openxmlformats.org/drawingml/2006/chartDrawing">
     <cdr:from>
       <cdr:x>0.48437</cdr:x>
-      <cdr:y>0.43663</cdr:y>
+      <cdr:y>0.34414</cdr:y>
     </cdr:from>
     <cdr:to>
-      <cdr:x>0.60481</cdr:x>
-      <cdr:y>0.68047</cdr:y>
+      <cdr:x>0.60547</cdr:x>
+      <cdr:y>0.63242</cdr:y>
     </cdr:to>
     <cdr:sp macro="" textlink="">
       <cdr:nvSpPr>
@@ -3955,8 +3955,8 @@
       </cdr:nvSpPr>
       <cdr:spPr>
         <a:xfrm xmlns:a="http://schemas.openxmlformats.org/drawingml/2006/main">
-          <a:off x="3936982" y="2365979"/>
-          <a:ext cx="978908" cy="1321254"/>
+          <a:off x="3936959" y="1864783"/>
+          <a:ext cx="984292" cy="1562108"/>
         </a:xfrm>
         <a:prstGeom xmlns:a="http://schemas.openxmlformats.org/drawingml/2006/main" prst="rect">
           <a:avLst/>
@@ -4081,11 +4081,11 @@
   <cdr:relSizeAnchor xmlns:cdr="http://schemas.openxmlformats.org/drawingml/2006/chartDrawing">
     <cdr:from>
       <cdr:x>0.48437</cdr:x>
-      <cdr:y>0.55855</cdr:y>
+      <cdr:y>0.48828</cdr:y>
     </cdr:from>
     <cdr:to>
-      <cdr:x>0.60481</cdr:x>
-      <cdr:y>0.55855</cdr:y>
+      <cdr:x>0.60547</cdr:x>
+      <cdr:y>0.48828</cdr:y>
     </cdr:to>
     <cdr:cxnSp macro="">
       <cdr:nvCxnSpPr>
@@ -4103,8 +4103,8 @@
       </cdr:nvCxnSpPr>
       <cdr:spPr>
         <a:xfrm xmlns:a="http://schemas.openxmlformats.org/drawingml/2006/main">
-          <a:off x="3936982" y="3026606"/>
-          <a:ext cx="978908" cy="0"/>
+          <a:off x="3936959" y="2645837"/>
+          <a:ext cx="984292" cy="0"/>
         </a:xfrm>
         <a:prstGeom xmlns:a="http://schemas.openxmlformats.org/drawingml/2006/main" prst="line">
           <a:avLst/>
@@ -4134,11 +4134,11 @@
   <cdr:relSizeAnchor xmlns:cdr="http://schemas.openxmlformats.org/drawingml/2006/chartDrawing">
     <cdr:from>
       <cdr:x>0.74787</cdr:x>
-      <cdr:y>0.18594</cdr:y>
+      <cdr:y>0.04883</cdr:y>
     </cdr:from>
     <cdr:to>
       <cdr:x>0.86831</cdr:x>
-      <cdr:y>0.43437</cdr:y>
+      <cdr:y>0.34296</cdr:y>
     </cdr:to>
     <cdr:sp macro="" textlink="">
       <cdr:nvSpPr>
@@ -4153,8 +4153,8 @@
       </cdr:nvSpPr>
       <cdr:spPr>
         <a:xfrm xmlns:a="http://schemas.openxmlformats.org/drawingml/2006/main">
-          <a:off x="6078692" y="1007532"/>
-          <a:ext cx="978908" cy="1346201"/>
+          <a:off x="6078677" y="264583"/>
+          <a:ext cx="978937" cy="1593824"/>
         </a:xfrm>
         <a:prstGeom xmlns:a="http://schemas.openxmlformats.org/drawingml/2006/main" prst="rect">
           <a:avLst/>
@@ -4279,11 +4279,11 @@
   <cdr:relSizeAnchor xmlns:cdr="http://schemas.openxmlformats.org/drawingml/2006/chartDrawing">
     <cdr:from>
       <cdr:x>0.74787</cdr:x>
-      <cdr:y>0.31016</cdr:y>
+      <cdr:y>0.1959</cdr:y>
     </cdr:from>
     <cdr:to>
       <cdr:x>0.86831</cdr:x>
-      <cdr:y>0.31016</cdr:y>
+      <cdr:y>0.1959</cdr:y>
     </cdr:to>
     <cdr:cxnSp macro="">
       <cdr:nvCxnSpPr>
@@ -4301,8 +4301,8 @@
       </cdr:nvCxnSpPr>
       <cdr:spPr>
         <a:xfrm xmlns:a="http://schemas.openxmlformats.org/drawingml/2006/main">
-          <a:off x="6078692" y="1680633"/>
-          <a:ext cx="978908" cy="0"/>
+          <a:off x="6078677" y="1061495"/>
+          <a:ext cx="978937" cy="0"/>
         </a:xfrm>
         <a:prstGeom xmlns:a="http://schemas.openxmlformats.org/drawingml/2006/main" prst="line">
           <a:avLst/>
@@ -4337,11 +4337,11 @@
   <cdr:relSizeAnchor xmlns:cdr="http://schemas.openxmlformats.org/drawingml/2006/chartDrawing">
     <cdr:from>
       <cdr:x>0.2185</cdr:x>
-      <cdr:y>0.68047</cdr:y>
+      <cdr:y>0.63761</cdr:y>
     </cdr:from>
     <cdr:to>
-      <cdr:x>0.331</cdr:x>
-      <cdr:y>0.92773</cdr:y>
+      <cdr:x>0.33304</cdr:x>
+      <cdr:y>0.93359</cdr:y>
     </cdr:to>
     <cdr:sp macro="" textlink="">
       <cdr:nvSpPr>
@@ -4356,8 +4356,8 @@
       </cdr:nvSpPr>
       <cdr:spPr>
         <a:xfrm xmlns:a="http://schemas.openxmlformats.org/drawingml/2006/main">
-          <a:off x="1775985" y="3687232"/>
-          <a:ext cx="914400" cy="1339850"/>
+          <a:off x="1775967" y="3455003"/>
+          <a:ext cx="930947" cy="1603829"/>
         </a:xfrm>
         <a:prstGeom xmlns:a="http://schemas.openxmlformats.org/drawingml/2006/main" prst="rect">
           <a:avLst/>
@@ -4485,11 +4485,11 @@
   <cdr:relSizeAnchor xmlns:cdr="http://schemas.openxmlformats.org/drawingml/2006/chartDrawing">
     <cdr:from>
       <cdr:x>0.2185</cdr:x>
-      <cdr:y>0.8041</cdr:y>
+      <cdr:y>0.7856</cdr:y>
     </cdr:from>
     <cdr:to>
-      <cdr:x>0.331</cdr:x>
-      <cdr:y>0.8041</cdr:y>
+      <cdr:x>0.33304</cdr:x>
+      <cdr:y>0.7856</cdr:y>
     </cdr:to>
     <cdr:cxnSp macro="">
       <cdr:nvCxnSpPr>
@@ -4507,7 +4507,201 @@
       </cdr:nvCxnSpPr>
       <cdr:spPr>
         <a:xfrm xmlns:a="http://schemas.openxmlformats.org/drawingml/2006/main">
-          <a:off x="1775985" y="4357157"/>
+          <a:off x="1775967" y="4256918"/>
+          <a:ext cx="930947" cy="0"/>
+        </a:xfrm>
+        <a:prstGeom xmlns:a="http://schemas.openxmlformats.org/drawingml/2006/main" prst="line">
+          <a:avLst/>
+        </a:prstGeom>
+        <a:ln xmlns:a="http://schemas.openxmlformats.org/drawingml/2006/main" w="19050"/>
+      </cdr:spPr>
+      <cdr:style>
+        <a:lnRef xmlns:a="http://schemas.openxmlformats.org/drawingml/2006/main" idx="1">
+          <a:schemeClr val="accent1"/>
+        </a:lnRef>
+        <a:fillRef xmlns:a="http://schemas.openxmlformats.org/drawingml/2006/main" idx="0">
+          <a:schemeClr val="accent1"/>
+        </a:fillRef>
+        <a:effectRef xmlns:a="http://schemas.openxmlformats.org/drawingml/2006/main" idx="0">
+          <a:schemeClr val="accent1"/>
+        </a:effectRef>
+        <a:fontRef xmlns:a="http://schemas.openxmlformats.org/drawingml/2006/main" idx="minor">
+          <a:schemeClr val="tx1"/>
+        </a:fontRef>
+      </cdr:style>
+    </cdr:cxnSp>
+  </cdr:relSizeAnchor>
+  <cdr:relSizeAnchor xmlns:cdr="http://schemas.openxmlformats.org/drawingml/2006/chartDrawing">
+    <cdr:from>
+      <cdr:x>0.48004</cdr:x>
+      <cdr:y>0.34163</cdr:y>
+    </cdr:from>
+    <cdr:to>
+      <cdr:x>0.59254</cdr:x>
+      <cdr:y>0.63627</cdr:y>
+    </cdr:to>
+    <cdr:sp macro="" textlink="">
+      <cdr:nvSpPr>
+        <cdr:cNvPr id="22" name="Rectangle 21">
+          <a:extLst xmlns:a="http://schemas.openxmlformats.org/drawingml/2006/main">
+            <a:ext uri="{FF2B5EF4-FFF2-40B4-BE49-F238E27FC236}">
+              <a16:creationId xmlns:a16="http://schemas.microsoft.com/office/drawing/2014/main" id="{C3DFED8B-1F78-4C78-8E44-B87D948D75E7}"/>
+            </a:ext>
+          </a:extLst>
+        </cdr:cNvPr>
+        <cdr:cNvSpPr/>
+      </cdr:nvSpPr>
+      <cdr:spPr>
+        <a:xfrm xmlns:a="http://schemas.openxmlformats.org/drawingml/2006/main">
+          <a:off x="3901765" y="1851176"/>
+          <a:ext cx="914400" cy="1596580"/>
+        </a:xfrm>
+        <a:prstGeom xmlns:a="http://schemas.openxmlformats.org/drawingml/2006/main" prst="rect">
+          <a:avLst/>
+        </a:prstGeom>
+        <a:ln xmlns:a="http://schemas.openxmlformats.org/drawingml/2006/main" w="19050"/>
+      </cdr:spPr>
+      <cdr:style>
+        <a:lnRef xmlns:a="http://schemas.openxmlformats.org/drawingml/2006/main" idx="1">
+          <a:schemeClr val="accent5"/>
+        </a:lnRef>
+        <a:fillRef xmlns:a="http://schemas.openxmlformats.org/drawingml/2006/main" idx="2">
+          <a:schemeClr val="accent5"/>
+        </a:fillRef>
+        <a:effectRef xmlns:a="http://schemas.openxmlformats.org/drawingml/2006/main" idx="1">
+          <a:schemeClr val="accent5"/>
+        </a:effectRef>
+        <a:fontRef xmlns:a="http://schemas.openxmlformats.org/drawingml/2006/main" idx="minor">
+          <a:schemeClr val="dk1"/>
+        </a:fontRef>
+      </cdr:style>
+      <cdr:txBody>
+        <a:bodyPr xmlns:a="http://schemas.openxmlformats.org/drawingml/2006/main" rtlCol="0" anchor="ctr"/>
+        <a:lstStyle xmlns:a="http://schemas.openxmlformats.org/drawingml/2006/main">
+          <a:lvl1pPr marL="0" indent="0">
+            <a:defRPr sz="1100">
+              <a:solidFill>
+                <a:schemeClr val="dk1"/>
+              </a:solidFill>
+              <a:latin typeface="+mn-lt"/>
+              <a:ea typeface="+mn-ea"/>
+              <a:cs typeface="+mn-cs"/>
+            </a:defRPr>
+          </a:lvl1pPr>
+          <a:lvl2pPr marL="457200" indent="0">
+            <a:defRPr sz="1100">
+              <a:solidFill>
+                <a:schemeClr val="dk1"/>
+              </a:solidFill>
+              <a:latin typeface="+mn-lt"/>
+              <a:ea typeface="+mn-ea"/>
+              <a:cs typeface="+mn-cs"/>
+            </a:defRPr>
+          </a:lvl2pPr>
+          <a:lvl3pPr marL="914400" indent="0">
+            <a:defRPr sz="1100">
+              <a:solidFill>
+                <a:schemeClr val="dk1"/>
+              </a:solidFill>
+              <a:latin typeface="+mn-lt"/>
+              <a:ea typeface="+mn-ea"/>
+              <a:cs typeface="+mn-cs"/>
+            </a:defRPr>
+          </a:lvl3pPr>
+          <a:lvl4pPr marL="1371600" indent="0">
+            <a:defRPr sz="1100">
+              <a:solidFill>
+                <a:schemeClr val="dk1"/>
+              </a:solidFill>
+              <a:latin typeface="+mn-lt"/>
+              <a:ea typeface="+mn-ea"/>
+              <a:cs typeface="+mn-cs"/>
+            </a:defRPr>
+          </a:lvl4pPr>
+          <a:lvl5pPr marL="1828800" indent="0">
+            <a:defRPr sz="1100">
+              <a:solidFill>
+                <a:schemeClr val="dk1"/>
+              </a:solidFill>
+              <a:latin typeface="+mn-lt"/>
+              <a:ea typeface="+mn-ea"/>
+              <a:cs typeface="+mn-cs"/>
+            </a:defRPr>
+          </a:lvl5pPr>
+          <a:lvl6pPr marL="2286000" indent="0">
+            <a:defRPr sz="1100">
+              <a:solidFill>
+                <a:schemeClr val="dk1"/>
+              </a:solidFill>
+              <a:latin typeface="+mn-lt"/>
+              <a:ea typeface="+mn-ea"/>
+              <a:cs typeface="+mn-cs"/>
+            </a:defRPr>
+          </a:lvl6pPr>
+          <a:lvl7pPr marL="2743200" indent="0">
+            <a:defRPr sz="1100">
+              <a:solidFill>
+                <a:schemeClr val="dk1"/>
+              </a:solidFill>
+              <a:latin typeface="+mn-lt"/>
+              <a:ea typeface="+mn-ea"/>
+              <a:cs typeface="+mn-cs"/>
+            </a:defRPr>
+          </a:lvl7pPr>
+          <a:lvl8pPr marL="3200400" indent="0">
+            <a:defRPr sz="1100">
+              <a:solidFill>
+                <a:schemeClr val="dk1"/>
+              </a:solidFill>
+              <a:latin typeface="+mn-lt"/>
+              <a:ea typeface="+mn-ea"/>
+              <a:cs typeface="+mn-cs"/>
+            </a:defRPr>
+          </a:lvl8pPr>
+          <a:lvl9pPr marL="3657600" indent="0">
+            <a:defRPr sz="1100">
+              <a:solidFill>
+                <a:schemeClr val="dk1"/>
+              </a:solidFill>
+              <a:latin typeface="+mn-lt"/>
+              <a:ea typeface="+mn-ea"/>
+              <a:cs typeface="+mn-cs"/>
+            </a:defRPr>
+          </a:lvl9pPr>
+        </a:lstStyle>
+        <a:p xmlns:a="http://schemas.openxmlformats.org/drawingml/2006/main">
+          <a:pPr algn="ctr"/>
+          <a:endParaRPr lang="en-NL"/>
+        </a:p>
+      </cdr:txBody>
+    </cdr:sp>
+  </cdr:relSizeAnchor>
+  <cdr:relSizeAnchor xmlns:cdr="http://schemas.openxmlformats.org/drawingml/2006/chartDrawing">
+    <cdr:from>
+      <cdr:x>0.48004</cdr:x>
+      <cdr:y>0.48895</cdr:y>
+    </cdr:from>
+    <cdr:to>
+      <cdr:x>0.59254</cdr:x>
+      <cdr:y>0.48895</cdr:y>
+    </cdr:to>
+    <cdr:cxnSp macro="">
+      <cdr:nvCxnSpPr>
+        <cdr:cNvPr id="23" name="Straight Connector 22">
+          <a:extLst xmlns:a="http://schemas.openxmlformats.org/drawingml/2006/main">
+            <a:ext uri="{FF2B5EF4-FFF2-40B4-BE49-F238E27FC236}">
+              <a16:creationId xmlns:a16="http://schemas.microsoft.com/office/drawing/2014/main" id="{3DB7D404-9539-4881-B9D2-93AAE285D635}"/>
+            </a:ext>
+          </a:extLst>
+        </cdr:cNvPr>
+        <cdr:cNvCxnSpPr>
+          <a:stCxn xmlns:a="http://schemas.openxmlformats.org/drawingml/2006/main" id="22" idx="1"/>
+          <a:endCxn xmlns:a="http://schemas.openxmlformats.org/drawingml/2006/main" id="22" idx="3"/>
+        </cdr:cNvCxnSpPr>
+      </cdr:nvCxnSpPr>
+      <cdr:spPr>
+        <a:xfrm xmlns:a="http://schemas.openxmlformats.org/drawingml/2006/main">
+          <a:off x="3901765" y="2649466"/>
           <a:ext cx="914400" cy="0"/>
         </a:xfrm>
         <a:prstGeom xmlns:a="http://schemas.openxmlformats.org/drawingml/2006/main" prst="line">
@@ -4533,16 +4727,16 @@
   </cdr:relSizeAnchor>
   <cdr:relSizeAnchor xmlns:cdr="http://schemas.openxmlformats.org/drawingml/2006/chartDrawing">
     <cdr:from>
-      <cdr:x>0.48004</cdr:x>
-      <cdr:y>0.43538</cdr:y>
+      <cdr:x>0.74272</cdr:x>
+      <cdr:y>0.04699</cdr:y>
     </cdr:from>
     <cdr:to>
-      <cdr:x>0.59254</cdr:x>
-      <cdr:y>0.68047</cdr:y>
+      <cdr:x>0.85293</cdr:x>
+      <cdr:y>0.34163</cdr:y>
     </cdr:to>
     <cdr:sp macro="" textlink="">
       <cdr:nvSpPr>
-        <cdr:cNvPr id="22" name="Rectangle 21">
+        <cdr:cNvPr id="24" name="Rectangle 23">
           <a:extLst xmlns:a="http://schemas.openxmlformats.org/drawingml/2006/main">
             <a:ext uri="{FF2B5EF4-FFF2-40B4-BE49-F238E27FC236}">
               <a16:creationId xmlns:a16="http://schemas.microsoft.com/office/drawing/2014/main" id="{C3DFED8B-1F78-4C78-8E44-B87D948D75E7}"/>
@@ -4553,8 +4747,8 @@
       </cdr:nvSpPr>
       <cdr:spPr>
         <a:xfrm xmlns:a="http://schemas.openxmlformats.org/drawingml/2006/main">
-          <a:off x="3901764" y="2359175"/>
-          <a:ext cx="914400" cy="1328057"/>
+          <a:off x="6036866" y="254604"/>
+          <a:ext cx="895753" cy="1596572"/>
         </a:xfrm>
         <a:prstGeom xmlns:a="http://schemas.openxmlformats.org/drawingml/2006/main" prst="rect">
           <a:avLst/>
@@ -4678,206 +4872,12 @@
   </cdr:relSizeAnchor>
   <cdr:relSizeAnchor xmlns:cdr="http://schemas.openxmlformats.org/drawingml/2006/chartDrawing">
     <cdr:from>
-      <cdr:x>0.48004</cdr:x>
-      <cdr:y>0.55792</cdr:y>
+      <cdr:x>0.74272</cdr:x>
+      <cdr:y>0.19431</cdr:y>
     </cdr:from>
     <cdr:to>
-      <cdr:x>0.59254</cdr:x>
-      <cdr:y>0.55792</cdr:y>
-    </cdr:to>
-    <cdr:cxnSp macro="">
-      <cdr:nvCxnSpPr>
-        <cdr:cNvPr id="23" name="Straight Connector 22">
-          <a:extLst xmlns:a="http://schemas.openxmlformats.org/drawingml/2006/main">
-            <a:ext uri="{FF2B5EF4-FFF2-40B4-BE49-F238E27FC236}">
-              <a16:creationId xmlns:a16="http://schemas.microsoft.com/office/drawing/2014/main" id="{3DB7D404-9539-4881-B9D2-93AAE285D635}"/>
-            </a:ext>
-          </a:extLst>
-        </cdr:cNvPr>
-        <cdr:cNvCxnSpPr>
-          <a:stCxn xmlns:a="http://schemas.openxmlformats.org/drawingml/2006/main" id="22" idx="1"/>
-          <a:endCxn xmlns:a="http://schemas.openxmlformats.org/drawingml/2006/main" id="22" idx="3"/>
-        </cdr:cNvCxnSpPr>
-      </cdr:nvCxnSpPr>
-      <cdr:spPr>
-        <a:xfrm xmlns:a="http://schemas.openxmlformats.org/drawingml/2006/main">
-          <a:off x="3901764" y="3023204"/>
-          <a:ext cx="914400" cy="0"/>
-        </a:xfrm>
-        <a:prstGeom xmlns:a="http://schemas.openxmlformats.org/drawingml/2006/main" prst="line">
-          <a:avLst/>
-        </a:prstGeom>
-        <a:ln xmlns:a="http://schemas.openxmlformats.org/drawingml/2006/main" w="19050"/>
-      </cdr:spPr>
-      <cdr:style>
-        <a:lnRef xmlns:a="http://schemas.openxmlformats.org/drawingml/2006/main" idx="1">
-          <a:schemeClr val="accent1"/>
-        </a:lnRef>
-        <a:fillRef xmlns:a="http://schemas.openxmlformats.org/drawingml/2006/main" idx="0">
-          <a:schemeClr val="accent1"/>
-        </a:fillRef>
-        <a:effectRef xmlns:a="http://schemas.openxmlformats.org/drawingml/2006/main" idx="0">
-          <a:schemeClr val="accent1"/>
-        </a:effectRef>
-        <a:fontRef xmlns:a="http://schemas.openxmlformats.org/drawingml/2006/main" idx="minor">
-          <a:schemeClr val="tx1"/>
-        </a:fontRef>
-      </cdr:style>
-    </cdr:cxnSp>
-  </cdr:relSizeAnchor>
-  <cdr:relSizeAnchor xmlns:cdr="http://schemas.openxmlformats.org/drawingml/2006/chartDrawing">
-    <cdr:from>
-      <cdr:x>0.74158</cdr:x>
-      <cdr:y>0.18091</cdr:y>
-    </cdr:from>
-    <cdr:to>
-      <cdr:x>0.85408</cdr:x>
-      <cdr:y>0.43404</cdr:y>
-    </cdr:to>
-    <cdr:sp macro="" textlink="">
-      <cdr:nvSpPr>
-        <cdr:cNvPr id="24" name="Rectangle 23">
-          <a:extLst xmlns:a="http://schemas.openxmlformats.org/drawingml/2006/main">
-            <a:ext uri="{FF2B5EF4-FFF2-40B4-BE49-F238E27FC236}">
-              <a16:creationId xmlns:a16="http://schemas.microsoft.com/office/drawing/2014/main" id="{C3DFED8B-1F78-4C78-8E44-B87D948D75E7}"/>
-            </a:ext>
-          </a:extLst>
-        </cdr:cNvPr>
-        <cdr:cNvSpPr/>
-      </cdr:nvSpPr>
-      <cdr:spPr>
-        <a:xfrm xmlns:a="http://schemas.openxmlformats.org/drawingml/2006/main">
-          <a:off x="6027543" y="980316"/>
-          <a:ext cx="914400" cy="1371601"/>
-        </a:xfrm>
-        <a:prstGeom xmlns:a="http://schemas.openxmlformats.org/drawingml/2006/main" prst="rect">
-          <a:avLst/>
-        </a:prstGeom>
-        <a:ln xmlns:a="http://schemas.openxmlformats.org/drawingml/2006/main" w="19050"/>
-      </cdr:spPr>
-      <cdr:style>
-        <a:lnRef xmlns:a="http://schemas.openxmlformats.org/drawingml/2006/main" idx="1">
-          <a:schemeClr val="accent5"/>
-        </a:lnRef>
-        <a:fillRef xmlns:a="http://schemas.openxmlformats.org/drawingml/2006/main" idx="2">
-          <a:schemeClr val="accent5"/>
-        </a:fillRef>
-        <a:effectRef xmlns:a="http://schemas.openxmlformats.org/drawingml/2006/main" idx="1">
-          <a:schemeClr val="accent5"/>
-        </a:effectRef>
-        <a:fontRef xmlns:a="http://schemas.openxmlformats.org/drawingml/2006/main" idx="minor">
-          <a:schemeClr val="dk1"/>
-        </a:fontRef>
-      </cdr:style>
-      <cdr:txBody>
-        <a:bodyPr xmlns:a="http://schemas.openxmlformats.org/drawingml/2006/main" rtlCol="0" anchor="ctr"/>
-        <a:lstStyle xmlns:a="http://schemas.openxmlformats.org/drawingml/2006/main">
-          <a:lvl1pPr marL="0" indent="0">
-            <a:defRPr sz="1100">
-              <a:solidFill>
-                <a:schemeClr val="dk1"/>
-              </a:solidFill>
-              <a:latin typeface="+mn-lt"/>
-              <a:ea typeface="+mn-ea"/>
-              <a:cs typeface="+mn-cs"/>
-            </a:defRPr>
-          </a:lvl1pPr>
-          <a:lvl2pPr marL="457200" indent="0">
-            <a:defRPr sz="1100">
-              <a:solidFill>
-                <a:schemeClr val="dk1"/>
-              </a:solidFill>
-              <a:latin typeface="+mn-lt"/>
-              <a:ea typeface="+mn-ea"/>
-              <a:cs typeface="+mn-cs"/>
-            </a:defRPr>
-          </a:lvl2pPr>
-          <a:lvl3pPr marL="914400" indent="0">
-            <a:defRPr sz="1100">
-              <a:solidFill>
-                <a:schemeClr val="dk1"/>
-              </a:solidFill>
-              <a:latin typeface="+mn-lt"/>
-              <a:ea typeface="+mn-ea"/>
-              <a:cs typeface="+mn-cs"/>
-            </a:defRPr>
-          </a:lvl3pPr>
-          <a:lvl4pPr marL="1371600" indent="0">
-            <a:defRPr sz="1100">
-              <a:solidFill>
-                <a:schemeClr val="dk1"/>
-              </a:solidFill>
-              <a:latin typeface="+mn-lt"/>
-              <a:ea typeface="+mn-ea"/>
-              <a:cs typeface="+mn-cs"/>
-            </a:defRPr>
-          </a:lvl4pPr>
-          <a:lvl5pPr marL="1828800" indent="0">
-            <a:defRPr sz="1100">
-              <a:solidFill>
-                <a:schemeClr val="dk1"/>
-              </a:solidFill>
-              <a:latin typeface="+mn-lt"/>
-              <a:ea typeface="+mn-ea"/>
-              <a:cs typeface="+mn-cs"/>
-            </a:defRPr>
-          </a:lvl5pPr>
-          <a:lvl6pPr marL="2286000" indent="0">
-            <a:defRPr sz="1100">
-              <a:solidFill>
-                <a:schemeClr val="dk1"/>
-              </a:solidFill>
-              <a:latin typeface="+mn-lt"/>
-              <a:ea typeface="+mn-ea"/>
-              <a:cs typeface="+mn-cs"/>
-            </a:defRPr>
-          </a:lvl6pPr>
-          <a:lvl7pPr marL="2743200" indent="0">
-            <a:defRPr sz="1100">
-              <a:solidFill>
-                <a:schemeClr val="dk1"/>
-              </a:solidFill>
-              <a:latin typeface="+mn-lt"/>
-              <a:ea typeface="+mn-ea"/>
-              <a:cs typeface="+mn-cs"/>
-            </a:defRPr>
-          </a:lvl7pPr>
-          <a:lvl8pPr marL="3200400" indent="0">
-            <a:defRPr sz="1100">
-              <a:solidFill>
-                <a:schemeClr val="dk1"/>
-              </a:solidFill>
-              <a:latin typeface="+mn-lt"/>
-              <a:ea typeface="+mn-ea"/>
-              <a:cs typeface="+mn-cs"/>
-            </a:defRPr>
-          </a:lvl8pPr>
-          <a:lvl9pPr marL="3657600" indent="0">
-            <a:defRPr sz="1100">
-              <a:solidFill>
-                <a:schemeClr val="dk1"/>
-              </a:solidFill>
-              <a:latin typeface="+mn-lt"/>
-              <a:ea typeface="+mn-ea"/>
-              <a:cs typeface="+mn-cs"/>
-            </a:defRPr>
-          </a:lvl9pPr>
-        </a:lstStyle>
-        <a:p xmlns:a="http://schemas.openxmlformats.org/drawingml/2006/main">
-          <a:pPr algn="ctr"/>
-          <a:endParaRPr lang="en-NL"/>
-        </a:p>
-      </cdr:txBody>
-    </cdr:sp>
-  </cdr:relSizeAnchor>
-  <cdr:relSizeAnchor xmlns:cdr="http://schemas.openxmlformats.org/drawingml/2006/chartDrawing">
-    <cdr:from>
-      <cdr:x>0.74158</cdr:x>
-      <cdr:y>0.30748</cdr:y>
-    </cdr:from>
-    <cdr:to>
-      <cdr:x>0.85408</cdr:x>
-      <cdr:y>0.30748</cdr:y>
+      <cdr:x>0.85293</cdr:x>
+      <cdr:y>0.19431</cdr:y>
     </cdr:to>
     <cdr:cxnSp macro="">
       <cdr:nvCxnSpPr>
@@ -4895,8 +4895,8 @@
       </cdr:nvCxnSpPr>
       <cdr:spPr>
         <a:xfrm xmlns:a="http://schemas.openxmlformats.org/drawingml/2006/main">
-          <a:off x="6027543" y="1666117"/>
-          <a:ext cx="914400" cy="0"/>
+          <a:off x="6036866" y="1052890"/>
+          <a:ext cx="895753" cy="0"/>
         </a:xfrm>
         <a:prstGeom xmlns:a="http://schemas.openxmlformats.org/drawingml/2006/main" prst="line">
           <a:avLst/>
@@ -4927,11 +4927,11 @@
   <cdr:relSizeAnchor xmlns:cdr="http://schemas.openxmlformats.org/drawingml/2006/chartDrawing">
     <cdr:from>
       <cdr:x>0.2185</cdr:x>
-      <cdr:y>0.68047</cdr:y>
+      <cdr:y>0.63761</cdr:y>
     </cdr:from>
     <cdr:to>
-      <cdr:x>0.331</cdr:x>
-      <cdr:y>0.92773</cdr:y>
+      <cdr:x>0.33304</cdr:x>
+      <cdr:y>0.93359</cdr:y>
     </cdr:to>
     <cdr:sp macro="" textlink="">
       <cdr:nvSpPr>
@@ -4946,8 +4946,8 @@
       </cdr:nvSpPr>
       <cdr:spPr>
         <a:xfrm xmlns:a="http://schemas.openxmlformats.org/drawingml/2006/main">
-          <a:off x="1775985" y="3687232"/>
-          <a:ext cx="914400" cy="1339850"/>
+          <a:off x="1775967" y="3455003"/>
+          <a:ext cx="930947" cy="1603829"/>
         </a:xfrm>
         <a:prstGeom xmlns:a="http://schemas.openxmlformats.org/drawingml/2006/main" prst="rect">
           <a:avLst/>
@@ -5075,11 +5075,11 @@
   <cdr:relSizeAnchor xmlns:cdr="http://schemas.openxmlformats.org/drawingml/2006/chartDrawing">
     <cdr:from>
       <cdr:x>0.2185</cdr:x>
-      <cdr:y>0.8041</cdr:y>
+      <cdr:y>0.7856</cdr:y>
     </cdr:from>
     <cdr:to>
-      <cdr:x>0.331</cdr:x>
-      <cdr:y>0.8041</cdr:y>
+      <cdr:x>0.33304</cdr:x>
+      <cdr:y>0.7856</cdr:y>
     </cdr:to>
     <cdr:cxnSp macro="">
       <cdr:nvCxnSpPr>
@@ -5097,7 +5097,201 @@
       </cdr:nvCxnSpPr>
       <cdr:spPr>
         <a:xfrm xmlns:a="http://schemas.openxmlformats.org/drawingml/2006/main">
-          <a:off x="1775985" y="4357157"/>
+          <a:off x="1775967" y="4256918"/>
+          <a:ext cx="930947" cy="0"/>
+        </a:xfrm>
+        <a:prstGeom xmlns:a="http://schemas.openxmlformats.org/drawingml/2006/main" prst="line">
+          <a:avLst/>
+        </a:prstGeom>
+        <a:ln xmlns:a="http://schemas.openxmlformats.org/drawingml/2006/main" w="19050"/>
+      </cdr:spPr>
+      <cdr:style>
+        <a:lnRef xmlns:a="http://schemas.openxmlformats.org/drawingml/2006/main" idx="1">
+          <a:schemeClr val="accent1"/>
+        </a:lnRef>
+        <a:fillRef xmlns:a="http://schemas.openxmlformats.org/drawingml/2006/main" idx="0">
+          <a:schemeClr val="accent1"/>
+        </a:fillRef>
+        <a:effectRef xmlns:a="http://schemas.openxmlformats.org/drawingml/2006/main" idx="0">
+          <a:schemeClr val="accent1"/>
+        </a:effectRef>
+        <a:fontRef xmlns:a="http://schemas.openxmlformats.org/drawingml/2006/main" idx="minor">
+          <a:schemeClr val="tx1"/>
+        </a:fontRef>
+      </cdr:style>
+    </cdr:cxnSp>
+  </cdr:relSizeAnchor>
+  <cdr:relSizeAnchor xmlns:cdr="http://schemas.openxmlformats.org/drawingml/2006/chartDrawing">
+    <cdr:from>
+      <cdr:x>0.48004</cdr:x>
+      <cdr:y>0.19243</cdr:y>
+    </cdr:from>
+    <cdr:to>
+      <cdr:x>0.59254</cdr:x>
+      <cdr:y>0.48707</cdr:y>
+    </cdr:to>
+    <cdr:sp macro="" textlink="">
+      <cdr:nvSpPr>
+        <cdr:cNvPr id="22" name="Rectangle 21">
+          <a:extLst xmlns:a="http://schemas.openxmlformats.org/drawingml/2006/main">
+            <a:ext uri="{FF2B5EF4-FFF2-40B4-BE49-F238E27FC236}">
+              <a16:creationId xmlns:a16="http://schemas.microsoft.com/office/drawing/2014/main" id="{C3DFED8B-1F78-4C78-8E44-B87D948D75E7}"/>
+            </a:ext>
+          </a:extLst>
+        </cdr:cNvPr>
+        <cdr:cNvSpPr/>
+      </cdr:nvSpPr>
+      <cdr:spPr>
+        <a:xfrm xmlns:a="http://schemas.openxmlformats.org/drawingml/2006/main">
+          <a:off x="3901765" y="1042691"/>
+          <a:ext cx="914400" cy="1596580"/>
+        </a:xfrm>
+        <a:prstGeom xmlns:a="http://schemas.openxmlformats.org/drawingml/2006/main" prst="rect">
+          <a:avLst/>
+        </a:prstGeom>
+        <a:ln xmlns:a="http://schemas.openxmlformats.org/drawingml/2006/main" w="19050"/>
+      </cdr:spPr>
+      <cdr:style>
+        <a:lnRef xmlns:a="http://schemas.openxmlformats.org/drawingml/2006/main" idx="1">
+          <a:schemeClr val="accent5"/>
+        </a:lnRef>
+        <a:fillRef xmlns:a="http://schemas.openxmlformats.org/drawingml/2006/main" idx="2">
+          <a:schemeClr val="accent5"/>
+        </a:fillRef>
+        <a:effectRef xmlns:a="http://schemas.openxmlformats.org/drawingml/2006/main" idx="1">
+          <a:schemeClr val="accent5"/>
+        </a:effectRef>
+        <a:fontRef xmlns:a="http://schemas.openxmlformats.org/drawingml/2006/main" idx="minor">
+          <a:schemeClr val="dk1"/>
+        </a:fontRef>
+      </cdr:style>
+      <cdr:txBody>
+        <a:bodyPr xmlns:a="http://schemas.openxmlformats.org/drawingml/2006/main" rtlCol="0" anchor="ctr"/>
+        <a:lstStyle xmlns:a="http://schemas.openxmlformats.org/drawingml/2006/main">
+          <a:lvl1pPr marL="0" indent="0">
+            <a:defRPr sz="1100">
+              <a:solidFill>
+                <a:schemeClr val="dk1"/>
+              </a:solidFill>
+              <a:latin typeface="+mn-lt"/>
+              <a:ea typeface="+mn-ea"/>
+              <a:cs typeface="+mn-cs"/>
+            </a:defRPr>
+          </a:lvl1pPr>
+          <a:lvl2pPr marL="457200" indent="0">
+            <a:defRPr sz="1100">
+              <a:solidFill>
+                <a:schemeClr val="dk1"/>
+              </a:solidFill>
+              <a:latin typeface="+mn-lt"/>
+              <a:ea typeface="+mn-ea"/>
+              <a:cs typeface="+mn-cs"/>
+            </a:defRPr>
+          </a:lvl2pPr>
+          <a:lvl3pPr marL="914400" indent="0">
+            <a:defRPr sz="1100">
+              <a:solidFill>
+                <a:schemeClr val="dk1"/>
+              </a:solidFill>
+              <a:latin typeface="+mn-lt"/>
+              <a:ea typeface="+mn-ea"/>
+              <a:cs typeface="+mn-cs"/>
+            </a:defRPr>
+          </a:lvl3pPr>
+          <a:lvl4pPr marL="1371600" indent="0">
+            <a:defRPr sz="1100">
+              <a:solidFill>
+                <a:schemeClr val="dk1"/>
+              </a:solidFill>
+              <a:latin typeface="+mn-lt"/>
+              <a:ea typeface="+mn-ea"/>
+              <a:cs typeface="+mn-cs"/>
+            </a:defRPr>
+          </a:lvl4pPr>
+          <a:lvl5pPr marL="1828800" indent="0">
+            <a:defRPr sz="1100">
+              <a:solidFill>
+                <a:schemeClr val="dk1"/>
+              </a:solidFill>
+              <a:latin typeface="+mn-lt"/>
+              <a:ea typeface="+mn-ea"/>
+              <a:cs typeface="+mn-cs"/>
+            </a:defRPr>
+          </a:lvl5pPr>
+          <a:lvl6pPr marL="2286000" indent="0">
+            <a:defRPr sz="1100">
+              <a:solidFill>
+                <a:schemeClr val="dk1"/>
+              </a:solidFill>
+              <a:latin typeface="+mn-lt"/>
+              <a:ea typeface="+mn-ea"/>
+              <a:cs typeface="+mn-cs"/>
+            </a:defRPr>
+          </a:lvl6pPr>
+          <a:lvl7pPr marL="2743200" indent="0">
+            <a:defRPr sz="1100">
+              <a:solidFill>
+                <a:schemeClr val="dk1"/>
+              </a:solidFill>
+              <a:latin typeface="+mn-lt"/>
+              <a:ea typeface="+mn-ea"/>
+              <a:cs typeface="+mn-cs"/>
+            </a:defRPr>
+          </a:lvl7pPr>
+          <a:lvl8pPr marL="3200400" indent="0">
+            <a:defRPr sz="1100">
+              <a:solidFill>
+                <a:schemeClr val="dk1"/>
+              </a:solidFill>
+              <a:latin typeface="+mn-lt"/>
+              <a:ea typeface="+mn-ea"/>
+              <a:cs typeface="+mn-cs"/>
+            </a:defRPr>
+          </a:lvl8pPr>
+          <a:lvl9pPr marL="3657600" indent="0">
+            <a:defRPr sz="1100">
+              <a:solidFill>
+                <a:schemeClr val="dk1"/>
+              </a:solidFill>
+              <a:latin typeface="+mn-lt"/>
+              <a:ea typeface="+mn-ea"/>
+              <a:cs typeface="+mn-cs"/>
+            </a:defRPr>
+          </a:lvl9pPr>
+        </a:lstStyle>
+        <a:p xmlns:a="http://schemas.openxmlformats.org/drawingml/2006/main">
+          <a:pPr algn="ctr"/>
+          <a:endParaRPr lang="en-NL"/>
+        </a:p>
+      </cdr:txBody>
+    </cdr:sp>
+  </cdr:relSizeAnchor>
+  <cdr:relSizeAnchor xmlns:cdr="http://schemas.openxmlformats.org/drawingml/2006/chartDrawing">
+    <cdr:from>
+      <cdr:x>0.48004</cdr:x>
+      <cdr:y>0.33975</cdr:y>
+    </cdr:from>
+    <cdr:to>
+      <cdr:x>0.59254</cdr:x>
+      <cdr:y>0.33975</cdr:y>
+    </cdr:to>
+    <cdr:cxnSp macro="">
+      <cdr:nvCxnSpPr>
+        <cdr:cNvPr id="23" name="Straight Connector 22">
+          <a:extLst xmlns:a="http://schemas.openxmlformats.org/drawingml/2006/main">
+            <a:ext uri="{FF2B5EF4-FFF2-40B4-BE49-F238E27FC236}">
+              <a16:creationId xmlns:a16="http://schemas.microsoft.com/office/drawing/2014/main" id="{3DB7D404-9539-4881-B9D2-93AAE285D635}"/>
+            </a:ext>
+          </a:extLst>
+        </cdr:cNvPr>
+        <cdr:cNvCxnSpPr>
+          <a:stCxn xmlns:a="http://schemas.openxmlformats.org/drawingml/2006/main" id="22" idx="1"/>
+          <a:endCxn xmlns:a="http://schemas.openxmlformats.org/drawingml/2006/main" id="22" idx="3"/>
+        </cdr:cNvCxnSpPr>
+      </cdr:nvCxnSpPr>
+      <cdr:spPr>
+        <a:xfrm xmlns:a="http://schemas.openxmlformats.org/drawingml/2006/main">
+          <a:off x="3901765" y="1840981"/>
           <a:ext cx="914400" cy="0"/>
         </a:xfrm>
         <a:prstGeom xmlns:a="http://schemas.openxmlformats.org/drawingml/2006/main" prst="line">
@@ -5123,16 +5317,16 @@
   </cdr:relSizeAnchor>
   <cdr:relSizeAnchor xmlns:cdr="http://schemas.openxmlformats.org/drawingml/2006/chartDrawing">
     <cdr:from>
-      <cdr:x>0.48004</cdr:x>
-      <cdr:y>0.31283</cdr:y>
+      <cdr:x>0.74272</cdr:x>
+      <cdr:y>0.04699</cdr:y>
     </cdr:from>
     <cdr:to>
-      <cdr:x>0.59254</cdr:x>
-      <cdr:y>0.55792</cdr:y>
+      <cdr:x>0.85293</cdr:x>
+      <cdr:y>0.34163</cdr:y>
     </cdr:to>
     <cdr:sp macro="" textlink="">
       <cdr:nvSpPr>
-        <cdr:cNvPr id="22" name="Rectangle 21">
+        <cdr:cNvPr id="24" name="Rectangle 23">
           <a:extLst xmlns:a="http://schemas.openxmlformats.org/drawingml/2006/main">
             <a:ext uri="{FF2B5EF4-FFF2-40B4-BE49-F238E27FC236}">
               <a16:creationId xmlns:a16="http://schemas.microsoft.com/office/drawing/2014/main" id="{C3DFED8B-1F78-4C78-8E44-B87D948D75E7}"/>
@@ -5143,8 +5337,8 @@
       </cdr:nvSpPr>
       <cdr:spPr>
         <a:xfrm xmlns:a="http://schemas.openxmlformats.org/drawingml/2006/main">
-          <a:off x="3901764" y="1695147"/>
-          <a:ext cx="914400" cy="1328057"/>
+          <a:off x="6036866" y="254604"/>
+          <a:ext cx="895753" cy="1596572"/>
         </a:xfrm>
         <a:prstGeom xmlns:a="http://schemas.openxmlformats.org/drawingml/2006/main" prst="rect">
           <a:avLst/>
@@ -5268,206 +5462,12 @@
   </cdr:relSizeAnchor>
   <cdr:relSizeAnchor xmlns:cdr="http://schemas.openxmlformats.org/drawingml/2006/chartDrawing">
     <cdr:from>
-      <cdr:x>0.48004</cdr:x>
-      <cdr:y>0.43538</cdr:y>
+      <cdr:x>0.74272</cdr:x>
+      <cdr:y>0.19431</cdr:y>
     </cdr:from>
     <cdr:to>
-      <cdr:x>0.59254</cdr:x>
-      <cdr:y>0.43538</cdr:y>
-    </cdr:to>
-    <cdr:cxnSp macro="">
-      <cdr:nvCxnSpPr>
-        <cdr:cNvPr id="23" name="Straight Connector 22">
-          <a:extLst xmlns:a="http://schemas.openxmlformats.org/drawingml/2006/main">
-            <a:ext uri="{FF2B5EF4-FFF2-40B4-BE49-F238E27FC236}">
-              <a16:creationId xmlns:a16="http://schemas.microsoft.com/office/drawing/2014/main" id="{3DB7D404-9539-4881-B9D2-93AAE285D635}"/>
-            </a:ext>
-          </a:extLst>
-        </cdr:cNvPr>
-        <cdr:cNvCxnSpPr>
-          <a:stCxn xmlns:a="http://schemas.openxmlformats.org/drawingml/2006/main" id="22" idx="1"/>
-          <a:endCxn xmlns:a="http://schemas.openxmlformats.org/drawingml/2006/main" id="22" idx="3"/>
-        </cdr:cNvCxnSpPr>
-      </cdr:nvCxnSpPr>
-      <cdr:spPr>
-        <a:xfrm xmlns:a="http://schemas.openxmlformats.org/drawingml/2006/main">
-          <a:off x="3901764" y="2359176"/>
-          <a:ext cx="914400" cy="0"/>
-        </a:xfrm>
-        <a:prstGeom xmlns:a="http://schemas.openxmlformats.org/drawingml/2006/main" prst="line">
-          <a:avLst/>
-        </a:prstGeom>
-        <a:ln xmlns:a="http://schemas.openxmlformats.org/drawingml/2006/main" w="19050"/>
-      </cdr:spPr>
-      <cdr:style>
-        <a:lnRef xmlns:a="http://schemas.openxmlformats.org/drawingml/2006/main" idx="1">
-          <a:schemeClr val="accent1"/>
-        </a:lnRef>
-        <a:fillRef xmlns:a="http://schemas.openxmlformats.org/drawingml/2006/main" idx="0">
-          <a:schemeClr val="accent1"/>
-        </a:fillRef>
-        <a:effectRef xmlns:a="http://schemas.openxmlformats.org/drawingml/2006/main" idx="0">
-          <a:schemeClr val="accent1"/>
-        </a:effectRef>
-        <a:fontRef xmlns:a="http://schemas.openxmlformats.org/drawingml/2006/main" idx="minor">
-          <a:schemeClr val="tx1"/>
-        </a:fontRef>
-      </cdr:style>
-    </cdr:cxnSp>
-  </cdr:relSizeAnchor>
-  <cdr:relSizeAnchor xmlns:cdr="http://schemas.openxmlformats.org/drawingml/2006/chartDrawing">
-    <cdr:from>
-      <cdr:x>0.74158</cdr:x>
-      <cdr:y>0.18091</cdr:y>
-    </cdr:from>
-    <cdr:to>
-      <cdr:x>0.85408</cdr:x>
-      <cdr:y>0.43404</cdr:y>
-    </cdr:to>
-    <cdr:sp macro="" textlink="">
-      <cdr:nvSpPr>
-        <cdr:cNvPr id="24" name="Rectangle 23">
-          <a:extLst xmlns:a="http://schemas.openxmlformats.org/drawingml/2006/main">
-            <a:ext uri="{FF2B5EF4-FFF2-40B4-BE49-F238E27FC236}">
-              <a16:creationId xmlns:a16="http://schemas.microsoft.com/office/drawing/2014/main" id="{C3DFED8B-1F78-4C78-8E44-B87D948D75E7}"/>
-            </a:ext>
-          </a:extLst>
-        </cdr:cNvPr>
-        <cdr:cNvSpPr/>
-      </cdr:nvSpPr>
-      <cdr:spPr>
-        <a:xfrm xmlns:a="http://schemas.openxmlformats.org/drawingml/2006/main">
-          <a:off x="6027543" y="980316"/>
-          <a:ext cx="914400" cy="1371601"/>
-        </a:xfrm>
-        <a:prstGeom xmlns:a="http://schemas.openxmlformats.org/drawingml/2006/main" prst="rect">
-          <a:avLst/>
-        </a:prstGeom>
-        <a:ln xmlns:a="http://schemas.openxmlformats.org/drawingml/2006/main" w="19050"/>
-      </cdr:spPr>
-      <cdr:style>
-        <a:lnRef xmlns:a="http://schemas.openxmlformats.org/drawingml/2006/main" idx="1">
-          <a:schemeClr val="accent5"/>
-        </a:lnRef>
-        <a:fillRef xmlns:a="http://schemas.openxmlformats.org/drawingml/2006/main" idx="2">
-          <a:schemeClr val="accent5"/>
-        </a:fillRef>
-        <a:effectRef xmlns:a="http://schemas.openxmlformats.org/drawingml/2006/main" idx="1">
-          <a:schemeClr val="accent5"/>
-        </a:effectRef>
-        <a:fontRef xmlns:a="http://schemas.openxmlformats.org/drawingml/2006/main" idx="minor">
-          <a:schemeClr val="dk1"/>
-        </a:fontRef>
-      </cdr:style>
-      <cdr:txBody>
-        <a:bodyPr xmlns:a="http://schemas.openxmlformats.org/drawingml/2006/main" rtlCol="0" anchor="ctr"/>
-        <a:lstStyle xmlns:a="http://schemas.openxmlformats.org/drawingml/2006/main">
-          <a:lvl1pPr marL="0" indent="0">
-            <a:defRPr sz="1100">
-              <a:solidFill>
-                <a:schemeClr val="dk1"/>
-              </a:solidFill>
-              <a:latin typeface="+mn-lt"/>
-              <a:ea typeface="+mn-ea"/>
-              <a:cs typeface="+mn-cs"/>
-            </a:defRPr>
-          </a:lvl1pPr>
-          <a:lvl2pPr marL="457200" indent="0">
-            <a:defRPr sz="1100">
-              <a:solidFill>
-                <a:schemeClr val="dk1"/>
-              </a:solidFill>
-              <a:latin typeface="+mn-lt"/>
-              <a:ea typeface="+mn-ea"/>
-              <a:cs typeface="+mn-cs"/>
-            </a:defRPr>
-          </a:lvl2pPr>
-          <a:lvl3pPr marL="914400" indent="0">
-            <a:defRPr sz="1100">
-              <a:solidFill>
-                <a:schemeClr val="dk1"/>
-              </a:solidFill>
-              <a:latin typeface="+mn-lt"/>
-              <a:ea typeface="+mn-ea"/>
-              <a:cs typeface="+mn-cs"/>
-            </a:defRPr>
-          </a:lvl3pPr>
-          <a:lvl4pPr marL="1371600" indent="0">
-            <a:defRPr sz="1100">
-              <a:solidFill>
-                <a:schemeClr val="dk1"/>
-              </a:solidFill>
-              <a:latin typeface="+mn-lt"/>
-              <a:ea typeface="+mn-ea"/>
-              <a:cs typeface="+mn-cs"/>
-            </a:defRPr>
-          </a:lvl4pPr>
-          <a:lvl5pPr marL="1828800" indent="0">
-            <a:defRPr sz="1100">
-              <a:solidFill>
-                <a:schemeClr val="dk1"/>
-              </a:solidFill>
-              <a:latin typeface="+mn-lt"/>
-              <a:ea typeface="+mn-ea"/>
-              <a:cs typeface="+mn-cs"/>
-            </a:defRPr>
-          </a:lvl5pPr>
-          <a:lvl6pPr marL="2286000" indent="0">
-            <a:defRPr sz="1100">
-              <a:solidFill>
-                <a:schemeClr val="dk1"/>
-              </a:solidFill>
-              <a:latin typeface="+mn-lt"/>
-              <a:ea typeface="+mn-ea"/>
-              <a:cs typeface="+mn-cs"/>
-            </a:defRPr>
-          </a:lvl6pPr>
-          <a:lvl7pPr marL="2743200" indent="0">
-            <a:defRPr sz="1100">
-              <a:solidFill>
-                <a:schemeClr val="dk1"/>
-              </a:solidFill>
-              <a:latin typeface="+mn-lt"/>
-              <a:ea typeface="+mn-ea"/>
-              <a:cs typeface="+mn-cs"/>
-            </a:defRPr>
-          </a:lvl7pPr>
-          <a:lvl8pPr marL="3200400" indent="0">
-            <a:defRPr sz="1100">
-              <a:solidFill>
-                <a:schemeClr val="dk1"/>
-              </a:solidFill>
-              <a:latin typeface="+mn-lt"/>
-              <a:ea typeface="+mn-ea"/>
-              <a:cs typeface="+mn-cs"/>
-            </a:defRPr>
-          </a:lvl8pPr>
-          <a:lvl9pPr marL="3657600" indent="0">
-            <a:defRPr sz="1100">
-              <a:solidFill>
-                <a:schemeClr val="dk1"/>
-              </a:solidFill>
-              <a:latin typeface="+mn-lt"/>
-              <a:ea typeface="+mn-ea"/>
-              <a:cs typeface="+mn-cs"/>
-            </a:defRPr>
-          </a:lvl9pPr>
-        </a:lstStyle>
-        <a:p xmlns:a="http://schemas.openxmlformats.org/drawingml/2006/main">
-          <a:pPr algn="ctr"/>
-          <a:endParaRPr lang="en-NL"/>
-        </a:p>
-      </cdr:txBody>
-    </cdr:sp>
-  </cdr:relSizeAnchor>
-  <cdr:relSizeAnchor xmlns:cdr="http://schemas.openxmlformats.org/drawingml/2006/chartDrawing">
-    <cdr:from>
-      <cdr:x>0.74158</cdr:x>
-      <cdr:y>0.30748</cdr:y>
-    </cdr:from>
-    <cdr:to>
-      <cdr:x>0.85408</cdr:x>
-      <cdr:y>0.30748</cdr:y>
+      <cdr:x>0.85293</cdr:x>
+      <cdr:y>0.19431</cdr:y>
     </cdr:to>
     <cdr:cxnSp macro="">
       <cdr:nvCxnSpPr>
@@ -5485,8 +5485,8 @@
       </cdr:nvCxnSpPr>
       <cdr:spPr>
         <a:xfrm xmlns:a="http://schemas.openxmlformats.org/drawingml/2006/main">
-          <a:off x="6027543" y="1666117"/>
-          <a:ext cx="914400" cy="0"/>
+          <a:off x="6036866" y="1052890"/>
+          <a:ext cx="895753" cy="0"/>
         </a:xfrm>
         <a:prstGeom xmlns:a="http://schemas.openxmlformats.org/drawingml/2006/main" prst="line">
           <a:avLst/>
@@ -5517,11 +5517,11 @@
   <cdr:relSizeAnchor xmlns:cdr="http://schemas.openxmlformats.org/drawingml/2006/chartDrawing">
     <cdr:from>
       <cdr:x>0.2185</cdr:x>
-      <cdr:y>0.68047</cdr:y>
+      <cdr:y>0.63761</cdr:y>
     </cdr:from>
     <cdr:to>
-      <cdr:x>0.331</cdr:x>
-      <cdr:y>0.92773</cdr:y>
+      <cdr:x>0.33304</cdr:x>
+      <cdr:y>0.93359</cdr:y>
     </cdr:to>
     <cdr:sp macro="" textlink="">
       <cdr:nvSpPr>
@@ -5536,8 +5536,8 @@
       </cdr:nvSpPr>
       <cdr:spPr>
         <a:xfrm xmlns:a="http://schemas.openxmlformats.org/drawingml/2006/main">
-          <a:off x="1775985" y="3687232"/>
-          <a:ext cx="914400" cy="1339850"/>
+          <a:off x="1775967" y="3455003"/>
+          <a:ext cx="930947" cy="1603829"/>
         </a:xfrm>
         <a:prstGeom xmlns:a="http://schemas.openxmlformats.org/drawingml/2006/main" prst="rect">
           <a:avLst/>
@@ -5665,11 +5665,11 @@
   <cdr:relSizeAnchor xmlns:cdr="http://schemas.openxmlformats.org/drawingml/2006/chartDrawing">
     <cdr:from>
       <cdr:x>0.2185</cdr:x>
-      <cdr:y>0.8041</cdr:y>
+      <cdr:y>0.7856</cdr:y>
     </cdr:from>
     <cdr:to>
-      <cdr:x>0.331</cdr:x>
-      <cdr:y>0.8041</cdr:y>
+      <cdr:x>0.33304</cdr:x>
+      <cdr:y>0.7856</cdr:y>
     </cdr:to>
     <cdr:cxnSp macro="">
       <cdr:nvCxnSpPr>
@@ -5687,7 +5687,201 @@
       </cdr:nvCxnSpPr>
       <cdr:spPr>
         <a:xfrm xmlns:a="http://schemas.openxmlformats.org/drawingml/2006/main">
-          <a:off x="1775985" y="4357157"/>
+          <a:off x="1775967" y="4256918"/>
+          <a:ext cx="930947" cy="0"/>
+        </a:xfrm>
+        <a:prstGeom xmlns:a="http://schemas.openxmlformats.org/drawingml/2006/main" prst="line">
+          <a:avLst/>
+        </a:prstGeom>
+        <a:ln xmlns:a="http://schemas.openxmlformats.org/drawingml/2006/main" w="19050"/>
+      </cdr:spPr>
+      <cdr:style>
+        <a:lnRef xmlns:a="http://schemas.openxmlformats.org/drawingml/2006/main" idx="1">
+          <a:schemeClr val="accent1"/>
+        </a:lnRef>
+        <a:fillRef xmlns:a="http://schemas.openxmlformats.org/drawingml/2006/main" idx="0">
+          <a:schemeClr val="accent1"/>
+        </a:fillRef>
+        <a:effectRef xmlns:a="http://schemas.openxmlformats.org/drawingml/2006/main" idx="0">
+          <a:schemeClr val="accent1"/>
+        </a:effectRef>
+        <a:fontRef xmlns:a="http://schemas.openxmlformats.org/drawingml/2006/main" idx="minor">
+          <a:schemeClr val="tx1"/>
+        </a:fontRef>
+      </cdr:style>
+    </cdr:cxnSp>
+  </cdr:relSizeAnchor>
+  <cdr:relSizeAnchor xmlns:cdr="http://schemas.openxmlformats.org/drawingml/2006/chartDrawing">
+    <cdr:from>
+      <cdr:x>0.48004</cdr:x>
+      <cdr:y>0.48895</cdr:y>
+    </cdr:from>
+    <cdr:to>
+      <cdr:x>0.59254</cdr:x>
+      <cdr:y>0.7836</cdr:y>
+    </cdr:to>
+    <cdr:sp macro="" textlink="">
+      <cdr:nvSpPr>
+        <cdr:cNvPr id="22" name="Rectangle 21">
+          <a:extLst xmlns:a="http://schemas.openxmlformats.org/drawingml/2006/main">
+            <a:ext uri="{FF2B5EF4-FFF2-40B4-BE49-F238E27FC236}">
+              <a16:creationId xmlns:a16="http://schemas.microsoft.com/office/drawing/2014/main" id="{C3DFED8B-1F78-4C78-8E44-B87D948D75E7}"/>
+            </a:ext>
+          </a:extLst>
+        </cdr:cNvPr>
+        <cdr:cNvSpPr/>
+      </cdr:nvSpPr>
+      <cdr:spPr>
+        <a:xfrm xmlns:a="http://schemas.openxmlformats.org/drawingml/2006/main">
+          <a:off x="3901764" y="2649466"/>
+          <a:ext cx="914400" cy="1596580"/>
+        </a:xfrm>
+        <a:prstGeom xmlns:a="http://schemas.openxmlformats.org/drawingml/2006/main" prst="rect">
+          <a:avLst/>
+        </a:prstGeom>
+        <a:ln xmlns:a="http://schemas.openxmlformats.org/drawingml/2006/main" w="19050"/>
+      </cdr:spPr>
+      <cdr:style>
+        <a:lnRef xmlns:a="http://schemas.openxmlformats.org/drawingml/2006/main" idx="1">
+          <a:schemeClr val="accent5"/>
+        </a:lnRef>
+        <a:fillRef xmlns:a="http://schemas.openxmlformats.org/drawingml/2006/main" idx="2">
+          <a:schemeClr val="accent5"/>
+        </a:fillRef>
+        <a:effectRef xmlns:a="http://schemas.openxmlformats.org/drawingml/2006/main" idx="1">
+          <a:schemeClr val="accent5"/>
+        </a:effectRef>
+        <a:fontRef xmlns:a="http://schemas.openxmlformats.org/drawingml/2006/main" idx="minor">
+          <a:schemeClr val="dk1"/>
+        </a:fontRef>
+      </cdr:style>
+      <cdr:txBody>
+        <a:bodyPr xmlns:a="http://schemas.openxmlformats.org/drawingml/2006/main" rtlCol="0" anchor="ctr"/>
+        <a:lstStyle xmlns:a="http://schemas.openxmlformats.org/drawingml/2006/main">
+          <a:lvl1pPr marL="0" indent="0">
+            <a:defRPr sz="1100">
+              <a:solidFill>
+                <a:schemeClr val="dk1"/>
+              </a:solidFill>
+              <a:latin typeface="+mn-lt"/>
+              <a:ea typeface="+mn-ea"/>
+              <a:cs typeface="+mn-cs"/>
+            </a:defRPr>
+          </a:lvl1pPr>
+          <a:lvl2pPr marL="457200" indent="0">
+            <a:defRPr sz="1100">
+              <a:solidFill>
+                <a:schemeClr val="dk1"/>
+              </a:solidFill>
+              <a:latin typeface="+mn-lt"/>
+              <a:ea typeface="+mn-ea"/>
+              <a:cs typeface="+mn-cs"/>
+            </a:defRPr>
+          </a:lvl2pPr>
+          <a:lvl3pPr marL="914400" indent="0">
+            <a:defRPr sz="1100">
+              <a:solidFill>
+                <a:schemeClr val="dk1"/>
+              </a:solidFill>
+              <a:latin typeface="+mn-lt"/>
+              <a:ea typeface="+mn-ea"/>
+              <a:cs typeface="+mn-cs"/>
+            </a:defRPr>
+          </a:lvl3pPr>
+          <a:lvl4pPr marL="1371600" indent="0">
+            <a:defRPr sz="1100">
+              <a:solidFill>
+                <a:schemeClr val="dk1"/>
+              </a:solidFill>
+              <a:latin typeface="+mn-lt"/>
+              <a:ea typeface="+mn-ea"/>
+              <a:cs typeface="+mn-cs"/>
+            </a:defRPr>
+          </a:lvl4pPr>
+          <a:lvl5pPr marL="1828800" indent="0">
+            <a:defRPr sz="1100">
+              <a:solidFill>
+                <a:schemeClr val="dk1"/>
+              </a:solidFill>
+              <a:latin typeface="+mn-lt"/>
+              <a:ea typeface="+mn-ea"/>
+              <a:cs typeface="+mn-cs"/>
+            </a:defRPr>
+          </a:lvl5pPr>
+          <a:lvl6pPr marL="2286000" indent="0">
+            <a:defRPr sz="1100">
+              <a:solidFill>
+                <a:schemeClr val="dk1"/>
+              </a:solidFill>
+              <a:latin typeface="+mn-lt"/>
+              <a:ea typeface="+mn-ea"/>
+              <a:cs typeface="+mn-cs"/>
+            </a:defRPr>
+          </a:lvl6pPr>
+          <a:lvl7pPr marL="2743200" indent="0">
+            <a:defRPr sz="1100">
+              <a:solidFill>
+                <a:schemeClr val="dk1"/>
+              </a:solidFill>
+              <a:latin typeface="+mn-lt"/>
+              <a:ea typeface="+mn-ea"/>
+              <a:cs typeface="+mn-cs"/>
+            </a:defRPr>
+          </a:lvl7pPr>
+          <a:lvl8pPr marL="3200400" indent="0">
+            <a:defRPr sz="1100">
+              <a:solidFill>
+                <a:schemeClr val="dk1"/>
+              </a:solidFill>
+              <a:latin typeface="+mn-lt"/>
+              <a:ea typeface="+mn-ea"/>
+              <a:cs typeface="+mn-cs"/>
+            </a:defRPr>
+          </a:lvl8pPr>
+          <a:lvl9pPr marL="3657600" indent="0">
+            <a:defRPr sz="1100">
+              <a:solidFill>
+                <a:schemeClr val="dk1"/>
+              </a:solidFill>
+              <a:latin typeface="+mn-lt"/>
+              <a:ea typeface="+mn-ea"/>
+              <a:cs typeface="+mn-cs"/>
+            </a:defRPr>
+          </a:lvl9pPr>
+        </a:lstStyle>
+        <a:p xmlns:a="http://schemas.openxmlformats.org/drawingml/2006/main">
+          <a:pPr algn="ctr"/>
+          <a:endParaRPr lang="en-NL"/>
+        </a:p>
+      </cdr:txBody>
+    </cdr:sp>
+  </cdr:relSizeAnchor>
+  <cdr:relSizeAnchor xmlns:cdr="http://schemas.openxmlformats.org/drawingml/2006/chartDrawing">
+    <cdr:from>
+      <cdr:x>0.48004</cdr:x>
+      <cdr:y>0.63627</cdr:y>
+    </cdr:from>
+    <cdr:to>
+      <cdr:x>0.59254</cdr:x>
+      <cdr:y>0.63627</cdr:y>
+    </cdr:to>
+    <cdr:cxnSp macro="">
+      <cdr:nvCxnSpPr>
+        <cdr:cNvPr id="23" name="Straight Connector 22">
+          <a:extLst xmlns:a="http://schemas.openxmlformats.org/drawingml/2006/main">
+            <a:ext uri="{FF2B5EF4-FFF2-40B4-BE49-F238E27FC236}">
+              <a16:creationId xmlns:a16="http://schemas.microsoft.com/office/drawing/2014/main" id="{3DB7D404-9539-4881-B9D2-93AAE285D635}"/>
+            </a:ext>
+          </a:extLst>
+        </cdr:cNvPr>
+        <cdr:cNvCxnSpPr>
+          <a:stCxn xmlns:a="http://schemas.openxmlformats.org/drawingml/2006/main" id="22" idx="1"/>
+          <a:endCxn xmlns:a="http://schemas.openxmlformats.org/drawingml/2006/main" id="22" idx="3"/>
+        </cdr:cNvCxnSpPr>
+      </cdr:nvCxnSpPr>
+      <cdr:spPr>
+        <a:xfrm xmlns:a="http://schemas.openxmlformats.org/drawingml/2006/main">
+          <a:off x="3901764" y="3447756"/>
           <a:ext cx="914400" cy="0"/>
         </a:xfrm>
         <a:prstGeom xmlns:a="http://schemas.openxmlformats.org/drawingml/2006/main" prst="line">
@@ -5713,16 +5907,16 @@
   </cdr:relSizeAnchor>
   <cdr:relSizeAnchor xmlns:cdr="http://schemas.openxmlformats.org/drawingml/2006/chartDrawing">
     <cdr:from>
-      <cdr:x>0.48004</cdr:x>
-      <cdr:y>0.55792</cdr:y>
+      <cdr:x>0.74272</cdr:x>
+      <cdr:y>0.04699</cdr:y>
     </cdr:from>
     <cdr:to>
-      <cdr:x>0.59254</cdr:x>
-      <cdr:y>0.80301</cdr:y>
+      <cdr:x>0.85293</cdr:x>
+      <cdr:y>0.34163</cdr:y>
     </cdr:to>
     <cdr:sp macro="" textlink="">
       <cdr:nvSpPr>
-        <cdr:cNvPr id="22" name="Rectangle 21">
+        <cdr:cNvPr id="24" name="Rectangle 23">
           <a:extLst xmlns:a="http://schemas.openxmlformats.org/drawingml/2006/main">
             <a:ext uri="{FF2B5EF4-FFF2-40B4-BE49-F238E27FC236}">
               <a16:creationId xmlns:a16="http://schemas.microsoft.com/office/drawing/2014/main" id="{C3DFED8B-1F78-4C78-8E44-B87D948D75E7}"/>
@@ -5733,8 +5927,8 @@
       </cdr:nvSpPr>
       <cdr:spPr>
         <a:xfrm xmlns:a="http://schemas.openxmlformats.org/drawingml/2006/main">
-          <a:off x="3901764" y="3023204"/>
-          <a:ext cx="914400" cy="1328057"/>
+          <a:off x="6036866" y="254604"/>
+          <a:ext cx="895753" cy="1596572"/>
         </a:xfrm>
         <a:prstGeom xmlns:a="http://schemas.openxmlformats.org/drawingml/2006/main" prst="rect">
           <a:avLst/>
@@ -5858,206 +6052,12 @@
   </cdr:relSizeAnchor>
   <cdr:relSizeAnchor xmlns:cdr="http://schemas.openxmlformats.org/drawingml/2006/chartDrawing">
     <cdr:from>
-      <cdr:x>0.48004</cdr:x>
-      <cdr:y>0.68047</cdr:y>
+      <cdr:x>0.74272</cdr:x>
+      <cdr:y>0.19431</cdr:y>
     </cdr:from>
     <cdr:to>
-      <cdr:x>0.59254</cdr:x>
-      <cdr:y>0.68047</cdr:y>
-    </cdr:to>
-    <cdr:cxnSp macro="">
-      <cdr:nvCxnSpPr>
-        <cdr:cNvPr id="23" name="Straight Connector 22">
-          <a:extLst xmlns:a="http://schemas.openxmlformats.org/drawingml/2006/main">
-            <a:ext uri="{FF2B5EF4-FFF2-40B4-BE49-F238E27FC236}">
-              <a16:creationId xmlns:a16="http://schemas.microsoft.com/office/drawing/2014/main" id="{3DB7D404-9539-4881-B9D2-93AAE285D635}"/>
-            </a:ext>
-          </a:extLst>
-        </cdr:cNvPr>
-        <cdr:cNvCxnSpPr>
-          <a:stCxn xmlns:a="http://schemas.openxmlformats.org/drawingml/2006/main" id="22" idx="1"/>
-          <a:endCxn xmlns:a="http://schemas.openxmlformats.org/drawingml/2006/main" id="22" idx="3"/>
-        </cdr:cNvCxnSpPr>
-      </cdr:nvCxnSpPr>
-      <cdr:spPr>
-        <a:xfrm xmlns:a="http://schemas.openxmlformats.org/drawingml/2006/main">
-          <a:off x="3901764" y="3687233"/>
-          <a:ext cx="914400" cy="0"/>
-        </a:xfrm>
-        <a:prstGeom xmlns:a="http://schemas.openxmlformats.org/drawingml/2006/main" prst="line">
-          <a:avLst/>
-        </a:prstGeom>
-        <a:ln xmlns:a="http://schemas.openxmlformats.org/drawingml/2006/main" w="19050"/>
-      </cdr:spPr>
-      <cdr:style>
-        <a:lnRef xmlns:a="http://schemas.openxmlformats.org/drawingml/2006/main" idx="1">
-          <a:schemeClr val="accent1"/>
-        </a:lnRef>
-        <a:fillRef xmlns:a="http://schemas.openxmlformats.org/drawingml/2006/main" idx="0">
-          <a:schemeClr val="accent1"/>
-        </a:fillRef>
-        <a:effectRef xmlns:a="http://schemas.openxmlformats.org/drawingml/2006/main" idx="0">
-          <a:schemeClr val="accent1"/>
-        </a:effectRef>
-        <a:fontRef xmlns:a="http://schemas.openxmlformats.org/drawingml/2006/main" idx="minor">
-          <a:schemeClr val="tx1"/>
-        </a:fontRef>
-      </cdr:style>
-    </cdr:cxnSp>
-  </cdr:relSizeAnchor>
-  <cdr:relSizeAnchor xmlns:cdr="http://schemas.openxmlformats.org/drawingml/2006/chartDrawing">
-    <cdr:from>
-      <cdr:x>0.74158</cdr:x>
-      <cdr:y>0.18091</cdr:y>
-    </cdr:from>
-    <cdr:to>
-      <cdr:x>0.85408</cdr:x>
-      <cdr:y>0.43404</cdr:y>
-    </cdr:to>
-    <cdr:sp macro="" textlink="">
-      <cdr:nvSpPr>
-        <cdr:cNvPr id="24" name="Rectangle 23">
-          <a:extLst xmlns:a="http://schemas.openxmlformats.org/drawingml/2006/main">
-            <a:ext uri="{FF2B5EF4-FFF2-40B4-BE49-F238E27FC236}">
-              <a16:creationId xmlns:a16="http://schemas.microsoft.com/office/drawing/2014/main" id="{C3DFED8B-1F78-4C78-8E44-B87D948D75E7}"/>
-            </a:ext>
-          </a:extLst>
-        </cdr:cNvPr>
-        <cdr:cNvSpPr/>
-      </cdr:nvSpPr>
-      <cdr:spPr>
-        <a:xfrm xmlns:a="http://schemas.openxmlformats.org/drawingml/2006/main">
-          <a:off x="6027543" y="980316"/>
-          <a:ext cx="914400" cy="1371601"/>
-        </a:xfrm>
-        <a:prstGeom xmlns:a="http://schemas.openxmlformats.org/drawingml/2006/main" prst="rect">
-          <a:avLst/>
-        </a:prstGeom>
-        <a:ln xmlns:a="http://schemas.openxmlformats.org/drawingml/2006/main" w="19050"/>
-      </cdr:spPr>
-      <cdr:style>
-        <a:lnRef xmlns:a="http://schemas.openxmlformats.org/drawingml/2006/main" idx="1">
-          <a:schemeClr val="accent5"/>
-        </a:lnRef>
-        <a:fillRef xmlns:a="http://schemas.openxmlformats.org/drawingml/2006/main" idx="2">
-          <a:schemeClr val="accent5"/>
-        </a:fillRef>
-        <a:effectRef xmlns:a="http://schemas.openxmlformats.org/drawingml/2006/main" idx="1">
-          <a:schemeClr val="accent5"/>
-        </a:effectRef>
-        <a:fontRef xmlns:a="http://schemas.openxmlformats.org/drawingml/2006/main" idx="minor">
-          <a:schemeClr val="dk1"/>
-        </a:fontRef>
-      </cdr:style>
-      <cdr:txBody>
-        <a:bodyPr xmlns:a="http://schemas.openxmlformats.org/drawingml/2006/main" rtlCol="0" anchor="ctr"/>
-        <a:lstStyle xmlns:a="http://schemas.openxmlformats.org/drawingml/2006/main">
-          <a:lvl1pPr marL="0" indent="0">
-            <a:defRPr sz="1100">
-              <a:solidFill>
-                <a:schemeClr val="dk1"/>
-              </a:solidFill>
-              <a:latin typeface="+mn-lt"/>
-              <a:ea typeface="+mn-ea"/>
-              <a:cs typeface="+mn-cs"/>
-            </a:defRPr>
-          </a:lvl1pPr>
-          <a:lvl2pPr marL="457200" indent="0">
-            <a:defRPr sz="1100">
-              <a:solidFill>
-                <a:schemeClr val="dk1"/>
-              </a:solidFill>
-              <a:latin typeface="+mn-lt"/>
-              <a:ea typeface="+mn-ea"/>
-              <a:cs typeface="+mn-cs"/>
-            </a:defRPr>
-          </a:lvl2pPr>
-          <a:lvl3pPr marL="914400" indent="0">
-            <a:defRPr sz="1100">
-              <a:solidFill>
-                <a:schemeClr val="dk1"/>
-              </a:solidFill>
-              <a:latin typeface="+mn-lt"/>
-              <a:ea typeface="+mn-ea"/>
-              <a:cs typeface="+mn-cs"/>
-            </a:defRPr>
-          </a:lvl3pPr>
-          <a:lvl4pPr marL="1371600" indent="0">
-            <a:defRPr sz="1100">
-              <a:solidFill>
-                <a:schemeClr val="dk1"/>
-              </a:solidFill>
-              <a:latin typeface="+mn-lt"/>
-              <a:ea typeface="+mn-ea"/>
-              <a:cs typeface="+mn-cs"/>
-            </a:defRPr>
-          </a:lvl4pPr>
-          <a:lvl5pPr marL="1828800" indent="0">
-            <a:defRPr sz="1100">
-              <a:solidFill>
-                <a:schemeClr val="dk1"/>
-              </a:solidFill>
-              <a:latin typeface="+mn-lt"/>
-              <a:ea typeface="+mn-ea"/>
-              <a:cs typeface="+mn-cs"/>
-            </a:defRPr>
-          </a:lvl5pPr>
-          <a:lvl6pPr marL="2286000" indent="0">
-            <a:defRPr sz="1100">
-              <a:solidFill>
-                <a:schemeClr val="dk1"/>
-              </a:solidFill>
-              <a:latin typeface="+mn-lt"/>
-              <a:ea typeface="+mn-ea"/>
-              <a:cs typeface="+mn-cs"/>
-            </a:defRPr>
-          </a:lvl6pPr>
-          <a:lvl7pPr marL="2743200" indent="0">
-            <a:defRPr sz="1100">
-              <a:solidFill>
-                <a:schemeClr val="dk1"/>
-              </a:solidFill>
-              <a:latin typeface="+mn-lt"/>
-              <a:ea typeface="+mn-ea"/>
-              <a:cs typeface="+mn-cs"/>
-            </a:defRPr>
-          </a:lvl7pPr>
-          <a:lvl8pPr marL="3200400" indent="0">
-            <a:defRPr sz="1100">
-              <a:solidFill>
-                <a:schemeClr val="dk1"/>
-              </a:solidFill>
-              <a:latin typeface="+mn-lt"/>
-              <a:ea typeface="+mn-ea"/>
-              <a:cs typeface="+mn-cs"/>
-            </a:defRPr>
-          </a:lvl8pPr>
-          <a:lvl9pPr marL="3657600" indent="0">
-            <a:defRPr sz="1100">
-              <a:solidFill>
-                <a:schemeClr val="dk1"/>
-              </a:solidFill>
-              <a:latin typeface="+mn-lt"/>
-              <a:ea typeface="+mn-ea"/>
-              <a:cs typeface="+mn-cs"/>
-            </a:defRPr>
-          </a:lvl9pPr>
-        </a:lstStyle>
-        <a:p xmlns:a="http://schemas.openxmlformats.org/drawingml/2006/main">
-          <a:pPr algn="ctr"/>
-          <a:endParaRPr lang="en-NL"/>
-        </a:p>
-      </cdr:txBody>
-    </cdr:sp>
-  </cdr:relSizeAnchor>
-  <cdr:relSizeAnchor xmlns:cdr="http://schemas.openxmlformats.org/drawingml/2006/chartDrawing">
-    <cdr:from>
-      <cdr:x>0.74158</cdr:x>
-      <cdr:y>0.30748</cdr:y>
-    </cdr:from>
-    <cdr:to>
-      <cdr:x>0.85408</cdr:x>
-      <cdr:y>0.30748</cdr:y>
+      <cdr:x>0.85293</cdr:x>
+      <cdr:y>0.19431</cdr:y>
     </cdr:to>
     <cdr:cxnSp macro="">
       <cdr:nvCxnSpPr>
@@ -6075,8 +6075,8 @@
       </cdr:nvCxnSpPr>
       <cdr:spPr>
         <a:xfrm xmlns:a="http://schemas.openxmlformats.org/drawingml/2006/main">
-          <a:off x="6027543" y="1666117"/>
-          <a:ext cx="914400" cy="0"/>
+          <a:off x="6036866" y="1052890"/>
+          <a:ext cx="895753" cy="0"/>
         </a:xfrm>
         <a:prstGeom xmlns:a="http://schemas.openxmlformats.org/drawingml/2006/main" prst="line">
           <a:avLst/>
@@ -6251,7 +6251,7 @@
           <a:p>
             <a:fld id="{FACEE181-5E95-4012-89B5-E5CF011362D6}" type="datetimeFigureOut">
               <a:rPr lang="en-NL" smtClean="0"/>
-              <a:t>12/07/2021</a:t>
+              <a:t>26/07/2021</a:t>
             </a:fld>
             <a:endParaRPr lang="en-NL"/>
           </a:p>
@@ -6451,7 +6451,7 @@
           <a:p>
             <a:fld id="{FACEE181-5E95-4012-89B5-E5CF011362D6}" type="datetimeFigureOut">
               <a:rPr lang="en-NL" smtClean="0"/>
-              <a:t>12/07/2021</a:t>
+              <a:t>26/07/2021</a:t>
             </a:fld>
             <a:endParaRPr lang="en-NL"/>
           </a:p>
@@ -6661,7 +6661,7 @@
           <a:p>
             <a:fld id="{FACEE181-5E95-4012-89B5-E5CF011362D6}" type="datetimeFigureOut">
               <a:rPr lang="en-NL" smtClean="0"/>
-              <a:t>12/07/2021</a:t>
+              <a:t>26/07/2021</a:t>
             </a:fld>
             <a:endParaRPr lang="en-NL"/>
           </a:p>
@@ -6861,7 +6861,7 @@
           <a:p>
             <a:fld id="{FACEE181-5E95-4012-89B5-E5CF011362D6}" type="datetimeFigureOut">
               <a:rPr lang="en-NL" smtClean="0"/>
-              <a:t>12/07/2021</a:t>
+              <a:t>26/07/2021</a:t>
             </a:fld>
             <a:endParaRPr lang="en-NL"/>
           </a:p>
@@ -7137,7 +7137,7 @@
           <a:p>
             <a:fld id="{FACEE181-5E95-4012-89B5-E5CF011362D6}" type="datetimeFigureOut">
               <a:rPr lang="en-NL" smtClean="0"/>
-              <a:t>12/07/2021</a:t>
+              <a:t>26/07/2021</a:t>
             </a:fld>
             <a:endParaRPr lang="en-NL"/>
           </a:p>
@@ -7405,7 +7405,7 @@
           <a:p>
             <a:fld id="{FACEE181-5E95-4012-89B5-E5CF011362D6}" type="datetimeFigureOut">
               <a:rPr lang="en-NL" smtClean="0"/>
-              <a:t>12/07/2021</a:t>
+              <a:t>26/07/2021</a:t>
             </a:fld>
             <a:endParaRPr lang="en-NL"/>
           </a:p>
@@ -7820,7 +7820,7 @@
           <a:p>
             <a:fld id="{FACEE181-5E95-4012-89B5-E5CF011362D6}" type="datetimeFigureOut">
               <a:rPr lang="en-NL" smtClean="0"/>
-              <a:t>12/07/2021</a:t>
+              <a:t>26/07/2021</a:t>
             </a:fld>
             <a:endParaRPr lang="en-NL"/>
           </a:p>
@@ -7962,7 +7962,7 @@
           <a:p>
             <a:fld id="{FACEE181-5E95-4012-89B5-E5CF011362D6}" type="datetimeFigureOut">
               <a:rPr lang="en-NL" smtClean="0"/>
-              <a:t>12/07/2021</a:t>
+              <a:t>26/07/2021</a:t>
             </a:fld>
             <a:endParaRPr lang="en-NL"/>
           </a:p>
@@ -8075,7 +8075,7 @@
           <a:p>
             <a:fld id="{FACEE181-5E95-4012-89B5-E5CF011362D6}" type="datetimeFigureOut">
               <a:rPr lang="en-NL" smtClean="0"/>
-              <a:t>12/07/2021</a:t>
+              <a:t>26/07/2021</a:t>
             </a:fld>
             <a:endParaRPr lang="en-NL"/>
           </a:p>
@@ -8388,7 +8388,7 @@
           <a:p>
             <a:fld id="{FACEE181-5E95-4012-89B5-E5CF011362D6}" type="datetimeFigureOut">
               <a:rPr lang="en-NL" smtClean="0"/>
-              <a:t>12/07/2021</a:t>
+              <a:t>26/07/2021</a:t>
             </a:fld>
             <a:endParaRPr lang="en-NL"/>
           </a:p>
@@ -8677,7 +8677,7 @@
           <a:p>
             <a:fld id="{FACEE181-5E95-4012-89B5-E5CF011362D6}" type="datetimeFigureOut">
               <a:rPr lang="en-NL" smtClean="0"/>
-              <a:t>12/07/2021</a:t>
+              <a:t>26/07/2021</a:t>
             </a:fld>
             <a:endParaRPr lang="en-NL"/>
           </a:p>
@@ -8920,7 +8920,7 @@
           <a:p>
             <a:fld id="{FACEE181-5E95-4012-89B5-E5CF011362D6}" type="datetimeFigureOut">
               <a:rPr lang="en-NL" smtClean="0"/>
-              <a:t>12/07/2021</a:t>
+              <a:t>26/07/2021</a:t>
             </a:fld>
             <a:endParaRPr lang="en-NL"/>
           </a:p>
@@ -9350,7 +9350,7 @@
           <p:nvPr>
             <p:extLst>
               <p:ext uri="{D42A27DB-BD31-4B8C-83A1-F6EECF244321}">
-                <p14:modId xmlns:p14="http://schemas.microsoft.com/office/powerpoint/2010/main" val="1448390377"/>
+                <p14:modId xmlns:p14="http://schemas.microsoft.com/office/powerpoint/2010/main" val="3640488446"/>
               </p:ext>
             </p:extLst>
           </p:nvPr>
@@ -9513,7 +9513,13 @@
             </a:extLst>
           </p:cNvPr>
           <p:cNvGraphicFramePr/>
-          <p:nvPr/>
+          <p:nvPr>
+            <p:extLst>
+              <p:ext uri="{D42A27DB-BD31-4B8C-83A1-F6EECF244321}">
+                <p14:modId xmlns:p14="http://schemas.microsoft.com/office/powerpoint/2010/main" val="1820720623"/>
+              </p:ext>
+            </p:extLst>
+          </p:nvPr>
         </p:nvGraphicFramePr>
         <p:xfrm>
           <a:off x="2031999" y="376768"/>
@@ -9680,7 +9686,7 @@
           <p:nvPr>
             <p:extLst>
               <p:ext uri="{D42A27DB-BD31-4B8C-83A1-F6EECF244321}">
-                <p14:modId xmlns:p14="http://schemas.microsoft.com/office/powerpoint/2010/main" val="3779650336"/>
+                <p14:modId xmlns:p14="http://schemas.microsoft.com/office/powerpoint/2010/main" val="3237414396"/>
               </p:ext>
             </p:extLst>
           </p:nvPr>
@@ -9810,7 +9816,7 @@
     </p:spTree>
     <p:extLst>
       <p:ext uri="{BB962C8B-B14F-4D97-AF65-F5344CB8AC3E}">
-        <p14:creationId xmlns:p14="http://schemas.microsoft.com/office/powerpoint/2010/main" val="3776112805"/>
+        <p14:creationId xmlns:p14="http://schemas.microsoft.com/office/powerpoint/2010/main" val="3381524888"/>
       </p:ext>
     </p:extLst>
   </p:cSld>
@@ -9850,7 +9856,7 @@
           <p:nvPr>
             <p:extLst>
               <p:ext uri="{D42A27DB-BD31-4B8C-83A1-F6EECF244321}">
-                <p14:modId xmlns:p14="http://schemas.microsoft.com/office/powerpoint/2010/main" val="45597959"/>
+                <p14:modId xmlns:p14="http://schemas.microsoft.com/office/powerpoint/2010/main" val="2926521153"/>
               </p:ext>
             </p:extLst>
           </p:nvPr>
@@ -9980,7 +9986,7 @@
     </p:spTree>
     <p:extLst>
       <p:ext uri="{BB962C8B-B14F-4D97-AF65-F5344CB8AC3E}">
-        <p14:creationId xmlns:p14="http://schemas.microsoft.com/office/powerpoint/2010/main" val="386037221"/>
+        <p14:creationId xmlns:p14="http://schemas.microsoft.com/office/powerpoint/2010/main" val="2357798601"/>
       </p:ext>
     </p:extLst>
   </p:cSld>

--- a/_static/EcoTask/figures/Infographic_graphs/sketch diagram.pptx
+++ b/_static/EcoTask/figures/Infographic_graphs/sketch diagram.pptx
@@ -6,9 +6,11 @@
   </p:sldMasterIdLst>
   <p:sldIdLst>
     <p:sldId id="262" r:id="rId2"/>
-    <p:sldId id="263" r:id="rId3"/>
-    <p:sldId id="264" r:id="rId4"/>
-    <p:sldId id="265" r:id="rId5"/>
+    <p:sldId id="266" r:id="rId3"/>
+    <p:sldId id="267" r:id="rId4"/>
+    <p:sldId id="263" r:id="rId5"/>
+    <p:sldId id="264" r:id="rId6"/>
+    <p:sldId id="265" r:id="rId7"/>
   </p:sldIdLst>
   <p:sldSz cx="12192000" cy="6858000"/>
   <p:notesSz cx="6858000" cy="9144000"/>
@@ -487,10 +489,10 @@
           <c:layoutTarget val="inner"/>
           <c:xMode val="edge"/>
           <c:yMode val="edge"/>
-          <c:x val="8.2919414370078742E-2"/>
-          <c:y val="4.6183683182598217E-2"/>
-          <c:w val="0.90301808562992125"/>
-          <c:h val="0.88725382091204352"/>
+          <c:x val="8.7606914370078739E-2"/>
+          <c:y val="5.087118289424318E-2"/>
+          <c:w val="0.89520558562992125"/>
+          <c:h val="0.87787882148875362"/>
         </c:manualLayout>
       </c:layout>
       <c:barChart>
@@ -644,8 +646,8 @@
         <c:axId val="510073344"/>
         <c:scaling>
           <c:orientation val="minMax"/>
-          <c:max val="6"/>
-          <c:min val="0"/>
+          <c:max val="7"/>
+          <c:min val="4"/>
         </c:scaling>
         <c:delete val="0"/>
         <c:axPos val="l"/>
@@ -687,21 +689,7 @@
                     <a:latin typeface="Arial" panose="020B0604020202020204" pitchFamily="34" charset="0"/>
                     <a:cs typeface="Arial" panose="020B0604020202020204" pitchFamily="34" charset="0"/>
                   </a:rPr>
-                  <a:t>Amount of planted</a:t>
-                </a:r>
-                <a:r>
-                  <a:rPr lang="en-US" sz="1600" b="0" baseline="0" dirty="0">
-                    <a:latin typeface="Arial" panose="020B0604020202020204" pitchFamily="34" charset="0"/>
-                    <a:cs typeface="Arial" panose="020B0604020202020204" pitchFamily="34" charset="0"/>
-                  </a:rPr>
-                  <a:t> </a:t>
-                </a:r>
-                <a:r>
-                  <a:rPr lang="en-US" sz="1600" b="0" dirty="0">
-                    <a:latin typeface="Arial" panose="020B0604020202020204" pitchFamily="34" charset="0"/>
-                    <a:cs typeface="Arial" panose="020B0604020202020204" pitchFamily="34" charset="0"/>
-                  </a:rPr>
-                  <a:t>trees</a:t>
+                  <a:t>Pounds</a:t>
                 </a:r>
               </a:p>
             </c:rich>
@@ -710,8 +698,8 @@
             <c:manualLayout>
               <c:xMode val="edge"/>
               <c:yMode val="edge"/>
-              <c:x val="1.7187500000000001E-2"/>
-              <c:y val="0.33017972870449502"/>
+              <c:x val="7.8125E-3"/>
+              <c:y val="0.46611722034219855"/>
             </c:manualLayout>
           </c:layout>
           <c:overlay val="0"/>
@@ -779,7 +767,7 @@
         <c:crossAx val="816337520"/>
         <c:crosses val="autoZero"/>
         <c:crossBetween val="between"/>
-        <c:majorUnit val="1"/>
+        <c:majorUnit val="0.5"/>
       </c:valAx>
       <c:spPr>
         <a:pattFill prst="pct20">
@@ -832,6 +820,357 @@
 </file>
 
 <file path=ppt/charts/chart3.xml><?xml version="1.0" encoding="utf-8"?>
+<c:chartSpace xmlns:c="http://schemas.openxmlformats.org/drawingml/2006/chart" xmlns:a="http://schemas.openxmlformats.org/drawingml/2006/main" xmlns:r="http://schemas.openxmlformats.org/officeDocument/2006/relationships" xmlns:c16r2="http://schemas.microsoft.com/office/drawing/2015/06/chart">
+  <c:date1904 val="0"/>
+  <c:lang val="en-US"/>
+  <c:roundedCorners val="0"/>
+  <mc:AlternateContent xmlns:mc="http://schemas.openxmlformats.org/markup-compatibility/2006">
+    <mc:Choice xmlns:c14="http://schemas.microsoft.com/office/drawing/2007/8/2/chart" Requires="c14">
+      <c14:style val="102"/>
+    </mc:Choice>
+    <mc:Fallback>
+      <c:style val="2"/>
+    </mc:Fallback>
+  </mc:AlternateContent>
+  <c:chart>
+    <c:autoTitleDeleted val="1"/>
+    <c:plotArea>
+      <c:layout>
+        <c:manualLayout>
+          <c:layoutTarget val="inner"/>
+          <c:xMode val="edge"/>
+          <c:yMode val="edge"/>
+          <c:x val="8.7606914370078739E-2"/>
+          <c:y val="5.087118289424318E-2"/>
+          <c:w val="0.89520558562992125"/>
+          <c:h val="0.87787882148875362"/>
+        </c:manualLayout>
+      </c:layout>
+      <c:barChart>
+        <c:barDir val="col"/>
+        <c:grouping val="clustered"/>
+        <c:varyColors val="0"/>
+        <c:ser>
+          <c:idx val="1"/>
+          <c:order val="0"/>
+          <c:tx>
+            <c:strRef>
+              <c:f>Sheet1!$C$1</c:f>
+              <c:strCache>
+                <c:ptCount val="1"/>
+                <c:pt idx="0">
+                  <c:v>Column1</c:v>
+                </c:pt>
+              </c:strCache>
+            </c:strRef>
+          </c:tx>
+          <c:spPr>
+            <a:solidFill>
+              <a:schemeClr val="accent2"/>
+            </a:solidFill>
+            <a:ln>
+              <a:noFill/>
+            </a:ln>
+            <a:effectLst/>
+          </c:spPr>
+          <c:invertIfNegative val="0"/>
+          <c:cat>
+            <c:strRef>
+              <c:f>Sheet1!$A$2:$A$5</c:f>
+              <c:strCache>
+                <c:ptCount val="3"/>
+                <c:pt idx="0">
+                  <c:v>Category 1</c:v>
+                </c:pt>
+                <c:pt idx="1">
+                  <c:v>Category 2</c:v>
+                </c:pt>
+                <c:pt idx="2">
+                  <c:v>Category 3</c:v>
+                </c:pt>
+              </c:strCache>
+            </c:strRef>
+          </c:cat>
+          <c:val>
+            <c:numRef>
+              <c:f>Sheet1!$C$2:$C$5</c:f>
+              <c:numCache>
+                <c:formatCode>General</c:formatCode>
+                <c:ptCount val="4"/>
+              </c:numCache>
+            </c:numRef>
+          </c:val>
+          <c:extLst>
+            <c:ext xmlns:c16="http://schemas.microsoft.com/office/drawing/2014/chart" uri="{C3380CC4-5D6E-409C-BE32-E72D297353CC}">
+              <c16:uniqueId val="{00000001-4DFC-430C-9717-0A8C909F24F0}"/>
+            </c:ext>
+          </c:extLst>
+        </c:ser>
+        <c:ser>
+          <c:idx val="2"/>
+          <c:order val="1"/>
+          <c:tx>
+            <c:strRef>
+              <c:f>Sheet1!$D$1</c:f>
+              <c:strCache>
+                <c:ptCount val="1"/>
+                <c:pt idx="0">
+                  <c:v>Column2</c:v>
+                </c:pt>
+              </c:strCache>
+            </c:strRef>
+          </c:tx>
+          <c:spPr>
+            <a:solidFill>
+              <a:schemeClr val="accent3"/>
+            </a:solidFill>
+            <a:ln>
+              <a:noFill/>
+            </a:ln>
+            <a:effectLst/>
+          </c:spPr>
+          <c:invertIfNegative val="0"/>
+          <c:cat>
+            <c:strRef>
+              <c:f>Sheet1!$A$2:$A$5</c:f>
+              <c:strCache>
+                <c:ptCount val="3"/>
+                <c:pt idx="0">
+                  <c:v>Category 1</c:v>
+                </c:pt>
+                <c:pt idx="1">
+                  <c:v>Category 2</c:v>
+                </c:pt>
+                <c:pt idx="2">
+                  <c:v>Category 3</c:v>
+                </c:pt>
+              </c:strCache>
+            </c:strRef>
+          </c:cat>
+          <c:val>
+            <c:numRef>
+              <c:f>Sheet1!$D$2:$D$5</c:f>
+              <c:numCache>
+                <c:formatCode>General</c:formatCode>
+                <c:ptCount val="4"/>
+              </c:numCache>
+            </c:numRef>
+          </c:val>
+          <c:extLst>
+            <c:ext xmlns:c16="http://schemas.microsoft.com/office/drawing/2014/chart" uri="{C3380CC4-5D6E-409C-BE32-E72D297353CC}">
+              <c16:uniqueId val="{00000002-4DFC-430C-9717-0A8C909F24F0}"/>
+            </c:ext>
+          </c:extLst>
+        </c:ser>
+        <c:dLbls>
+          <c:showLegendKey val="0"/>
+          <c:showVal val="0"/>
+          <c:showCatName val="0"/>
+          <c:showSerName val="0"/>
+          <c:showPercent val="0"/>
+          <c:showBubbleSize val="0"/>
+        </c:dLbls>
+        <c:gapWidth val="219"/>
+        <c:overlap val="-27"/>
+        <c:axId val="816337520"/>
+        <c:axId val="510073344"/>
+      </c:barChart>
+      <c:catAx>
+        <c:axId val="816337520"/>
+        <c:scaling>
+          <c:orientation val="minMax"/>
+        </c:scaling>
+        <c:delete val="1"/>
+        <c:axPos val="b"/>
+        <c:numFmt formatCode="General" sourceLinked="1"/>
+        <c:majorTickMark val="out"/>
+        <c:minorTickMark val="none"/>
+        <c:tickLblPos val="nextTo"/>
+        <c:crossAx val="510073344"/>
+        <c:crosses val="autoZero"/>
+        <c:auto val="1"/>
+        <c:lblAlgn val="ctr"/>
+        <c:lblOffset val="100"/>
+        <c:noMultiLvlLbl val="0"/>
+      </c:catAx>
+      <c:valAx>
+        <c:axId val="510073344"/>
+        <c:scaling>
+          <c:orientation val="minMax"/>
+          <c:max val="7"/>
+          <c:min val="4"/>
+        </c:scaling>
+        <c:delete val="0"/>
+        <c:axPos val="l"/>
+        <c:majorGridlines>
+          <c:spPr>
+            <a:ln w="9525" cap="flat" cmpd="sng" algn="ctr">
+              <a:solidFill>
+                <a:schemeClr val="tx1">
+                  <a:lumMod val="15000"/>
+                  <a:lumOff val="85000"/>
+                </a:schemeClr>
+              </a:solidFill>
+              <a:round/>
+            </a:ln>
+            <a:effectLst/>
+          </c:spPr>
+        </c:majorGridlines>
+        <c:title>
+          <c:tx>
+            <c:rich>
+              <a:bodyPr rot="-5400000" spcFirstLastPara="1" vertOverflow="ellipsis" vert="horz" wrap="square" anchor="ctr" anchorCtr="1"/>
+              <a:lstStyle/>
+              <a:p>
+                <a:pPr>
+                  <a:defRPr sz="1600" b="0" i="0" u="none" strike="noStrike" kern="1200" baseline="0">
+                    <a:solidFill>
+                      <a:schemeClr val="tx1">
+                        <a:lumMod val="65000"/>
+                        <a:lumOff val="35000"/>
+                      </a:schemeClr>
+                    </a:solidFill>
+                    <a:latin typeface="+mn-lt"/>
+                    <a:ea typeface="+mn-ea"/>
+                    <a:cs typeface="+mn-cs"/>
+                  </a:defRPr>
+                </a:pPr>
+                <a:r>
+                  <a:rPr lang="en-US" sz="1600" b="0" dirty="0">
+                    <a:latin typeface="Arial" panose="020B0604020202020204" pitchFamily="34" charset="0"/>
+                    <a:cs typeface="Arial" panose="020B0604020202020204" pitchFamily="34" charset="0"/>
+                  </a:rPr>
+                  <a:t>Pounds</a:t>
+                </a:r>
+              </a:p>
+            </c:rich>
+          </c:tx>
+          <c:layout>
+            <c:manualLayout>
+              <c:xMode val="edge"/>
+              <c:yMode val="edge"/>
+              <c:x val="7.8125E-3"/>
+              <c:y val="0.46611722034219855"/>
+            </c:manualLayout>
+          </c:layout>
+          <c:overlay val="0"/>
+          <c:spPr>
+            <a:noFill/>
+            <a:ln>
+              <a:noFill/>
+            </a:ln>
+            <a:effectLst/>
+          </c:spPr>
+          <c:txPr>
+            <a:bodyPr rot="-5400000" spcFirstLastPara="1" vertOverflow="ellipsis" vert="horz" wrap="square" anchor="ctr" anchorCtr="1"/>
+            <a:lstStyle/>
+            <a:p>
+              <a:pPr>
+                <a:defRPr sz="1600" b="0" i="0" u="none" strike="noStrike" kern="1200" baseline="0">
+                  <a:solidFill>
+                    <a:schemeClr val="tx1">
+                      <a:lumMod val="65000"/>
+                      <a:lumOff val="35000"/>
+                    </a:schemeClr>
+                  </a:solidFill>
+                  <a:latin typeface="+mn-lt"/>
+                  <a:ea typeface="+mn-ea"/>
+                  <a:cs typeface="+mn-cs"/>
+                </a:defRPr>
+              </a:pPr>
+              <a:endParaRPr lang="en-NL"/>
+            </a:p>
+          </c:txPr>
+        </c:title>
+        <c:numFmt formatCode="General" sourceLinked="1"/>
+        <c:majorTickMark val="out"/>
+        <c:minorTickMark val="none"/>
+        <c:tickLblPos val="nextTo"/>
+        <c:spPr>
+          <a:noFill/>
+          <a:ln>
+            <a:solidFill>
+              <a:schemeClr val="accent3"/>
+            </a:solidFill>
+          </a:ln>
+          <a:effectLst/>
+        </c:spPr>
+        <c:txPr>
+          <a:bodyPr rot="-60000000" spcFirstLastPara="1" vertOverflow="ellipsis" vert="horz" wrap="square" anchor="ctr" anchorCtr="1"/>
+          <a:lstStyle/>
+          <a:p>
+            <a:pPr>
+              <a:defRPr sz="1197" b="0" i="0" u="none" strike="noStrike" kern="1200" baseline="0">
+                <a:solidFill>
+                  <a:schemeClr val="tx1">
+                    <a:lumMod val="65000"/>
+                    <a:lumOff val="35000"/>
+                  </a:schemeClr>
+                </a:solidFill>
+                <a:latin typeface="+mn-lt"/>
+                <a:ea typeface="+mn-ea"/>
+                <a:cs typeface="+mn-cs"/>
+              </a:defRPr>
+            </a:pPr>
+            <a:endParaRPr lang="en-NL"/>
+          </a:p>
+        </c:txPr>
+        <c:crossAx val="816337520"/>
+        <c:crosses val="autoZero"/>
+        <c:crossBetween val="between"/>
+        <c:majorUnit val="0.5"/>
+      </c:valAx>
+      <c:spPr>
+        <a:pattFill prst="pct20">
+          <a:fgClr>
+            <a:schemeClr val="bg2"/>
+          </a:fgClr>
+          <a:bgClr>
+            <a:schemeClr val="bg1"/>
+          </a:bgClr>
+        </a:pattFill>
+        <a:ln>
+          <a:noFill/>
+        </a:ln>
+        <a:effectLst/>
+      </c:spPr>
+    </c:plotArea>
+    <c:plotVisOnly val="1"/>
+    <c:dispBlanksAs val="gap"/>
+    <c:extLst>
+      <c:ext xmlns:c16r3="http://schemas.microsoft.com/office/drawing/2017/03/chart" uri="{56B9EC1D-385E-4148-901F-78D8002777C0}">
+        <c16r3:dataDisplayOptions16>
+          <c16r3:dispNaAsBlank val="1"/>
+        </c16r3:dataDisplayOptions16>
+      </c:ext>
+    </c:extLst>
+    <c:showDLblsOverMax val="0"/>
+  </c:chart>
+  <c:spPr>
+    <a:noFill/>
+    <a:ln>
+      <a:noFill/>
+    </a:ln>
+    <a:effectLst/>
+  </c:spPr>
+  <c:txPr>
+    <a:bodyPr/>
+    <a:lstStyle/>
+    <a:p>
+      <a:pPr>
+        <a:defRPr/>
+      </a:pPr>
+      <a:endParaRPr lang="en-NL"/>
+    </a:p>
+  </c:txPr>
+  <c:externalData r:id="rId3">
+    <c:autoUpdate val="0"/>
+  </c:externalData>
+  <c:userShapes r:id="rId4"/>
+</c:chartSpace>
+</file>
+
+<file path=ppt/charts/chart4.xml><?xml version="1.0" encoding="utf-8"?>
 <c:chartSpace xmlns:c="http://schemas.openxmlformats.org/drawingml/2006/chart" xmlns:a="http://schemas.openxmlformats.org/drawingml/2006/main" xmlns:r="http://schemas.openxmlformats.org/officeDocument/2006/relationships" xmlns:c16r2="http://schemas.microsoft.com/office/drawing/2015/06/chart">
   <c:date1904 val="0"/>
   <c:lang val="en-US"/>
@@ -1196,7 +1535,372 @@
 </c:chartSpace>
 </file>
 
-<file path=ppt/charts/chart4.xml><?xml version="1.0" encoding="utf-8"?>
+<file path=ppt/charts/chart5.xml><?xml version="1.0" encoding="utf-8"?>
+<c:chartSpace xmlns:c="http://schemas.openxmlformats.org/drawingml/2006/chart" xmlns:a="http://schemas.openxmlformats.org/drawingml/2006/main" xmlns:r="http://schemas.openxmlformats.org/officeDocument/2006/relationships" xmlns:c16r2="http://schemas.microsoft.com/office/drawing/2015/06/chart">
+  <c:date1904 val="0"/>
+  <c:lang val="en-US"/>
+  <c:roundedCorners val="0"/>
+  <mc:AlternateContent xmlns:mc="http://schemas.openxmlformats.org/markup-compatibility/2006">
+    <mc:Choice xmlns:c14="http://schemas.microsoft.com/office/drawing/2007/8/2/chart" Requires="c14">
+      <c14:style val="102"/>
+    </mc:Choice>
+    <mc:Fallback>
+      <c:style val="2"/>
+    </mc:Fallback>
+  </mc:AlternateContent>
+  <c:chart>
+    <c:autoTitleDeleted val="1"/>
+    <c:plotArea>
+      <c:layout>
+        <c:manualLayout>
+          <c:layoutTarget val="inner"/>
+          <c:xMode val="edge"/>
+          <c:yMode val="edge"/>
+          <c:x val="8.2919414370078742E-2"/>
+          <c:y val="4.6183683182598217E-2"/>
+          <c:w val="0.90301808562992125"/>
+          <c:h val="0.88725382091204352"/>
+        </c:manualLayout>
+      </c:layout>
+      <c:barChart>
+        <c:barDir val="col"/>
+        <c:grouping val="clustered"/>
+        <c:varyColors val="0"/>
+        <c:ser>
+          <c:idx val="1"/>
+          <c:order val="0"/>
+          <c:tx>
+            <c:strRef>
+              <c:f>Sheet1!$C$1</c:f>
+              <c:strCache>
+                <c:ptCount val="1"/>
+                <c:pt idx="0">
+                  <c:v>Column1</c:v>
+                </c:pt>
+              </c:strCache>
+            </c:strRef>
+          </c:tx>
+          <c:spPr>
+            <a:solidFill>
+              <a:schemeClr val="accent2"/>
+            </a:solidFill>
+            <a:ln>
+              <a:noFill/>
+            </a:ln>
+            <a:effectLst/>
+          </c:spPr>
+          <c:invertIfNegative val="0"/>
+          <c:cat>
+            <c:strRef>
+              <c:f>Sheet1!$A$2:$A$5</c:f>
+              <c:strCache>
+                <c:ptCount val="3"/>
+                <c:pt idx="0">
+                  <c:v>Category 1</c:v>
+                </c:pt>
+                <c:pt idx="1">
+                  <c:v>Category 2</c:v>
+                </c:pt>
+                <c:pt idx="2">
+                  <c:v>Category 3</c:v>
+                </c:pt>
+              </c:strCache>
+            </c:strRef>
+          </c:cat>
+          <c:val>
+            <c:numRef>
+              <c:f>Sheet1!$C$2:$C$5</c:f>
+              <c:numCache>
+                <c:formatCode>General</c:formatCode>
+                <c:ptCount val="4"/>
+              </c:numCache>
+            </c:numRef>
+          </c:val>
+          <c:extLst>
+            <c:ext xmlns:c16="http://schemas.microsoft.com/office/drawing/2014/chart" uri="{C3380CC4-5D6E-409C-BE32-E72D297353CC}">
+              <c16:uniqueId val="{00000001-4DFC-430C-9717-0A8C909F24F0}"/>
+            </c:ext>
+          </c:extLst>
+        </c:ser>
+        <c:ser>
+          <c:idx val="2"/>
+          <c:order val="1"/>
+          <c:tx>
+            <c:strRef>
+              <c:f>Sheet1!$D$1</c:f>
+              <c:strCache>
+                <c:ptCount val="1"/>
+                <c:pt idx="0">
+                  <c:v>Column2</c:v>
+                </c:pt>
+              </c:strCache>
+            </c:strRef>
+          </c:tx>
+          <c:spPr>
+            <a:solidFill>
+              <a:schemeClr val="accent3"/>
+            </a:solidFill>
+            <a:ln>
+              <a:noFill/>
+            </a:ln>
+            <a:effectLst/>
+          </c:spPr>
+          <c:invertIfNegative val="0"/>
+          <c:cat>
+            <c:strRef>
+              <c:f>Sheet1!$A$2:$A$5</c:f>
+              <c:strCache>
+                <c:ptCount val="3"/>
+                <c:pt idx="0">
+                  <c:v>Category 1</c:v>
+                </c:pt>
+                <c:pt idx="1">
+                  <c:v>Category 2</c:v>
+                </c:pt>
+                <c:pt idx="2">
+                  <c:v>Category 3</c:v>
+                </c:pt>
+              </c:strCache>
+            </c:strRef>
+          </c:cat>
+          <c:val>
+            <c:numRef>
+              <c:f>Sheet1!$D$2:$D$5</c:f>
+              <c:numCache>
+                <c:formatCode>General</c:formatCode>
+                <c:ptCount val="4"/>
+              </c:numCache>
+            </c:numRef>
+          </c:val>
+          <c:extLst>
+            <c:ext xmlns:c16="http://schemas.microsoft.com/office/drawing/2014/chart" uri="{C3380CC4-5D6E-409C-BE32-E72D297353CC}">
+              <c16:uniqueId val="{00000002-4DFC-430C-9717-0A8C909F24F0}"/>
+            </c:ext>
+          </c:extLst>
+        </c:ser>
+        <c:dLbls>
+          <c:showLegendKey val="0"/>
+          <c:showVal val="0"/>
+          <c:showCatName val="0"/>
+          <c:showSerName val="0"/>
+          <c:showPercent val="0"/>
+          <c:showBubbleSize val="0"/>
+        </c:dLbls>
+        <c:gapWidth val="219"/>
+        <c:overlap val="-27"/>
+        <c:axId val="816337520"/>
+        <c:axId val="510073344"/>
+      </c:barChart>
+      <c:catAx>
+        <c:axId val="816337520"/>
+        <c:scaling>
+          <c:orientation val="minMax"/>
+        </c:scaling>
+        <c:delete val="1"/>
+        <c:axPos val="b"/>
+        <c:numFmt formatCode="General" sourceLinked="1"/>
+        <c:majorTickMark val="out"/>
+        <c:minorTickMark val="none"/>
+        <c:tickLblPos val="nextTo"/>
+        <c:crossAx val="510073344"/>
+        <c:crosses val="autoZero"/>
+        <c:auto val="1"/>
+        <c:lblAlgn val="ctr"/>
+        <c:lblOffset val="100"/>
+        <c:noMultiLvlLbl val="0"/>
+      </c:catAx>
+      <c:valAx>
+        <c:axId val="510073344"/>
+        <c:scaling>
+          <c:orientation val="minMax"/>
+          <c:max val="6"/>
+          <c:min val="0"/>
+        </c:scaling>
+        <c:delete val="0"/>
+        <c:axPos val="l"/>
+        <c:majorGridlines>
+          <c:spPr>
+            <a:ln w="9525" cap="flat" cmpd="sng" algn="ctr">
+              <a:solidFill>
+                <a:schemeClr val="tx1">
+                  <a:lumMod val="15000"/>
+                  <a:lumOff val="85000"/>
+                </a:schemeClr>
+              </a:solidFill>
+              <a:round/>
+            </a:ln>
+            <a:effectLst/>
+          </c:spPr>
+        </c:majorGridlines>
+        <c:title>
+          <c:tx>
+            <c:rich>
+              <a:bodyPr rot="-5400000" spcFirstLastPara="1" vertOverflow="ellipsis" vert="horz" wrap="square" anchor="ctr" anchorCtr="1"/>
+              <a:lstStyle/>
+              <a:p>
+                <a:pPr>
+                  <a:defRPr sz="1600" b="0" i="0" u="none" strike="noStrike" kern="1200" baseline="0">
+                    <a:solidFill>
+                      <a:schemeClr val="tx1">
+                        <a:lumMod val="65000"/>
+                        <a:lumOff val="35000"/>
+                      </a:schemeClr>
+                    </a:solidFill>
+                    <a:latin typeface="+mn-lt"/>
+                    <a:ea typeface="+mn-ea"/>
+                    <a:cs typeface="+mn-cs"/>
+                  </a:defRPr>
+                </a:pPr>
+                <a:r>
+                  <a:rPr lang="en-US" sz="1600" b="0" dirty="0">
+                    <a:latin typeface="Arial" panose="020B0604020202020204" pitchFamily="34" charset="0"/>
+                    <a:cs typeface="Arial" panose="020B0604020202020204" pitchFamily="34" charset="0"/>
+                  </a:rPr>
+                  <a:t>Amount of planted</a:t>
+                </a:r>
+                <a:r>
+                  <a:rPr lang="en-US" sz="1600" b="0" baseline="0" dirty="0">
+                    <a:latin typeface="Arial" panose="020B0604020202020204" pitchFamily="34" charset="0"/>
+                    <a:cs typeface="Arial" panose="020B0604020202020204" pitchFamily="34" charset="0"/>
+                  </a:rPr>
+                  <a:t> </a:t>
+                </a:r>
+                <a:r>
+                  <a:rPr lang="en-US" sz="1600" b="0" dirty="0">
+                    <a:latin typeface="Arial" panose="020B0604020202020204" pitchFamily="34" charset="0"/>
+                    <a:cs typeface="Arial" panose="020B0604020202020204" pitchFamily="34" charset="0"/>
+                  </a:rPr>
+                  <a:t>trees</a:t>
+                </a:r>
+              </a:p>
+            </c:rich>
+          </c:tx>
+          <c:layout>
+            <c:manualLayout>
+              <c:xMode val="edge"/>
+              <c:yMode val="edge"/>
+              <c:x val="1.7187500000000001E-2"/>
+              <c:y val="0.33017972870449502"/>
+            </c:manualLayout>
+          </c:layout>
+          <c:overlay val="0"/>
+          <c:spPr>
+            <a:noFill/>
+            <a:ln>
+              <a:noFill/>
+            </a:ln>
+            <a:effectLst/>
+          </c:spPr>
+          <c:txPr>
+            <a:bodyPr rot="-5400000" spcFirstLastPara="1" vertOverflow="ellipsis" vert="horz" wrap="square" anchor="ctr" anchorCtr="1"/>
+            <a:lstStyle/>
+            <a:p>
+              <a:pPr>
+                <a:defRPr sz="1600" b="0" i="0" u="none" strike="noStrike" kern="1200" baseline="0">
+                  <a:solidFill>
+                    <a:schemeClr val="tx1">
+                      <a:lumMod val="65000"/>
+                      <a:lumOff val="35000"/>
+                    </a:schemeClr>
+                  </a:solidFill>
+                  <a:latin typeface="+mn-lt"/>
+                  <a:ea typeface="+mn-ea"/>
+                  <a:cs typeface="+mn-cs"/>
+                </a:defRPr>
+              </a:pPr>
+              <a:endParaRPr lang="en-NL"/>
+            </a:p>
+          </c:txPr>
+        </c:title>
+        <c:numFmt formatCode="General" sourceLinked="1"/>
+        <c:majorTickMark val="out"/>
+        <c:minorTickMark val="none"/>
+        <c:tickLblPos val="nextTo"/>
+        <c:spPr>
+          <a:noFill/>
+          <a:ln>
+            <a:solidFill>
+              <a:schemeClr val="accent3"/>
+            </a:solidFill>
+          </a:ln>
+          <a:effectLst/>
+        </c:spPr>
+        <c:txPr>
+          <a:bodyPr rot="-60000000" spcFirstLastPara="1" vertOverflow="ellipsis" vert="horz" wrap="square" anchor="ctr" anchorCtr="1"/>
+          <a:lstStyle/>
+          <a:p>
+            <a:pPr>
+              <a:defRPr sz="1197" b="0" i="0" u="none" strike="noStrike" kern="1200" baseline="0">
+                <a:solidFill>
+                  <a:schemeClr val="tx1">
+                    <a:lumMod val="65000"/>
+                    <a:lumOff val="35000"/>
+                  </a:schemeClr>
+                </a:solidFill>
+                <a:latin typeface="+mn-lt"/>
+                <a:ea typeface="+mn-ea"/>
+                <a:cs typeface="+mn-cs"/>
+              </a:defRPr>
+            </a:pPr>
+            <a:endParaRPr lang="en-NL"/>
+          </a:p>
+        </c:txPr>
+        <c:crossAx val="816337520"/>
+        <c:crosses val="autoZero"/>
+        <c:crossBetween val="between"/>
+        <c:majorUnit val="1"/>
+      </c:valAx>
+      <c:spPr>
+        <a:pattFill prst="pct20">
+          <a:fgClr>
+            <a:schemeClr val="bg2"/>
+          </a:fgClr>
+          <a:bgClr>
+            <a:schemeClr val="bg1"/>
+          </a:bgClr>
+        </a:pattFill>
+        <a:ln>
+          <a:noFill/>
+        </a:ln>
+        <a:effectLst/>
+      </c:spPr>
+    </c:plotArea>
+    <c:plotVisOnly val="1"/>
+    <c:dispBlanksAs val="gap"/>
+    <c:extLst>
+      <c:ext xmlns:c16r3="http://schemas.microsoft.com/office/drawing/2017/03/chart" uri="{56B9EC1D-385E-4148-901F-78D8002777C0}">
+        <c16r3:dataDisplayOptions16>
+          <c16r3:dispNaAsBlank val="1"/>
+        </c16r3:dataDisplayOptions16>
+      </c:ext>
+    </c:extLst>
+    <c:showDLblsOverMax val="0"/>
+  </c:chart>
+  <c:spPr>
+    <a:noFill/>
+    <a:ln>
+      <a:noFill/>
+    </a:ln>
+    <a:effectLst/>
+  </c:spPr>
+  <c:txPr>
+    <a:bodyPr/>
+    <a:lstStyle/>
+    <a:p>
+      <a:pPr>
+        <a:defRPr/>
+      </a:pPr>
+      <a:endParaRPr lang="en-NL"/>
+    </a:p>
+  </c:txPr>
+  <c:externalData r:id="rId3">
+    <c:autoUpdate val="0"/>
+  </c:externalData>
+  <c:userShapes r:id="rId4"/>
+</c:chartSpace>
+</file>
+
+<file path=ppt/charts/chart6.xml><?xml version="1.0" encoding="utf-8"?>
 <c:chartSpace xmlns:c="http://schemas.openxmlformats.org/drawingml/2006/chart" xmlns:a="http://schemas.openxmlformats.org/drawingml/2006/main" xmlns:r="http://schemas.openxmlformats.org/officeDocument/2006/relationships" xmlns:c16r2="http://schemas.microsoft.com/office/drawing/2015/06/chart">
   <c:date1904 val="0"/>
   <c:lang val="en-US"/>
@@ -1721,6 +2425,86 @@
 </cs:colorStyle>
 </file>
 
+<file path=ppt/charts/colors5.xml><?xml version="1.0" encoding="utf-8"?>
+<cs:colorStyle xmlns:cs="http://schemas.microsoft.com/office/drawing/2012/chartStyle" xmlns:a="http://schemas.openxmlformats.org/drawingml/2006/main" meth="cycle" id="10">
+  <a:schemeClr val="accent1"/>
+  <a:schemeClr val="accent2"/>
+  <a:schemeClr val="accent3"/>
+  <a:schemeClr val="accent4"/>
+  <a:schemeClr val="accent5"/>
+  <a:schemeClr val="accent6"/>
+  <cs:variation/>
+  <cs:variation>
+    <a:lumMod val="60000"/>
+  </cs:variation>
+  <cs:variation>
+    <a:lumMod val="80000"/>
+    <a:lumOff val="20000"/>
+  </cs:variation>
+  <cs:variation>
+    <a:lumMod val="80000"/>
+  </cs:variation>
+  <cs:variation>
+    <a:lumMod val="60000"/>
+    <a:lumOff val="40000"/>
+  </cs:variation>
+  <cs:variation>
+    <a:lumMod val="50000"/>
+  </cs:variation>
+  <cs:variation>
+    <a:lumMod val="70000"/>
+    <a:lumOff val="30000"/>
+  </cs:variation>
+  <cs:variation>
+    <a:lumMod val="70000"/>
+  </cs:variation>
+  <cs:variation>
+    <a:lumMod val="50000"/>
+    <a:lumOff val="50000"/>
+  </cs:variation>
+</cs:colorStyle>
+</file>
+
+<file path=ppt/charts/colors6.xml><?xml version="1.0" encoding="utf-8"?>
+<cs:colorStyle xmlns:cs="http://schemas.microsoft.com/office/drawing/2012/chartStyle" xmlns:a="http://schemas.openxmlformats.org/drawingml/2006/main" meth="cycle" id="10">
+  <a:schemeClr val="accent1"/>
+  <a:schemeClr val="accent2"/>
+  <a:schemeClr val="accent3"/>
+  <a:schemeClr val="accent4"/>
+  <a:schemeClr val="accent5"/>
+  <a:schemeClr val="accent6"/>
+  <cs:variation/>
+  <cs:variation>
+    <a:lumMod val="60000"/>
+  </cs:variation>
+  <cs:variation>
+    <a:lumMod val="80000"/>
+    <a:lumOff val="20000"/>
+  </cs:variation>
+  <cs:variation>
+    <a:lumMod val="80000"/>
+  </cs:variation>
+  <cs:variation>
+    <a:lumMod val="60000"/>
+    <a:lumOff val="40000"/>
+  </cs:variation>
+  <cs:variation>
+    <a:lumMod val="50000"/>
+  </cs:variation>
+  <cs:variation>
+    <a:lumMod val="70000"/>
+    <a:lumOff val="30000"/>
+  </cs:variation>
+  <cs:variation>
+    <a:lumMod val="70000"/>
+  </cs:variation>
+  <cs:variation>
+    <a:lumMod val="50000"/>
+    <a:lumOff val="50000"/>
+  </cs:variation>
+</cs:colorStyle>
+</file>
+
 <file path=ppt/charts/style1.xml><?xml version="1.0" encoding="utf-8"?>
 <cs:chartStyle xmlns:cs="http://schemas.microsoft.com/office/drawing/2012/chartStyle" xmlns:a="http://schemas.openxmlformats.org/drawingml/2006/main" id="201">
   <cs:axisTitle>
@@ -3231,6 +4015,1012 @@
 </file>
 
 <file path=ppt/charts/style4.xml><?xml version="1.0" encoding="utf-8"?>
+<cs:chartStyle xmlns:cs="http://schemas.microsoft.com/office/drawing/2012/chartStyle" xmlns:a="http://schemas.openxmlformats.org/drawingml/2006/main" id="201">
+  <cs:axisTitle>
+    <cs:lnRef idx="0"/>
+    <cs:fillRef idx="0"/>
+    <cs:effectRef idx="0"/>
+    <cs:fontRef idx="minor">
+      <a:schemeClr val="tx1">
+        <a:lumMod val="65000"/>
+        <a:lumOff val="35000"/>
+      </a:schemeClr>
+    </cs:fontRef>
+    <cs:defRPr sz="1330" kern="1200"/>
+  </cs:axisTitle>
+  <cs:categoryAxis>
+    <cs:lnRef idx="0"/>
+    <cs:fillRef idx="0"/>
+    <cs:effectRef idx="0"/>
+    <cs:fontRef idx="minor">
+      <a:schemeClr val="tx1">
+        <a:lumMod val="65000"/>
+        <a:lumOff val="35000"/>
+      </a:schemeClr>
+    </cs:fontRef>
+    <cs:spPr>
+      <a:ln w="9525" cap="flat" cmpd="sng" algn="ctr">
+        <a:solidFill>
+          <a:schemeClr val="tx1">
+            <a:lumMod val="15000"/>
+            <a:lumOff val="85000"/>
+          </a:schemeClr>
+        </a:solidFill>
+        <a:round/>
+      </a:ln>
+    </cs:spPr>
+    <cs:defRPr sz="1197" kern="1200"/>
+  </cs:categoryAxis>
+  <cs:chartArea mods="allowNoFillOverride allowNoLineOverride">
+    <cs:lnRef idx="0"/>
+    <cs:fillRef idx="0"/>
+    <cs:effectRef idx="0"/>
+    <cs:fontRef idx="minor">
+      <a:schemeClr val="tx1"/>
+    </cs:fontRef>
+    <cs:spPr>
+      <a:solidFill>
+        <a:schemeClr val="bg1"/>
+      </a:solidFill>
+      <a:ln w="9525" cap="flat" cmpd="sng" algn="ctr">
+        <a:solidFill>
+          <a:schemeClr val="tx1">
+            <a:lumMod val="15000"/>
+            <a:lumOff val="85000"/>
+          </a:schemeClr>
+        </a:solidFill>
+        <a:round/>
+      </a:ln>
+    </cs:spPr>
+    <cs:defRPr sz="1330" kern="1200"/>
+  </cs:chartArea>
+  <cs:dataLabel>
+    <cs:lnRef idx="0"/>
+    <cs:fillRef idx="0"/>
+    <cs:effectRef idx="0"/>
+    <cs:fontRef idx="minor">
+      <a:schemeClr val="tx1">
+        <a:lumMod val="75000"/>
+        <a:lumOff val="25000"/>
+      </a:schemeClr>
+    </cs:fontRef>
+    <cs:defRPr sz="1197" kern="1200"/>
+  </cs:dataLabel>
+  <cs:dataLabelCallout>
+    <cs:lnRef idx="0"/>
+    <cs:fillRef idx="0"/>
+    <cs:effectRef idx="0"/>
+    <cs:fontRef idx="minor">
+      <a:schemeClr val="dk1">
+        <a:lumMod val="65000"/>
+        <a:lumOff val="35000"/>
+      </a:schemeClr>
+    </cs:fontRef>
+    <cs:spPr>
+      <a:solidFill>
+        <a:schemeClr val="lt1"/>
+      </a:solidFill>
+      <a:ln>
+        <a:solidFill>
+          <a:schemeClr val="dk1">
+            <a:lumMod val="25000"/>
+            <a:lumOff val="75000"/>
+          </a:schemeClr>
+        </a:solidFill>
+      </a:ln>
+    </cs:spPr>
+    <cs:defRPr sz="1197" kern="1200"/>
+    <cs:bodyPr rot="0" spcFirstLastPara="1" vertOverflow="clip" horzOverflow="clip" vert="horz" wrap="square" lIns="36576" tIns="18288" rIns="36576" bIns="18288" anchor="ctr" anchorCtr="1">
+      <a:spAutoFit/>
+    </cs:bodyPr>
+  </cs:dataLabelCallout>
+  <cs:dataPoint>
+    <cs:lnRef idx="0"/>
+    <cs:fillRef idx="1">
+      <cs:styleClr val="auto"/>
+    </cs:fillRef>
+    <cs:effectRef idx="0"/>
+    <cs:fontRef idx="minor">
+      <a:schemeClr val="tx1"/>
+    </cs:fontRef>
+  </cs:dataPoint>
+  <cs:dataPoint3D>
+    <cs:lnRef idx="0"/>
+    <cs:fillRef idx="1">
+      <cs:styleClr val="auto"/>
+    </cs:fillRef>
+    <cs:effectRef idx="0"/>
+    <cs:fontRef idx="minor">
+      <a:schemeClr val="tx1"/>
+    </cs:fontRef>
+  </cs:dataPoint3D>
+  <cs:dataPointLine>
+    <cs:lnRef idx="0">
+      <cs:styleClr val="auto"/>
+    </cs:lnRef>
+    <cs:fillRef idx="1"/>
+    <cs:effectRef idx="0"/>
+    <cs:fontRef idx="minor">
+      <a:schemeClr val="tx1"/>
+    </cs:fontRef>
+    <cs:spPr>
+      <a:ln w="28575" cap="rnd">
+        <a:solidFill>
+          <a:schemeClr val="phClr"/>
+        </a:solidFill>
+        <a:round/>
+      </a:ln>
+    </cs:spPr>
+  </cs:dataPointLine>
+  <cs:dataPointMarker>
+    <cs:lnRef idx="0">
+      <cs:styleClr val="auto"/>
+    </cs:lnRef>
+    <cs:fillRef idx="1">
+      <cs:styleClr val="auto"/>
+    </cs:fillRef>
+    <cs:effectRef idx="0"/>
+    <cs:fontRef idx="minor">
+      <a:schemeClr val="tx1"/>
+    </cs:fontRef>
+    <cs:spPr>
+      <a:ln w="9525">
+        <a:solidFill>
+          <a:schemeClr val="phClr"/>
+        </a:solidFill>
+      </a:ln>
+    </cs:spPr>
+  </cs:dataPointMarker>
+  <cs:dataPointMarkerLayout symbol="circle" size="5"/>
+  <cs:dataPointWireframe>
+    <cs:lnRef idx="0">
+      <cs:styleClr val="auto"/>
+    </cs:lnRef>
+    <cs:fillRef idx="1"/>
+    <cs:effectRef idx="0"/>
+    <cs:fontRef idx="minor">
+      <a:schemeClr val="tx1"/>
+    </cs:fontRef>
+    <cs:spPr>
+      <a:ln w="9525" cap="rnd">
+        <a:solidFill>
+          <a:schemeClr val="phClr"/>
+        </a:solidFill>
+        <a:round/>
+      </a:ln>
+    </cs:spPr>
+  </cs:dataPointWireframe>
+  <cs:dataTable>
+    <cs:lnRef idx="0"/>
+    <cs:fillRef idx="0"/>
+    <cs:effectRef idx="0"/>
+    <cs:fontRef idx="minor">
+      <a:schemeClr val="tx1">
+        <a:lumMod val="65000"/>
+        <a:lumOff val="35000"/>
+      </a:schemeClr>
+    </cs:fontRef>
+    <cs:spPr>
+      <a:noFill/>
+      <a:ln w="9525" cap="flat" cmpd="sng" algn="ctr">
+        <a:solidFill>
+          <a:schemeClr val="tx1">
+            <a:lumMod val="15000"/>
+            <a:lumOff val="85000"/>
+          </a:schemeClr>
+        </a:solidFill>
+        <a:round/>
+      </a:ln>
+    </cs:spPr>
+    <cs:defRPr sz="1197" kern="1200"/>
+  </cs:dataTable>
+  <cs:downBar>
+    <cs:lnRef idx="0"/>
+    <cs:fillRef idx="0"/>
+    <cs:effectRef idx="0"/>
+    <cs:fontRef idx="minor">
+      <a:schemeClr val="dk1"/>
+    </cs:fontRef>
+    <cs:spPr>
+      <a:solidFill>
+        <a:schemeClr val="dk1">
+          <a:lumMod val="65000"/>
+          <a:lumOff val="35000"/>
+        </a:schemeClr>
+      </a:solidFill>
+      <a:ln w="9525">
+        <a:solidFill>
+          <a:schemeClr val="tx1">
+            <a:lumMod val="65000"/>
+            <a:lumOff val="35000"/>
+          </a:schemeClr>
+        </a:solidFill>
+      </a:ln>
+    </cs:spPr>
+  </cs:downBar>
+  <cs:dropLine>
+    <cs:lnRef idx="0"/>
+    <cs:fillRef idx="0"/>
+    <cs:effectRef idx="0"/>
+    <cs:fontRef idx="minor">
+      <a:schemeClr val="tx1"/>
+    </cs:fontRef>
+    <cs:spPr>
+      <a:ln w="9525" cap="flat" cmpd="sng" algn="ctr">
+        <a:solidFill>
+          <a:schemeClr val="tx1">
+            <a:lumMod val="35000"/>
+            <a:lumOff val="65000"/>
+          </a:schemeClr>
+        </a:solidFill>
+        <a:round/>
+      </a:ln>
+    </cs:spPr>
+  </cs:dropLine>
+  <cs:errorBar>
+    <cs:lnRef idx="0"/>
+    <cs:fillRef idx="0"/>
+    <cs:effectRef idx="0"/>
+    <cs:fontRef idx="minor">
+      <a:schemeClr val="tx1"/>
+    </cs:fontRef>
+    <cs:spPr>
+      <a:ln w="9525" cap="flat" cmpd="sng" algn="ctr">
+        <a:solidFill>
+          <a:schemeClr val="tx1">
+            <a:lumMod val="65000"/>
+            <a:lumOff val="35000"/>
+          </a:schemeClr>
+        </a:solidFill>
+        <a:round/>
+      </a:ln>
+    </cs:spPr>
+  </cs:errorBar>
+  <cs:floor>
+    <cs:lnRef idx="0"/>
+    <cs:fillRef idx="0"/>
+    <cs:effectRef idx="0"/>
+    <cs:fontRef idx="minor">
+      <a:schemeClr val="tx1"/>
+    </cs:fontRef>
+    <cs:spPr>
+      <a:noFill/>
+      <a:ln>
+        <a:noFill/>
+      </a:ln>
+    </cs:spPr>
+  </cs:floor>
+  <cs:gridlineMajor>
+    <cs:lnRef idx="0"/>
+    <cs:fillRef idx="0"/>
+    <cs:effectRef idx="0"/>
+    <cs:fontRef idx="minor">
+      <a:schemeClr val="tx1"/>
+    </cs:fontRef>
+    <cs:spPr>
+      <a:ln w="9525" cap="flat" cmpd="sng" algn="ctr">
+        <a:solidFill>
+          <a:schemeClr val="tx1">
+            <a:lumMod val="15000"/>
+            <a:lumOff val="85000"/>
+          </a:schemeClr>
+        </a:solidFill>
+        <a:round/>
+      </a:ln>
+    </cs:spPr>
+  </cs:gridlineMajor>
+  <cs:gridlineMinor>
+    <cs:lnRef idx="0"/>
+    <cs:fillRef idx="0"/>
+    <cs:effectRef idx="0"/>
+    <cs:fontRef idx="minor">
+      <a:schemeClr val="tx1"/>
+    </cs:fontRef>
+    <cs:spPr>
+      <a:ln w="9525" cap="flat" cmpd="sng" algn="ctr">
+        <a:solidFill>
+          <a:schemeClr val="tx1">
+            <a:lumMod val="5000"/>
+            <a:lumOff val="95000"/>
+          </a:schemeClr>
+        </a:solidFill>
+        <a:round/>
+      </a:ln>
+    </cs:spPr>
+  </cs:gridlineMinor>
+  <cs:hiLoLine>
+    <cs:lnRef idx="0"/>
+    <cs:fillRef idx="0"/>
+    <cs:effectRef idx="0"/>
+    <cs:fontRef idx="minor">
+      <a:schemeClr val="tx1"/>
+    </cs:fontRef>
+    <cs:spPr>
+      <a:ln w="9525" cap="flat" cmpd="sng" algn="ctr">
+        <a:solidFill>
+          <a:schemeClr val="tx1">
+            <a:lumMod val="75000"/>
+            <a:lumOff val="25000"/>
+          </a:schemeClr>
+        </a:solidFill>
+        <a:round/>
+      </a:ln>
+    </cs:spPr>
+  </cs:hiLoLine>
+  <cs:leaderLine>
+    <cs:lnRef idx="0"/>
+    <cs:fillRef idx="0"/>
+    <cs:effectRef idx="0"/>
+    <cs:fontRef idx="minor">
+      <a:schemeClr val="tx1"/>
+    </cs:fontRef>
+    <cs:spPr>
+      <a:ln w="9525" cap="flat" cmpd="sng" algn="ctr">
+        <a:solidFill>
+          <a:schemeClr val="tx1">
+            <a:lumMod val="35000"/>
+            <a:lumOff val="65000"/>
+          </a:schemeClr>
+        </a:solidFill>
+        <a:round/>
+      </a:ln>
+    </cs:spPr>
+  </cs:leaderLine>
+  <cs:legend>
+    <cs:lnRef idx="0"/>
+    <cs:fillRef idx="0"/>
+    <cs:effectRef idx="0"/>
+    <cs:fontRef idx="minor">
+      <a:schemeClr val="tx1">
+        <a:lumMod val="65000"/>
+        <a:lumOff val="35000"/>
+      </a:schemeClr>
+    </cs:fontRef>
+    <cs:defRPr sz="1197" kern="1200"/>
+  </cs:legend>
+  <cs:plotArea mods="allowNoFillOverride allowNoLineOverride">
+    <cs:lnRef idx="0"/>
+    <cs:fillRef idx="0"/>
+    <cs:effectRef idx="0"/>
+    <cs:fontRef idx="minor">
+      <a:schemeClr val="tx1"/>
+    </cs:fontRef>
+  </cs:plotArea>
+  <cs:plotArea3D mods="allowNoFillOverride allowNoLineOverride">
+    <cs:lnRef idx="0"/>
+    <cs:fillRef idx="0"/>
+    <cs:effectRef idx="0"/>
+    <cs:fontRef idx="minor">
+      <a:schemeClr val="tx1"/>
+    </cs:fontRef>
+  </cs:plotArea3D>
+  <cs:seriesAxis>
+    <cs:lnRef idx="0"/>
+    <cs:fillRef idx="0"/>
+    <cs:effectRef idx="0"/>
+    <cs:fontRef idx="minor">
+      <a:schemeClr val="tx1">
+        <a:lumMod val="65000"/>
+        <a:lumOff val="35000"/>
+      </a:schemeClr>
+    </cs:fontRef>
+    <cs:defRPr sz="1197" kern="1200"/>
+  </cs:seriesAxis>
+  <cs:seriesLine>
+    <cs:lnRef idx="0"/>
+    <cs:fillRef idx="0"/>
+    <cs:effectRef idx="0"/>
+    <cs:fontRef idx="minor">
+      <a:schemeClr val="tx1"/>
+    </cs:fontRef>
+    <cs:spPr>
+      <a:ln w="9525" cap="flat" cmpd="sng" algn="ctr">
+        <a:solidFill>
+          <a:schemeClr val="tx1">
+            <a:lumMod val="35000"/>
+            <a:lumOff val="65000"/>
+          </a:schemeClr>
+        </a:solidFill>
+        <a:round/>
+      </a:ln>
+    </cs:spPr>
+  </cs:seriesLine>
+  <cs:title>
+    <cs:lnRef idx="0"/>
+    <cs:fillRef idx="0"/>
+    <cs:effectRef idx="0"/>
+    <cs:fontRef idx="minor">
+      <a:schemeClr val="tx1">
+        <a:lumMod val="65000"/>
+        <a:lumOff val="35000"/>
+      </a:schemeClr>
+    </cs:fontRef>
+    <cs:defRPr sz="1862" b="0" kern="1200" spc="0" baseline="0"/>
+  </cs:title>
+  <cs:trendline>
+    <cs:lnRef idx="0">
+      <cs:styleClr val="auto"/>
+    </cs:lnRef>
+    <cs:fillRef idx="0"/>
+    <cs:effectRef idx="0"/>
+    <cs:fontRef idx="minor">
+      <a:schemeClr val="tx1"/>
+    </cs:fontRef>
+    <cs:spPr>
+      <a:ln w="19050" cap="rnd">
+        <a:solidFill>
+          <a:schemeClr val="phClr"/>
+        </a:solidFill>
+        <a:prstDash val="sysDot"/>
+      </a:ln>
+    </cs:spPr>
+  </cs:trendline>
+  <cs:trendlineLabel>
+    <cs:lnRef idx="0"/>
+    <cs:fillRef idx="0"/>
+    <cs:effectRef idx="0"/>
+    <cs:fontRef idx="minor">
+      <a:schemeClr val="tx1">
+        <a:lumMod val="65000"/>
+        <a:lumOff val="35000"/>
+      </a:schemeClr>
+    </cs:fontRef>
+    <cs:defRPr sz="1197" kern="1200"/>
+  </cs:trendlineLabel>
+  <cs:upBar>
+    <cs:lnRef idx="0"/>
+    <cs:fillRef idx="0"/>
+    <cs:effectRef idx="0"/>
+    <cs:fontRef idx="minor">
+      <a:schemeClr val="dk1"/>
+    </cs:fontRef>
+    <cs:spPr>
+      <a:solidFill>
+        <a:schemeClr val="lt1"/>
+      </a:solidFill>
+      <a:ln w="9525">
+        <a:solidFill>
+          <a:schemeClr val="tx1">
+            <a:lumMod val="15000"/>
+            <a:lumOff val="85000"/>
+          </a:schemeClr>
+        </a:solidFill>
+      </a:ln>
+    </cs:spPr>
+  </cs:upBar>
+  <cs:valueAxis>
+    <cs:lnRef idx="0"/>
+    <cs:fillRef idx="0"/>
+    <cs:effectRef idx="0"/>
+    <cs:fontRef idx="minor">
+      <a:schemeClr val="tx1">
+        <a:lumMod val="65000"/>
+        <a:lumOff val="35000"/>
+      </a:schemeClr>
+    </cs:fontRef>
+    <cs:defRPr sz="1197" kern="1200"/>
+  </cs:valueAxis>
+  <cs:wall>
+    <cs:lnRef idx="0"/>
+    <cs:fillRef idx="0"/>
+    <cs:effectRef idx="0"/>
+    <cs:fontRef idx="minor">
+      <a:schemeClr val="tx1"/>
+    </cs:fontRef>
+    <cs:spPr>
+      <a:noFill/>
+      <a:ln>
+        <a:noFill/>
+      </a:ln>
+    </cs:spPr>
+  </cs:wall>
+</cs:chartStyle>
+</file>
+
+<file path=ppt/charts/style5.xml><?xml version="1.0" encoding="utf-8"?>
+<cs:chartStyle xmlns:cs="http://schemas.microsoft.com/office/drawing/2012/chartStyle" xmlns:a="http://schemas.openxmlformats.org/drawingml/2006/main" id="201">
+  <cs:axisTitle>
+    <cs:lnRef idx="0"/>
+    <cs:fillRef idx="0"/>
+    <cs:effectRef idx="0"/>
+    <cs:fontRef idx="minor">
+      <a:schemeClr val="tx1">
+        <a:lumMod val="65000"/>
+        <a:lumOff val="35000"/>
+      </a:schemeClr>
+    </cs:fontRef>
+    <cs:defRPr sz="1330" kern="1200"/>
+  </cs:axisTitle>
+  <cs:categoryAxis>
+    <cs:lnRef idx="0"/>
+    <cs:fillRef idx="0"/>
+    <cs:effectRef idx="0"/>
+    <cs:fontRef idx="minor">
+      <a:schemeClr val="tx1">
+        <a:lumMod val="65000"/>
+        <a:lumOff val="35000"/>
+      </a:schemeClr>
+    </cs:fontRef>
+    <cs:spPr>
+      <a:ln w="9525" cap="flat" cmpd="sng" algn="ctr">
+        <a:solidFill>
+          <a:schemeClr val="tx1">
+            <a:lumMod val="15000"/>
+            <a:lumOff val="85000"/>
+          </a:schemeClr>
+        </a:solidFill>
+        <a:round/>
+      </a:ln>
+    </cs:spPr>
+    <cs:defRPr sz="1197" kern="1200"/>
+  </cs:categoryAxis>
+  <cs:chartArea mods="allowNoFillOverride allowNoLineOverride">
+    <cs:lnRef idx="0"/>
+    <cs:fillRef idx="0"/>
+    <cs:effectRef idx="0"/>
+    <cs:fontRef idx="minor">
+      <a:schemeClr val="tx1"/>
+    </cs:fontRef>
+    <cs:spPr>
+      <a:solidFill>
+        <a:schemeClr val="bg1"/>
+      </a:solidFill>
+      <a:ln w="9525" cap="flat" cmpd="sng" algn="ctr">
+        <a:solidFill>
+          <a:schemeClr val="tx1">
+            <a:lumMod val="15000"/>
+            <a:lumOff val="85000"/>
+          </a:schemeClr>
+        </a:solidFill>
+        <a:round/>
+      </a:ln>
+    </cs:spPr>
+    <cs:defRPr sz="1330" kern="1200"/>
+  </cs:chartArea>
+  <cs:dataLabel>
+    <cs:lnRef idx="0"/>
+    <cs:fillRef idx="0"/>
+    <cs:effectRef idx="0"/>
+    <cs:fontRef idx="minor">
+      <a:schemeClr val="tx1">
+        <a:lumMod val="75000"/>
+        <a:lumOff val="25000"/>
+      </a:schemeClr>
+    </cs:fontRef>
+    <cs:defRPr sz="1197" kern="1200"/>
+  </cs:dataLabel>
+  <cs:dataLabelCallout>
+    <cs:lnRef idx="0"/>
+    <cs:fillRef idx="0"/>
+    <cs:effectRef idx="0"/>
+    <cs:fontRef idx="minor">
+      <a:schemeClr val="dk1">
+        <a:lumMod val="65000"/>
+        <a:lumOff val="35000"/>
+      </a:schemeClr>
+    </cs:fontRef>
+    <cs:spPr>
+      <a:solidFill>
+        <a:schemeClr val="lt1"/>
+      </a:solidFill>
+      <a:ln>
+        <a:solidFill>
+          <a:schemeClr val="dk1">
+            <a:lumMod val="25000"/>
+            <a:lumOff val="75000"/>
+          </a:schemeClr>
+        </a:solidFill>
+      </a:ln>
+    </cs:spPr>
+    <cs:defRPr sz="1197" kern="1200"/>
+    <cs:bodyPr rot="0" spcFirstLastPara="1" vertOverflow="clip" horzOverflow="clip" vert="horz" wrap="square" lIns="36576" tIns="18288" rIns="36576" bIns="18288" anchor="ctr" anchorCtr="1">
+      <a:spAutoFit/>
+    </cs:bodyPr>
+  </cs:dataLabelCallout>
+  <cs:dataPoint>
+    <cs:lnRef idx="0"/>
+    <cs:fillRef idx="1">
+      <cs:styleClr val="auto"/>
+    </cs:fillRef>
+    <cs:effectRef idx="0"/>
+    <cs:fontRef idx="minor">
+      <a:schemeClr val="tx1"/>
+    </cs:fontRef>
+  </cs:dataPoint>
+  <cs:dataPoint3D>
+    <cs:lnRef idx="0"/>
+    <cs:fillRef idx="1">
+      <cs:styleClr val="auto"/>
+    </cs:fillRef>
+    <cs:effectRef idx="0"/>
+    <cs:fontRef idx="minor">
+      <a:schemeClr val="tx1"/>
+    </cs:fontRef>
+  </cs:dataPoint3D>
+  <cs:dataPointLine>
+    <cs:lnRef idx="0">
+      <cs:styleClr val="auto"/>
+    </cs:lnRef>
+    <cs:fillRef idx="1"/>
+    <cs:effectRef idx="0"/>
+    <cs:fontRef idx="minor">
+      <a:schemeClr val="tx1"/>
+    </cs:fontRef>
+    <cs:spPr>
+      <a:ln w="28575" cap="rnd">
+        <a:solidFill>
+          <a:schemeClr val="phClr"/>
+        </a:solidFill>
+        <a:round/>
+      </a:ln>
+    </cs:spPr>
+  </cs:dataPointLine>
+  <cs:dataPointMarker>
+    <cs:lnRef idx="0">
+      <cs:styleClr val="auto"/>
+    </cs:lnRef>
+    <cs:fillRef idx="1">
+      <cs:styleClr val="auto"/>
+    </cs:fillRef>
+    <cs:effectRef idx="0"/>
+    <cs:fontRef idx="minor">
+      <a:schemeClr val="tx1"/>
+    </cs:fontRef>
+    <cs:spPr>
+      <a:ln w="9525">
+        <a:solidFill>
+          <a:schemeClr val="phClr"/>
+        </a:solidFill>
+      </a:ln>
+    </cs:spPr>
+  </cs:dataPointMarker>
+  <cs:dataPointMarkerLayout symbol="circle" size="5"/>
+  <cs:dataPointWireframe>
+    <cs:lnRef idx="0">
+      <cs:styleClr val="auto"/>
+    </cs:lnRef>
+    <cs:fillRef idx="1"/>
+    <cs:effectRef idx="0"/>
+    <cs:fontRef idx="minor">
+      <a:schemeClr val="tx1"/>
+    </cs:fontRef>
+    <cs:spPr>
+      <a:ln w="9525" cap="rnd">
+        <a:solidFill>
+          <a:schemeClr val="phClr"/>
+        </a:solidFill>
+        <a:round/>
+      </a:ln>
+    </cs:spPr>
+  </cs:dataPointWireframe>
+  <cs:dataTable>
+    <cs:lnRef idx="0"/>
+    <cs:fillRef idx="0"/>
+    <cs:effectRef idx="0"/>
+    <cs:fontRef idx="minor">
+      <a:schemeClr val="tx1">
+        <a:lumMod val="65000"/>
+        <a:lumOff val="35000"/>
+      </a:schemeClr>
+    </cs:fontRef>
+    <cs:spPr>
+      <a:noFill/>
+      <a:ln w="9525" cap="flat" cmpd="sng" algn="ctr">
+        <a:solidFill>
+          <a:schemeClr val="tx1">
+            <a:lumMod val="15000"/>
+            <a:lumOff val="85000"/>
+          </a:schemeClr>
+        </a:solidFill>
+        <a:round/>
+      </a:ln>
+    </cs:spPr>
+    <cs:defRPr sz="1197" kern="1200"/>
+  </cs:dataTable>
+  <cs:downBar>
+    <cs:lnRef idx="0"/>
+    <cs:fillRef idx="0"/>
+    <cs:effectRef idx="0"/>
+    <cs:fontRef idx="minor">
+      <a:schemeClr val="dk1"/>
+    </cs:fontRef>
+    <cs:spPr>
+      <a:solidFill>
+        <a:schemeClr val="dk1">
+          <a:lumMod val="65000"/>
+          <a:lumOff val="35000"/>
+        </a:schemeClr>
+      </a:solidFill>
+      <a:ln w="9525">
+        <a:solidFill>
+          <a:schemeClr val="tx1">
+            <a:lumMod val="65000"/>
+            <a:lumOff val="35000"/>
+          </a:schemeClr>
+        </a:solidFill>
+      </a:ln>
+    </cs:spPr>
+  </cs:downBar>
+  <cs:dropLine>
+    <cs:lnRef idx="0"/>
+    <cs:fillRef idx="0"/>
+    <cs:effectRef idx="0"/>
+    <cs:fontRef idx="minor">
+      <a:schemeClr val="tx1"/>
+    </cs:fontRef>
+    <cs:spPr>
+      <a:ln w="9525" cap="flat" cmpd="sng" algn="ctr">
+        <a:solidFill>
+          <a:schemeClr val="tx1">
+            <a:lumMod val="35000"/>
+            <a:lumOff val="65000"/>
+          </a:schemeClr>
+        </a:solidFill>
+        <a:round/>
+      </a:ln>
+    </cs:spPr>
+  </cs:dropLine>
+  <cs:errorBar>
+    <cs:lnRef idx="0"/>
+    <cs:fillRef idx="0"/>
+    <cs:effectRef idx="0"/>
+    <cs:fontRef idx="minor">
+      <a:schemeClr val="tx1"/>
+    </cs:fontRef>
+    <cs:spPr>
+      <a:ln w="9525" cap="flat" cmpd="sng" algn="ctr">
+        <a:solidFill>
+          <a:schemeClr val="tx1">
+            <a:lumMod val="65000"/>
+            <a:lumOff val="35000"/>
+          </a:schemeClr>
+        </a:solidFill>
+        <a:round/>
+      </a:ln>
+    </cs:spPr>
+  </cs:errorBar>
+  <cs:floor>
+    <cs:lnRef idx="0"/>
+    <cs:fillRef idx="0"/>
+    <cs:effectRef idx="0"/>
+    <cs:fontRef idx="minor">
+      <a:schemeClr val="tx1"/>
+    </cs:fontRef>
+    <cs:spPr>
+      <a:noFill/>
+      <a:ln>
+        <a:noFill/>
+      </a:ln>
+    </cs:spPr>
+  </cs:floor>
+  <cs:gridlineMajor>
+    <cs:lnRef idx="0"/>
+    <cs:fillRef idx="0"/>
+    <cs:effectRef idx="0"/>
+    <cs:fontRef idx="minor">
+      <a:schemeClr val="tx1"/>
+    </cs:fontRef>
+    <cs:spPr>
+      <a:ln w="9525" cap="flat" cmpd="sng" algn="ctr">
+        <a:solidFill>
+          <a:schemeClr val="tx1">
+            <a:lumMod val="15000"/>
+            <a:lumOff val="85000"/>
+          </a:schemeClr>
+        </a:solidFill>
+        <a:round/>
+      </a:ln>
+    </cs:spPr>
+  </cs:gridlineMajor>
+  <cs:gridlineMinor>
+    <cs:lnRef idx="0"/>
+    <cs:fillRef idx="0"/>
+    <cs:effectRef idx="0"/>
+    <cs:fontRef idx="minor">
+      <a:schemeClr val="tx1"/>
+    </cs:fontRef>
+    <cs:spPr>
+      <a:ln w="9525" cap="flat" cmpd="sng" algn="ctr">
+        <a:solidFill>
+          <a:schemeClr val="tx1">
+            <a:lumMod val="5000"/>
+            <a:lumOff val="95000"/>
+          </a:schemeClr>
+        </a:solidFill>
+        <a:round/>
+      </a:ln>
+    </cs:spPr>
+  </cs:gridlineMinor>
+  <cs:hiLoLine>
+    <cs:lnRef idx="0"/>
+    <cs:fillRef idx="0"/>
+    <cs:effectRef idx="0"/>
+    <cs:fontRef idx="minor">
+      <a:schemeClr val="tx1"/>
+    </cs:fontRef>
+    <cs:spPr>
+      <a:ln w="9525" cap="flat" cmpd="sng" algn="ctr">
+        <a:solidFill>
+          <a:schemeClr val="tx1">
+            <a:lumMod val="75000"/>
+            <a:lumOff val="25000"/>
+          </a:schemeClr>
+        </a:solidFill>
+        <a:round/>
+      </a:ln>
+    </cs:spPr>
+  </cs:hiLoLine>
+  <cs:leaderLine>
+    <cs:lnRef idx="0"/>
+    <cs:fillRef idx="0"/>
+    <cs:effectRef idx="0"/>
+    <cs:fontRef idx="minor">
+      <a:schemeClr val="tx1"/>
+    </cs:fontRef>
+    <cs:spPr>
+      <a:ln w="9525" cap="flat" cmpd="sng" algn="ctr">
+        <a:solidFill>
+          <a:schemeClr val="tx1">
+            <a:lumMod val="35000"/>
+            <a:lumOff val="65000"/>
+          </a:schemeClr>
+        </a:solidFill>
+        <a:round/>
+      </a:ln>
+    </cs:spPr>
+  </cs:leaderLine>
+  <cs:legend>
+    <cs:lnRef idx="0"/>
+    <cs:fillRef idx="0"/>
+    <cs:effectRef idx="0"/>
+    <cs:fontRef idx="minor">
+      <a:schemeClr val="tx1">
+        <a:lumMod val="65000"/>
+        <a:lumOff val="35000"/>
+      </a:schemeClr>
+    </cs:fontRef>
+    <cs:defRPr sz="1197" kern="1200"/>
+  </cs:legend>
+  <cs:plotArea mods="allowNoFillOverride allowNoLineOverride">
+    <cs:lnRef idx="0"/>
+    <cs:fillRef idx="0"/>
+    <cs:effectRef idx="0"/>
+    <cs:fontRef idx="minor">
+      <a:schemeClr val="tx1"/>
+    </cs:fontRef>
+  </cs:plotArea>
+  <cs:plotArea3D mods="allowNoFillOverride allowNoLineOverride">
+    <cs:lnRef idx="0"/>
+    <cs:fillRef idx="0"/>
+    <cs:effectRef idx="0"/>
+    <cs:fontRef idx="minor">
+      <a:schemeClr val="tx1"/>
+    </cs:fontRef>
+  </cs:plotArea3D>
+  <cs:seriesAxis>
+    <cs:lnRef idx="0"/>
+    <cs:fillRef idx="0"/>
+    <cs:effectRef idx="0"/>
+    <cs:fontRef idx="minor">
+      <a:schemeClr val="tx1">
+        <a:lumMod val="65000"/>
+        <a:lumOff val="35000"/>
+      </a:schemeClr>
+    </cs:fontRef>
+    <cs:defRPr sz="1197" kern="1200"/>
+  </cs:seriesAxis>
+  <cs:seriesLine>
+    <cs:lnRef idx="0"/>
+    <cs:fillRef idx="0"/>
+    <cs:effectRef idx="0"/>
+    <cs:fontRef idx="minor">
+      <a:schemeClr val="tx1"/>
+    </cs:fontRef>
+    <cs:spPr>
+      <a:ln w="9525" cap="flat" cmpd="sng" algn="ctr">
+        <a:solidFill>
+          <a:schemeClr val="tx1">
+            <a:lumMod val="35000"/>
+            <a:lumOff val="65000"/>
+          </a:schemeClr>
+        </a:solidFill>
+        <a:round/>
+      </a:ln>
+    </cs:spPr>
+  </cs:seriesLine>
+  <cs:title>
+    <cs:lnRef idx="0"/>
+    <cs:fillRef idx="0"/>
+    <cs:effectRef idx="0"/>
+    <cs:fontRef idx="minor">
+      <a:schemeClr val="tx1">
+        <a:lumMod val="65000"/>
+        <a:lumOff val="35000"/>
+      </a:schemeClr>
+    </cs:fontRef>
+    <cs:defRPr sz="1862" b="0" kern="1200" spc="0" baseline="0"/>
+  </cs:title>
+  <cs:trendline>
+    <cs:lnRef idx="0">
+      <cs:styleClr val="auto"/>
+    </cs:lnRef>
+    <cs:fillRef idx="0"/>
+    <cs:effectRef idx="0"/>
+    <cs:fontRef idx="minor">
+      <a:schemeClr val="tx1"/>
+    </cs:fontRef>
+    <cs:spPr>
+      <a:ln w="19050" cap="rnd">
+        <a:solidFill>
+          <a:schemeClr val="phClr"/>
+        </a:solidFill>
+        <a:prstDash val="sysDot"/>
+      </a:ln>
+    </cs:spPr>
+  </cs:trendline>
+  <cs:trendlineLabel>
+    <cs:lnRef idx="0"/>
+    <cs:fillRef idx="0"/>
+    <cs:effectRef idx="0"/>
+    <cs:fontRef idx="minor">
+      <a:schemeClr val="tx1">
+        <a:lumMod val="65000"/>
+        <a:lumOff val="35000"/>
+      </a:schemeClr>
+    </cs:fontRef>
+    <cs:defRPr sz="1197" kern="1200"/>
+  </cs:trendlineLabel>
+  <cs:upBar>
+    <cs:lnRef idx="0"/>
+    <cs:fillRef idx="0"/>
+    <cs:effectRef idx="0"/>
+    <cs:fontRef idx="minor">
+      <a:schemeClr val="dk1"/>
+    </cs:fontRef>
+    <cs:spPr>
+      <a:solidFill>
+        <a:schemeClr val="lt1"/>
+      </a:solidFill>
+      <a:ln w="9525">
+        <a:solidFill>
+          <a:schemeClr val="tx1">
+            <a:lumMod val="15000"/>
+            <a:lumOff val="85000"/>
+          </a:schemeClr>
+        </a:solidFill>
+      </a:ln>
+    </cs:spPr>
+  </cs:upBar>
+  <cs:valueAxis>
+    <cs:lnRef idx="0"/>
+    <cs:fillRef idx="0"/>
+    <cs:effectRef idx="0"/>
+    <cs:fontRef idx="minor">
+      <a:schemeClr val="tx1">
+        <a:lumMod val="65000"/>
+        <a:lumOff val="35000"/>
+      </a:schemeClr>
+    </cs:fontRef>
+    <cs:defRPr sz="1197" kern="1200"/>
+  </cs:valueAxis>
+  <cs:wall>
+    <cs:lnRef idx="0"/>
+    <cs:fillRef idx="0"/>
+    <cs:effectRef idx="0"/>
+    <cs:fontRef idx="minor">
+      <a:schemeClr val="tx1"/>
+    </cs:fontRef>
+    <cs:spPr>
+      <a:noFill/>
+      <a:ln>
+        <a:noFill/>
+      </a:ln>
+    </cs:spPr>
+  </cs:wall>
+</cs:chartStyle>
+</file>
+
+<file path=ppt/charts/style6.xml><?xml version="1.0" encoding="utf-8"?>
 <cs:chartStyle xmlns:cs="http://schemas.microsoft.com/office/drawing/2012/chartStyle" xmlns:a="http://schemas.openxmlformats.org/drawingml/2006/main" id="201">
   <cs:axisTitle>
     <cs:lnRef idx="0"/>
@@ -4336,6 +6126,1204 @@
 <c:userShapes xmlns:c="http://schemas.openxmlformats.org/drawingml/2006/chart">
   <cdr:relSizeAnchor xmlns:cdr="http://schemas.openxmlformats.org/drawingml/2006/chartDrawing">
     <cdr:from>
+      <cdr:x>0.22253</cdr:x>
+      <cdr:y>0.63594</cdr:y>
+    </cdr:from>
+    <cdr:to>
+      <cdr:x>0.34609</cdr:x>
+      <cdr:y>0.92824</cdr:y>
+    </cdr:to>
+    <cdr:sp macro="" textlink="">
+      <cdr:nvSpPr>
+        <cdr:cNvPr id="13" name="Rectangle 12">
+          <a:extLst xmlns:a="http://schemas.openxmlformats.org/drawingml/2006/main">
+            <a:ext uri="{FF2B5EF4-FFF2-40B4-BE49-F238E27FC236}">
+              <a16:creationId xmlns:a16="http://schemas.microsoft.com/office/drawing/2014/main" id="{441F6A23-F9AC-4C31-B754-16246706634A}"/>
+            </a:ext>
+          </a:extLst>
+        </cdr:cNvPr>
+        <cdr:cNvSpPr/>
+      </cdr:nvSpPr>
+      <cdr:spPr>
+        <a:xfrm xmlns:a="http://schemas.openxmlformats.org/drawingml/2006/main">
+          <a:off x="1808724" y="3445932"/>
+          <a:ext cx="1004327" cy="1583891"/>
+        </a:xfrm>
+        <a:prstGeom xmlns:a="http://schemas.openxmlformats.org/drawingml/2006/main" prst="rect">
+          <a:avLst/>
+        </a:prstGeom>
+        <a:ln xmlns:a="http://schemas.openxmlformats.org/drawingml/2006/main" w="12700"/>
+      </cdr:spPr>
+      <cdr:style>
+        <a:lnRef xmlns:a="http://schemas.openxmlformats.org/drawingml/2006/main" idx="1">
+          <a:schemeClr val="accent2"/>
+        </a:lnRef>
+        <a:fillRef xmlns:a="http://schemas.openxmlformats.org/drawingml/2006/main" idx="2">
+          <a:schemeClr val="accent2"/>
+        </a:fillRef>
+        <a:effectRef xmlns:a="http://schemas.openxmlformats.org/drawingml/2006/main" idx="1">
+          <a:schemeClr val="accent2"/>
+        </a:effectRef>
+        <a:fontRef xmlns:a="http://schemas.openxmlformats.org/drawingml/2006/main" idx="minor">
+          <a:schemeClr val="dk1"/>
+        </a:fontRef>
+      </cdr:style>
+      <cdr:txBody>
+        <a:bodyPr xmlns:a="http://schemas.openxmlformats.org/drawingml/2006/main" rtlCol="0" anchor="ctr"/>
+        <a:lstStyle xmlns:a="http://schemas.openxmlformats.org/drawingml/2006/main">
+          <a:lvl1pPr marL="0" indent="0">
+            <a:defRPr sz="1100">
+              <a:solidFill>
+                <a:schemeClr val="dk1"/>
+              </a:solidFill>
+              <a:latin typeface="+mn-lt"/>
+              <a:ea typeface="+mn-ea"/>
+              <a:cs typeface="+mn-cs"/>
+            </a:defRPr>
+          </a:lvl1pPr>
+          <a:lvl2pPr marL="457200" indent="0">
+            <a:defRPr sz="1100">
+              <a:solidFill>
+                <a:schemeClr val="dk1"/>
+              </a:solidFill>
+              <a:latin typeface="+mn-lt"/>
+              <a:ea typeface="+mn-ea"/>
+              <a:cs typeface="+mn-cs"/>
+            </a:defRPr>
+          </a:lvl2pPr>
+          <a:lvl3pPr marL="914400" indent="0">
+            <a:defRPr sz="1100">
+              <a:solidFill>
+                <a:schemeClr val="dk1"/>
+              </a:solidFill>
+              <a:latin typeface="+mn-lt"/>
+              <a:ea typeface="+mn-ea"/>
+              <a:cs typeface="+mn-cs"/>
+            </a:defRPr>
+          </a:lvl3pPr>
+          <a:lvl4pPr marL="1371600" indent="0">
+            <a:defRPr sz="1100">
+              <a:solidFill>
+                <a:schemeClr val="dk1"/>
+              </a:solidFill>
+              <a:latin typeface="+mn-lt"/>
+              <a:ea typeface="+mn-ea"/>
+              <a:cs typeface="+mn-cs"/>
+            </a:defRPr>
+          </a:lvl4pPr>
+          <a:lvl5pPr marL="1828800" indent="0">
+            <a:defRPr sz="1100">
+              <a:solidFill>
+                <a:schemeClr val="dk1"/>
+              </a:solidFill>
+              <a:latin typeface="+mn-lt"/>
+              <a:ea typeface="+mn-ea"/>
+              <a:cs typeface="+mn-cs"/>
+            </a:defRPr>
+          </a:lvl5pPr>
+          <a:lvl6pPr marL="2286000" indent="0">
+            <a:defRPr sz="1100">
+              <a:solidFill>
+                <a:schemeClr val="dk1"/>
+              </a:solidFill>
+              <a:latin typeface="+mn-lt"/>
+              <a:ea typeface="+mn-ea"/>
+              <a:cs typeface="+mn-cs"/>
+            </a:defRPr>
+          </a:lvl6pPr>
+          <a:lvl7pPr marL="2743200" indent="0">
+            <a:defRPr sz="1100">
+              <a:solidFill>
+                <a:schemeClr val="dk1"/>
+              </a:solidFill>
+              <a:latin typeface="+mn-lt"/>
+              <a:ea typeface="+mn-ea"/>
+              <a:cs typeface="+mn-cs"/>
+            </a:defRPr>
+          </a:lvl7pPr>
+          <a:lvl8pPr marL="3200400" indent="0">
+            <a:defRPr sz="1100">
+              <a:solidFill>
+                <a:schemeClr val="dk1"/>
+              </a:solidFill>
+              <a:latin typeface="+mn-lt"/>
+              <a:ea typeface="+mn-ea"/>
+              <a:cs typeface="+mn-cs"/>
+            </a:defRPr>
+          </a:lvl8pPr>
+          <a:lvl9pPr marL="3657600" indent="0">
+            <a:defRPr sz="1100">
+              <a:solidFill>
+                <a:schemeClr val="dk1"/>
+              </a:solidFill>
+              <a:latin typeface="+mn-lt"/>
+              <a:ea typeface="+mn-ea"/>
+              <a:cs typeface="+mn-cs"/>
+            </a:defRPr>
+          </a:lvl9pPr>
+        </a:lstStyle>
+        <a:p xmlns:a="http://schemas.openxmlformats.org/drawingml/2006/main">
+          <a:pPr algn="ctr"/>
+          <a:endParaRPr lang="en-NL"/>
+        </a:p>
+      </cdr:txBody>
+    </cdr:sp>
+  </cdr:relSizeAnchor>
+  <cdr:relSizeAnchor xmlns:cdr="http://schemas.openxmlformats.org/drawingml/2006/chartDrawing">
+    <cdr:from>
+      <cdr:x>0.22253</cdr:x>
+      <cdr:y>0.78209</cdr:y>
+    </cdr:from>
+    <cdr:to>
+      <cdr:x>0.34609</cdr:x>
+      <cdr:y>0.78209</cdr:y>
+    </cdr:to>
+    <cdr:cxnSp macro="">
+      <cdr:nvCxnSpPr>
+        <cdr:cNvPr id="7" name="Straight Connector 6">
+          <a:extLst xmlns:a="http://schemas.openxmlformats.org/drawingml/2006/main">
+            <a:ext uri="{FF2B5EF4-FFF2-40B4-BE49-F238E27FC236}">
+              <a16:creationId xmlns:a16="http://schemas.microsoft.com/office/drawing/2014/main" id="{C6403D1E-D1BF-4B7D-82A1-A86FF51BD8EE}"/>
+            </a:ext>
+          </a:extLst>
+        </cdr:cNvPr>
+        <cdr:cNvCxnSpPr>
+          <a:stCxn xmlns:a="http://schemas.openxmlformats.org/drawingml/2006/main" id="13" idx="1"/>
+          <a:endCxn xmlns:a="http://schemas.openxmlformats.org/drawingml/2006/main" id="13" idx="3"/>
+        </cdr:cNvCxnSpPr>
+      </cdr:nvCxnSpPr>
+      <cdr:spPr>
+        <a:xfrm xmlns:a="http://schemas.openxmlformats.org/drawingml/2006/main">
+          <a:off x="1808724" y="4237878"/>
+          <a:ext cx="1004327" cy="0"/>
+        </a:xfrm>
+        <a:prstGeom xmlns:a="http://schemas.openxmlformats.org/drawingml/2006/main" prst="line">
+          <a:avLst/>
+        </a:prstGeom>
+        <a:ln xmlns:a="http://schemas.openxmlformats.org/drawingml/2006/main" w="19050">
+          <a:solidFill>
+            <a:schemeClr val="accent2"/>
+          </a:solidFill>
+        </a:ln>
+      </cdr:spPr>
+      <cdr:style>
+        <a:lnRef xmlns:a="http://schemas.openxmlformats.org/drawingml/2006/main" idx="1">
+          <a:schemeClr val="accent1"/>
+        </a:lnRef>
+        <a:fillRef xmlns:a="http://schemas.openxmlformats.org/drawingml/2006/main" idx="0">
+          <a:schemeClr val="accent1"/>
+        </a:fillRef>
+        <a:effectRef xmlns:a="http://schemas.openxmlformats.org/drawingml/2006/main" idx="0">
+          <a:schemeClr val="accent1"/>
+        </a:effectRef>
+        <a:fontRef xmlns:a="http://schemas.openxmlformats.org/drawingml/2006/main" idx="minor">
+          <a:schemeClr val="tx1"/>
+        </a:fontRef>
+      </cdr:style>
+    </cdr:cxnSp>
+  </cdr:relSizeAnchor>
+  <cdr:relSizeAnchor xmlns:cdr="http://schemas.openxmlformats.org/drawingml/2006/chartDrawing">
+    <cdr:from>
+      <cdr:x>0.48404</cdr:x>
+      <cdr:y>0.2</cdr:y>
+    </cdr:from>
+    <cdr:to>
+      <cdr:x>0.60514</cdr:x>
+      <cdr:y>0.48828</cdr:y>
+    </cdr:to>
+    <cdr:sp macro="" textlink="">
+      <cdr:nvSpPr>
+        <cdr:cNvPr id="17" name="Rectangle 16">
+          <a:extLst xmlns:a="http://schemas.openxmlformats.org/drawingml/2006/main">
+            <a:ext uri="{FF2B5EF4-FFF2-40B4-BE49-F238E27FC236}">
+              <a16:creationId xmlns:a16="http://schemas.microsoft.com/office/drawing/2014/main" id="{3BB34ABA-B82C-45DF-8226-2647F1E1DC45}"/>
+            </a:ext>
+          </a:extLst>
+        </cdr:cNvPr>
+        <cdr:cNvSpPr/>
+      </cdr:nvSpPr>
+      <cdr:spPr>
+        <a:xfrm xmlns:a="http://schemas.openxmlformats.org/drawingml/2006/main">
+          <a:off x="3934285" y="1083734"/>
+          <a:ext cx="984301" cy="1562093"/>
+        </a:xfrm>
+        <a:prstGeom xmlns:a="http://schemas.openxmlformats.org/drawingml/2006/main" prst="rect">
+          <a:avLst/>
+        </a:prstGeom>
+        <a:ln xmlns:a="http://schemas.openxmlformats.org/drawingml/2006/main" w="12700"/>
+      </cdr:spPr>
+      <cdr:style>
+        <a:lnRef xmlns:a="http://schemas.openxmlformats.org/drawingml/2006/main" idx="1">
+          <a:schemeClr val="accent2"/>
+        </a:lnRef>
+        <a:fillRef xmlns:a="http://schemas.openxmlformats.org/drawingml/2006/main" idx="2">
+          <a:schemeClr val="accent2"/>
+        </a:fillRef>
+        <a:effectRef xmlns:a="http://schemas.openxmlformats.org/drawingml/2006/main" idx="1">
+          <a:schemeClr val="accent2"/>
+        </a:effectRef>
+        <a:fontRef xmlns:a="http://schemas.openxmlformats.org/drawingml/2006/main" idx="minor">
+          <a:schemeClr val="dk1"/>
+        </a:fontRef>
+      </cdr:style>
+      <cdr:txBody>
+        <a:bodyPr xmlns:a="http://schemas.openxmlformats.org/drawingml/2006/main" rtlCol="0" anchor="ctr"/>
+        <a:lstStyle xmlns:a="http://schemas.openxmlformats.org/drawingml/2006/main">
+          <a:lvl1pPr marL="0" indent="0">
+            <a:defRPr sz="1100">
+              <a:solidFill>
+                <a:schemeClr val="dk1"/>
+              </a:solidFill>
+              <a:latin typeface="+mn-lt"/>
+              <a:ea typeface="+mn-ea"/>
+              <a:cs typeface="+mn-cs"/>
+            </a:defRPr>
+          </a:lvl1pPr>
+          <a:lvl2pPr marL="457200" indent="0">
+            <a:defRPr sz="1100">
+              <a:solidFill>
+                <a:schemeClr val="dk1"/>
+              </a:solidFill>
+              <a:latin typeface="+mn-lt"/>
+              <a:ea typeface="+mn-ea"/>
+              <a:cs typeface="+mn-cs"/>
+            </a:defRPr>
+          </a:lvl2pPr>
+          <a:lvl3pPr marL="914400" indent="0">
+            <a:defRPr sz="1100">
+              <a:solidFill>
+                <a:schemeClr val="dk1"/>
+              </a:solidFill>
+              <a:latin typeface="+mn-lt"/>
+              <a:ea typeface="+mn-ea"/>
+              <a:cs typeface="+mn-cs"/>
+            </a:defRPr>
+          </a:lvl3pPr>
+          <a:lvl4pPr marL="1371600" indent="0">
+            <a:defRPr sz="1100">
+              <a:solidFill>
+                <a:schemeClr val="dk1"/>
+              </a:solidFill>
+              <a:latin typeface="+mn-lt"/>
+              <a:ea typeface="+mn-ea"/>
+              <a:cs typeface="+mn-cs"/>
+            </a:defRPr>
+          </a:lvl4pPr>
+          <a:lvl5pPr marL="1828800" indent="0">
+            <a:defRPr sz="1100">
+              <a:solidFill>
+                <a:schemeClr val="dk1"/>
+              </a:solidFill>
+              <a:latin typeface="+mn-lt"/>
+              <a:ea typeface="+mn-ea"/>
+              <a:cs typeface="+mn-cs"/>
+            </a:defRPr>
+          </a:lvl5pPr>
+          <a:lvl6pPr marL="2286000" indent="0">
+            <a:defRPr sz="1100">
+              <a:solidFill>
+                <a:schemeClr val="dk1"/>
+              </a:solidFill>
+              <a:latin typeface="+mn-lt"/>
+              <a:ea typeface="+mn-ea"/>
+              <a:cs typeface="+mn-cs"/>
+            </a:defRPr>
+          </a:lvl6pPr>
+          <a:lvl7pPr marL="2743200" indent="0">
+            <a:defRPr sz="1100">
+              <a:solidFill>
+                <a:schemeClr val="dk1"/>
+              </a:solidFill>
+              <a:latin typeface="+mn-lt"/>
+              <a:ea typeface="+mn-ea"/>
+              <a:cs typeface="+mn-cs"/>
+            </a:defRPr>
+          </a:lvl7pPr>
+          <a:lvl8pPr marL="3200400" indent="0">
+            <a:defRPr sz="1100">
+              <a:solidFill>
+                <a:schemeClr val="dk1"/>
+              </a:solidFill>
+              <a:latin typeface="+mn-lt"/>
+              <a:ea typeface="+mn-ea"/>
+              <a:cs typeface="+mn-cs"/>
+            </a:defRPr>
+          </a:lvl8pPr>
+          <a:lvl9pPr marL="3657600" indent="0">
+            <a:defRPr sz="1100">
+              <a:solidFill>
+                <a:schemeClr val="dk1"/>
+              </a:solidFill>
+              <a:latin typeface="+mn-lt"/>
+              <a:ea typeface="+mn-ea"/>
+              <a:cs typeface="+mn-cs"/>
+            </a:defRPr>
+          </a:lvl9pPr>
+        </a:lstStyle>
+        <a:p xmlns:a="http://schemas.openxmlformats.org/drawingml/2006/main">
+          <a:pPr algn="ctr"/>
+          <a:endParaRPr lang="en-NL"/>
+        </a:p>
+      </cdr:txBody>
+    </cdr:sp>
+  </cdr:relSizeAnchor>
+  <cdr:relSizeAnchor xmlns:cdr="http://schemas.openxmlformats.org/drawingml/2006/chartDrawing">
+    <cdr:from>
+      <cdr:x>0.48404</cdr:x>
+      <cdr:y>0.34414</cdr:y>
+    </cdr:from>
+    <cdr:to>
+      <cdr:x>0.60514</cdr:x>
+      <cdr:y>0.34414</cdr:y>
+    </cdr:to>
+    <cdr:cxnSp macro="">
+      <cdr:nvCxnSpPr>
+        <cdr:cNvPr id="18" name="Straight Connector 17">
+          <a:extLst xmlns:a="http://schemas.openxmlformats.org/drawingml/2006/main">
+            <a:ext uri="{FF2B5EF4-FFF2-40B4-BE49-F238E27FC236}">
+              <a16:creationId xmlns:a16="http://schemas.microsoft.com/office/drawing/2014/main" id="{FF8ABDDD-F1C9-49A6-BD71-A46FAEEF4D79}"/>
+            </a:ext>
+          </a:extLst>
+        </cdr:cNvPr>
+        <cdr:cNvCxnSpPr>
+          <a:stCxn xmlns:a="http://schemas.openxmlformats.org/drawingml/2006/main" id="17" idx="1"/>
+          <a:endCxn xmlns:a="http://schemas.openxmlformats.org/drawingml/2006/main" id="17" idx="3"/>
+        </cdr:cNvCxnSpPr>
+      </cdr:nvCxnSpPr>
+      <cdr:spPr>
+        <a:xfrm xmlns:a="http://schemas.openxmlformats.org/drawingml/2006/main">
+          <a:off x="3934285" y="1864781"/>
+          <a:ext cx="984301" cy="0"/>
+        </a:xfrm>
+        <a:prstGeom xmlns:a="http://schemas.openxmlformats.org/drawingml/2006/main" prst="line">
+          <a:avLst/>
+        </a:prstGeom>
+        <a:ln xmlns:a="http://schemas.openxmlformats.org/drawingml/2006/main" w="19050">
+          <a:solidFill>
+            <a:schemeClr val="accent2"/>
+          </a:solidFill>
+        </a:ln>
+      </cdr:spPr>
+      <cdr:style>
+        <a:lnRef xmlns:a="http://schemas.openxmlformats.org/drawingml/2006/main" idx="1">
+          <a:schemeClr val="accent1"/>
+        </a:lnRef>
+        <a:fillRef xmlns:a="http://schemas.openxmlformats.org/drawingml/2006/main" idx="0">
+          <a:schemeClr val="accent1"/>
+        </a:fillRef>
+        <a:effectRef xmlns:a="http://schemas.openxmlformats.org/drawingml/2006/main" idx="0">
+          <a:schemeClr val="accent1"/>
+        </a:effectRef>
+        <a:fontRef xmlns:a="http://schemas.openxmlformats.org/drawingml/2006/main" idx="minor">
+          <a:schemeClr val="tx1"/>
+        </a:fontRef>
+      </cdr:style>
+    </cdr:cxnSp>
+  </cdr:relSizeAnchor>
+  <cdr:relSizeAnchor xmlns:cdr="http://schemas.openxmlformats.org/drawingml/2006/chartDrawing">
+    <cdr:from>
+      <cdr:x>0.74787</cdr:x>
+      <cdr:y>0.04883</cdr:y>
+    </cdr:from>
+    <cdr:to>
+      <cdr:x>0.86831</cdr:x>
+      <cdr:y>0.34296</cdr:y>
+    </cdr:to>
+    <cdr:sp macro="" textlink="">
+      <cdr:nvSpPr>
+        <cdr:cNvPr id="22" name="Rectangle 21">
+          <a:extLst xmlns:a="http://schemas.openxmlformats.org/drawingml/2006/main">
+            <a:ext uri="{FF2B5EF4-FFF2-40B4-BE49-F238E27FC236}">
+              <a16:creationId xmlns:a16="http://schemas.microsoft.com/office/drawing/2014/main" id="{F8022385-F4F5-4346-A249-2F65BD2E3EF4}"/>
+            </a:ext>
+          </a:extLst>
+        </cdr:cNvPr>
+        <cdr:cNvSpPr/>
+      </cdr:nvSpPr>
+      <cdr:spPr>
+        <a:xfrm xmlns:a="http://schemas.openxmlformats.org/drawingml/2006/main">
+          <a:off x="6078677" y="264583"/>
+          <a:ext cx="978937" cy="1593824"/>
+        </a:xfrm>
+        <a:prstGeom xmlns:a="http://schemas.openxmlformats.org/drawingml/2006/main" prst="rect">
+          <a:avLst/>
+        </a:prstGeom>
+        <a:ln xmlns:a="http://schemas.openxmlformats.org/drawingml/2006/main" w="12700"/>
+      </cdr:spPr>
+      <cdr:style>
+        <a:lnRef xmlns:a="http://schemas.openxmlformats.org/drawingml/2006/main" idx="1">
+          <a:schemeClr val="accent2"/>
+        </a:lnRef>
+        <a:fillRef xmlns:a="http://schemas.openxmlformats.org/drawingml/2006/main" idx="2">
+          <a:schemeClr val="accent2"/>
+        </a:fillRef>
+        <a:effectRef xmlns:a="http://schemas.openxmlformats.org/drawingml/2006/main" idx="1">
+          <a:schemeClr val="accent2"/>
+        </a:effectRef>
+        <a:fontRef xmlns:a="http://schemas.openxmlformats.org/drawingml/2006/main" idx="minor">
+          <a:schemeClr val="dk1"/>
+        </a:fontRef>
+      </cdr:style>
+      <cdr:txBody>
+        <a:bodyPr xmlns:a="http://schemas.openxmlformats.org/drawingml/2006/main" rtlCol="0" anchor="ctr"/>
+        <a:lstStyle xmlns:a="http://schemas.openxmlformats.org/drawingml/2006/main">
+          <a:lvl1pPr marL="0" indent="0">
+            <a:defRPr sz="1100">
+              <a:solidFill>
+                <a:schemeClr val="dk1"/>
+              </a:solidFill>
+              <a:latin typeface="+mn-lt"/>
+              <a:ea typeface="+mn-ea"/>
+              <a:cs typeface="+mn-cs"/>
+            </a:defRPr>
+          </a:lvl1pPr>
+          <a:lvl2pPr marL="457200" indent="0">
+            <a:defRPr sz="1100">
+              <a:solidFill>
+                <a:schemeClr val="dk1"/>
+              </a:solidFill>
+              <a:latin typeface="+mn-lt"/>
+              <a:ea typeface="+mn-ea"/>
+              <a:cs typeface="+mn-cs"/>
+            </a:defRPr>
+          </a:lvl2pPr>
+          <a:lvl3pPr marL="914400" indent="0">
+            <a:defRPr sz="1100">
+              <a:solidFill>
+                <a:schemeClr val="dk1"/>
+              </a:solidFill>
+              <a:latin typeface="+mn-lt"/>
+              <a:ea typeface="+mn-ea"/>
+              <a:cs typeface="+mn-cs"/>
+            </a:defRPr>
+          </a:lvl3pPr>
+          <a:lvl4pPr marL="1371600" indent="0">
+            <a:defRPr sz="1100">
+              <a:solidFill>
+                <a:schemeClr val="dk1"/>
+              </a:solidFill>
+              <a:latin typeface="+mn-lt"/>
+              <a:ea typeface="+mn-ea"/>
+              <a:cs typeface="+mn-cs"/>
+            </a:defRPr>
+          </a:lvl4pPr>
+          <a:lvl5pPr marL="1828800" indent="0">
+            <a:defRPr sz="1100">
+              <a:solidFill>
+                <a:schemeClr val="dk1"/>
+              </a:solidFill>
+              <a:latin typeface="+mn-lt"/>
+              <a:ea typeface="+mn-ea"/>
+              <a:cs typeface="+mn-cs"/>
+            </a:defRPr>
+          </a:lvl5pPr>
+          <a:lvl6pPr marL="2286000" indent="0">
+            <a:defRPr sz="1100">
+              <a:solidFill>
+                <a:schemeClr val="dk1"/>
+              </a:solidFill>
+              <a:latin typeface="+mn-lt"/>
+              <a:ea typeface="+mn-ea"/>
+              <a:cs typeface="+mn-cs"/>
+            </a:defRPr>
+          </a:lvl6pPr>
+          <a:lvl7pPr marL="2743200" indent="0">
+            <a:defRPr sz="1100">
+              <a:solidFill>
+                <a:schemeClr val="dk1"/>
+              </a:solidFill>
+              <a:latin typeface="+mn-lt"/>
+              <a:ea typeface="+mn-ea"/>
+              <a:cs typeface="+mn-cs"/>
+            </a:defRPr>
+          </a:lvl7pPr>
+          <a:lvl8pPr marL="3200400" indent="0">
+            <a:defRPr sz="1100">
+              <a:solidFill>
+                <a:schemeClr val="dk1"/>
+              </a:solidFill>
+              <a:latin typeface="+mn-lt"/>
+              <a:ea typeface="+mn-ea"/>
+              <a:cs typeface="+mn-cs"/>
+            </a:defRPr>
+          </a:lvl8pPr>
+          <a:lvl9pPr marL="3657600" indent="0">
+            <a:defRPr sz="1100">
+              <a:solidFill>
+                <a:schemeClr val="dk1"/>
+              </a:solidFill>
+              <a:latin typeface="+mn-lt"/>
+              <a:ea typeface="+mn-ea"/>
+              <a:cs typeface="+mn-cs"/>
+            </a:defRPr>
+          </a:lvl9pPr>
+        </a:lstStyle>
+        <a:p xmlns:a="http://schemas.openxmlformats.org/drawingml/2006/main">
+          <a:pPr algn="ctr"/>
+          <a:endParaRPr lang="en-NL"/>
+        </a:p>
+      </cdr:txBody>
+    </cdr:sp>
+  </cdr:relSizeAnchor>
+  <cdr:relSizeAnchor xmlns:cdr="http://schemas.openxmlformats.org/drawingml/2006/chartDrawing">
+    <cdr:from>
+      <cdr:x>0.74787</cdr:x>
+      <cdr:y>0.1959</cdr:y>
+    </cdr:from>
+    <cdr:to>
+      <cdr:x>0.86831</cdr:x>
+      <cdr:y>0.1959</cdr:y>
+    </cdr:to>
+    <cdr:cxnSp macro="">
+      <cdr:nvCxnSpPr>
+        <cdr:cNvPr id="23" name="Straight Connector 22">
+          <a:extLst xmlns:a="http://schemas.openxmlformats.org/drawingml/2006/main">
+            <a:ext uri="{FF2B5EF4-FFF2-40B4-BE49-F238E27FC236}">
+              <a16:creationId xmlns:a16="http://schemas.microsoft.com/office/drawing/2014/main" id="{C46A1175-0FF6-42EC-8EC4-73B24CC53ECC}"/>
+            </a:ext>
+          </a:extLst>
+        </cdr:cNvPr>
+        <cdr:cNvCxnSpPr>
+          <a:stCxn xmlns:a="http://schemas.openxmlformats.org/drawingml/2006/main" id="22" idx="1"/>
+          <a:endCxn xmlns:a="http://schemas.openxmlformats.org/drawingml/2006/main" id="22" idx="3"/>
+        </cdr:cNvCxnSpPr>
+      </cdr:nvCxnSpPr>
+      <cdr:spPr>
+        <a:xfrm xmlns:a="http://schemas.openxmlformats.org/drawingml/2006/main">
+          <a:off x="6078677" y="1061495"/>
+          <a:ext cx="978937" cy="0"/>
+        </a:xfrm>
+        <a:prstGeom xmlns:a="http://schemas.openxmlformats.org/drawingml/2006/main" prst="line">
+          <a:avLst/>
+        </a:prstGeom>
+        <a:ln xmlns:a="http://schemas.openxmlformats.org/drawingml/2006/main" w="19050">
+          <a:solidFill>
+            <a:schemeClr val="accent2"/>
+          </a:solidFill>
+        </a:ln>
+      </cdr:spPr>
+      <cdr:style>
+        <a:lnRef xmlns:a="http://schemas.openxmlformats.org/drawingml/2006/main" idx="1">
+          <a:schemeClr val="accent1"/>
+        </a:lnRef>
+        <a:fillRef xmlns:a="http://schemas.openxmlformats.org/drawingml/2006/main" idx="0">
+          <a:schemeClr val="accent1"/>
+        </a:fillRef>
+        <a:effectRef xmlns:a="http://schemas.openxmlformats.org/drawingml/2006/main" idx="0">
+          <a:schemeClr val="accent1"/>
+        </a:effectRef>
+        <a:fontRef xmlns:a="http://schemas.openxmlformats.org/drawingml/2006/main" idx="minor">
+          <a:schemeClr val="tx1"/>
+        </a:fontRef>
+      </cdr:style>
+    </cdr:cxnSp>
+  </cdr:relSizeAnchor>
+</c:userShapes>
+</file>
+
+<file path=ppt/drawings/drawing3.xml><?xml version="1.0" encoding="utf-8"?>
+<c:userShapes xmlns:c="http://schemas.openxmlformats.org/drawingml/2006/chart">
+  <cdr:relSizeAnchor xmlns:cdr="http://schemas.openxmlformats.org/drawingml/2006/chartDrawing">
+    <cdr:from>
+      <cdr:x>0.22253</cdr:x>
+      <cdr:y>0.63594</cdr:y>
+    </cdr:from>
+    <cdr:to>
+      <cdr:x>0.34609</cdr:x>
+      <cdr:y>0.92824</cdr:y>
+    </cdr:to>
+    <cdr:sp macro="" textlink="">
+      <cdr:nvSpPr>
+        <cdr:cNvPr id="13" name="Rectangle 12">
+          <a:extLst xmlns:a="http://schemas.openxmlformats.org/drawingml/2006/main">
+            <a:ext uri="{FF2B5EF4-FFF2-40B4-BE49-F238E27FC236}">
+              <a16:creationId xmlns:a16="http://schemas.microsoft.com/office/drawing/2014/main" id="{441F6A23-F9AC-4C31-B754-16246706634A}"/>
+            </a:ext>
+          </a:extLst>
+        </cdr:cNvPr>
+        <cdr:cNvSpPr/>
+      </cdr:nvSpPr>
+      <cdr:spPr>
+        <a:xfrm xmlns:a="http://schemas.openxmlformats.org/drawingml/2006/main">
+          <a:off x="1808724" y="3445932"/>
+          <a:ext cx="1004327" cy="1583891"/>
+        </a:xfrm>
+        <a:prstGeom xmlns:a="http://schemas.openxmlformats.org/drawingml/2006/main" prst="rect">
+          <a:avLst/>
+        </a:prstGeom>
+        <a:ln xmlns:a="http://schemas.openxmlformats.org/drawingml/2006/main" w="12700"/>
+      </cdr:spPr>
+      <cdr:style>
+        <a:lnRef xmlns:a="http://schemas.openxmlformats.org/drawingml/2006/main" idx="1">
+          <a:schemeClr val="accent2"/>
+        </a:lnRef>
+        <a:fillRef xmlns:a="http://schemas.openxmlformats.org/drawingml/2006/main" idx="2">
+          <a:schemeClr val="accent2"/>
+        </a:fillRef>
+        <a:effectRef xmlns:a="http://schemas.openxmlformats.org/drawingml/2006/main" idx="1">
+          <a:schemeClr val="accent2"/>
+        </a:effectRef>
+        <a:fontRef xmlns:a="http://schemas.openxmlformats.org/drawingml/2006/main" idx="minor">
+          <a:schemeClr val="dk1"/>
+        </a:fontRef>
+      </cdr:style>
+      <cdr:txBody>
+        <a:bodyPr xmlns:a="http://schemas.openxmlformats.org/drawingml/2006/main" rtlCol="0" anchor="ctr"/>
+        <a:lstStyle xmlns:a="http://schemas.openxmlformats.org/drawingml/2006/main">
+          <a:lvl1pPr marL="0" indent="0">
+            <a:defRPr sz="1100">
+              <a:solidFill>
+                <a:schemeClr val="dk1"/>
+              </a:solidFill>
+              <a:latin typeface="+mn-lt"/>
+              <a:ea typeface="+mn-ea"/>
+              <a:cs typeface="+mn-cs"/>
+            </a:defRPr>
+          </a:lvl1pPr>
+          <a:lvl2pPr marL="457200" indent="0">
+            <a:defRPr sz="1100">
+              <a:solidFill>
+                <a:schemeClr val="dk1"/>
+              </a:solidFill>
+              <a:latin typeface="+mn-lt"/>
+              <a:ea typeface="+mn-ea"/>
+              <a:cs typeface="+mn-cs"/>
+            </a:defRPr>
+          </a:lvl2pPr>
+          <a:lvl3pPr marL="914400" indent="0">
+            <a:defRPr sz="1100">
+              <a:solidFill>
+                <a:schemeClr val="dk1"/>
+              </a:solidFill>
+              <a:latin typeface="+mn-lt"/>
+              <a:ea typeface="+mn-ea"/>
+              <a:cs typeface="+mn-cs"/>
+            </a:defRPr>
+          </a:lvl3pPr>
+          <a:lvl4pPr marL="1371600" indent="0">
+            <a:defRPr sz="1100">
+              <a:solidFill>
+                <a:schemeClr val="dk1"/>
+              </a:solidFill>
+              <a:latin typeface="+mn-lt"/>
+              <a:ea typeface="+mn-ea"/>
+              <a:cs typeface="+mn-cs"/>
+            </a:defRPr>
+          </a:lvl4pPr>
+          <a:lvl5pPr marL="1828800" indent="0">
+            <a:defRPr sz="1100">
+              <a:solidFill>
+                <a:schemeClr val="dk1"/>
+              </a:solidFill>
+              <a:latin typeface="+mn-lt"/>
+              <a:ea typeface="+mn-ea"/>
+              <a:cs typeface="+mn-cs"/>
+            </a:defRPr>
+          </a:lvl5pPr>
+          <a:lvl6pPr marL="2286000" indent="0">
+            <a:defRPr sz="1100">
+              <a:solidFill>
+                <a:schemeClr val="dk1"/>
+              </a:solidFill>
+              <a:latin typeface="+mn-lt"/>
+              <a:ea typeface="+mn-ea"/>
+              <a:cs typeface="+mn-cs"/>
+            </a:defRPr>
+          </a:lvl6pPr>
+          <a:lvl7pPr marL="2743200" indent="0">
+            <a:defRPr sz="1100">
+              <a:solidFill>
+                <a:schemeClr val="dk1"/>
+              </a:solidFill>
+              <a:latin typeface="+mn-lt"/>
+              <a:ea typeface="+mn-ea"/>
+              <a:cs typeface="+mn-cs"/>
+            </a:defRPr>
+          </a:lvl7pPr>
+          <a:lvl8pPr marL="3200400" indent="0">
+            <a:defRPr sz="1100">
+              <a:solidFill>
+                <a:schemeClr val="dk1"/>
+              </a:solidFill>
+              <a:latin typeface="+mn-lt"/>
+              <a:ea typeface="+mn-ea"/>
+              <a:cs typeface="+mn-cs"/>
+            </a:defRPr>
+          </a:lvl8pPr>
+          <a:lvl9pPr marL="3657600" indent="0">
+            <a:defRPr sz="1100">
+              <a:solidFill>
+                <a:schemeClr val="dk1"/>
+              </a:solidFill>
+              <a:latin typeface="+mn-lt"/>
+              <a:ea typeface="+mn-ea"/>
+              <a:cs typeface="+mn-cs"/>
+            </a:defRPr>
+          </a:lvl9pPr>
+        </a:lstStyle>
+        <a:p xmlns:a="http://schemas.openxmlformats.org/drawingml/2006/main">
+          <a:pPr algn="ctr"/>
+          <a:endParaRPr lang="en-NL"/>
+        </a:p>
+      </cdr:txBody>
+    </cdr:sp>
+  </cdr:relSizeAnchor>
+  <cdr:relSizeAnchor xmlns:cdr="http://schemas.openxmlformats.org/drawingml/2006/chartDrawing">
+    <cdr:from>
+      <cdr:x>0.22253</cdr:x>
+      <cdr:y>0.78209</cdr:y>
+    </cdr:from>
+    <cdr:to>
+      <cdr:x>0.34609</cdr:x>
+      <cdr:y>0.78209</cdr:y>
+    </cdr:to>
+    <cdr:cxnSp macro="">
+      <cdr:nvCxnSpPr>
+        <cdr:cNvPr id="7" name="Straight Connector 6">
+          <a:extLst xmlns:a="http://schemas.openxmlformats.org/drawingml/2006/main">
+            <a:ext uri="{FF2B5EF4-FFF2-40B4-BE49-F238E27FC236}">
+              <a16:creationId xmlns:a16="http://schemas.microsoft.com/office/drawing/2014/main" id="{C6403D1E-D1BF-4B7D-82A1-A86FF51BD8EE}"/>
+            </a:ext>
+          </a:extLst>
+        </cdr:cNvPr>
+        <cdr:cNvCxnSpPr>
+          <a:stCxn xmlns:a="http://schemas.openxmlformats.org/drawingml/2006/main" id="13" idx="1"/>
+          <a:endCxn xmlns:a="http://schemas.openxmlformats.org/drawingml/2006/main" id="13" idx="3"/>
+        </cdr:cNvCxnSpPr>
+      </cdr:nvCxnSpPr>
+      <cdr:spPr>
+        <a:xfrm xmlns:a="http://schemas.openxmlformats.org/drawingml/2006/main">
+          <a:off x="1808724" y="4237878"/>
+          <a:ext cx="1004327" cy="0"/>
+        </a:xfrm>
+        <a:prstGeom xmlns:a="http://schemas.openxmlformats.org/drawingml/2006/main" prst="line">
+          <a:avLst/>
+        </a:prstGeom>
+        <a:ln xmlns:a="http://schemas.openxmlformats.org/drawingml/2006/main" w="19050">
+          <a:solidFill>
+            <a:schemeClr val="accent2"/>
+          </a:solidFill>
+        </a:ln>
+      </cdr:spPr>
+      <cdr:style>
+        <a:lnRef xmlns:a="http://schemas.openxmlformats.org/drawingml/2006/main" idx="1">
+          <a:schemeClr val="accent1"/>
+        </a:lnRef>
+        <a:fillRef xmlns:a="http://schemas.openxmlformats.org/drawingml/2006/main" idx="0">
+          <a:schemeClr val="accent1"/>
+        </a:fillRef>
+        <a:effectRef xmlns:a="http://schemas.openxmlformats.org/drawingml/2006/main" idx="0">
+          <a:schemeClr val="accent1"/>
+        </a:effectRef>
+        <a:fontRef xmlns:a="http://schemas.openxmlformats.org/drawingml/2006/main" idx="minor">
+          <a:schemeClr val="tx1"/>
+        </a:fontRef>
+      </cdr:style>
+    </cdr:cxnSp>
+  </cdr:relSizeAnchor>
+  <cdr:relSizeAnchor xmlns:cdr="http://schemas.openxmlformats.org/drawingml/2006/chartDrawing">
+    <cdr:from>
+      <cdr:x>0.48404</cdr:x>
+      <cdr:y>0.48828</cdr:y>
+    </cdr:from>
+    <cdr:to>
+      <cdr:x>0.60514</cdr:x>
+      <cdr:y>0.78242</cdr:y>
+    </cdr:to>
+    <cdr:sp macro="" textlink="">
+      <cdr:nvSpPr>
+        <cdr:cNvPr id="17" name="Rectangle 16">
+          <a:extLst xmlns:a="http://schemas.openxmlformats.org/drawingml/2006/main">
+            <a:ext uri="{FF2B5EF4-FFF2-40B4-BE49-F238E27FC236}">
+              <a16:creationId xmlns:a16="http://schemas.microsoft.com/office/drawing/2014/main" id="{3BB34ABA-B82C-45DF-8226-2647F1E1DC45}"/>
+            </a:ext>
+          </a:extLst>
+        </cdr:cNvPr>
+        <cdr:cNvSpPr/>
+      </cdr:nvSpPr>
+      <cdr:spPr>
+        <a:xfrm xmlns:a="http://schemas.openxmlformats.org/drawingml/2006/main">
+          <a:off x="3934285" y="2645827"/>
+          <a:ext cx="984301" cy="1593855"/>
+        </a:xfrm>
+        <a:prstGeom xmlns:a="http://schemas.openxmlformats.org/drawingml/2006/main" prst="rect">
+          <a:avLst/>
+        </a:prstGeom>
+        <a:ln xmlns:a="http://schemas.openxmlformats.org/drawingml/2006/main" w="12700"/>
+      </cdr:spPr>
+      <cdr:style>
+        <a:lnRef xmlns:a="http://schemas.openxmlformats.org/drawingml/2006/main" idx="1">
+          <a:schemeClr val="accent2"/>
+        </a:lnRef>
+        <a:fillRef xmlns:a="http://schemas.openxmlformats.org/drawingml/2006/main" idx="2">
+          <a:schemeClr val="accent2"/>
+        </a:fillRef>
+        <a:effectRef xmlns:a="http://schemas.openxmlformats.org/drawingml/2006/main" idx="1">
+          <a:schemeClr val="accent2"/>
+        </a:effectRef>
+        <a:fontRef xmlns:a="http://schemas.openxmlformats.org/drawingml/2006/main" idx="minor">
+          <a:schemeClr val="dk1"/>
+        </a:fontRef>
+      </cdr:style>
+      <cdr:txBody>
+        <a:bodyPr xmlns:a="http://schemas.openxmlformats.org/drawingml/2006/main" rtlCol="0" anchor="ctr"/>
+        <a:lstStyle xmlns:a="http://schemas.openxmlformats.org/drawingml/2006/main">
+          <a:lvl1pPr marL="0" indent="0">
+            <a:defRPr sz="1100">
+              <a:solidFill>
+                <a:schemeClr val="dk1"/>
+              </a:solidFill>
+              <a:latin typeface="+mn-lt"/>
+              <a:ea typeface="+mn-ea"/>
+              <a:cs typeface="+mn-cs"/>
+            </a:defRPr>
+          </a:lvl1pPr>
+          <a:lvl2pPr marL="457200" indent="0">
+            <a:defRPr sz="1100">
+              <a:solidFill>
+                <a:schemeClr val="dk1"/>
+              </a:solidFill>
+              <a:latin typeface="+mn-lt"/>
+              <a:ea typeface="+mn-ea"/>
+              <a:cs typeface="+mn-cs"/>
+            </a:defRPr>
+          </a:lvl2pPr>
+          <a:lvl3pPr marL="914400" indent="0">
+            <a:defRPr sz="1100">
+              <a:solidFill>
+                <a:schemeClr val="dk1"/>
+              </a:solidFill>
+              <a:latin typeface="+mn-lt"/>
+              <a:ea typeface="+mn-ea"/>
+              <a:cs typeface="+mn-cs"/>
+            </a:defRPr>
+          </a:lvl3pPr>
+          <a:lvl4pPr marL="1371600" indent="0">
+            <a:defRPr sz="1100">
+              <a:solidFill>
+                <a:schemeClr val="dk1"/>
+              </a:solidFill>
+              <a:latin typeface="+mn-lt"/>
+              <a:ea typeface="+mn-ea"/>
+              <a:cs typeface="+mn-cs"/>
+            </a:defRPr>
+          </a:lvl4pPr>
+          <a:lvl5pPr marL="1828800" indent="0">
+            <a:defRPr sz="1100">
+              <a:solidFill>
+                <a:schemeClr val="dk1"/>
+              </a:solidFill>
+              <a:latin typeface="+mn-lt"/>
+              <a:ea typeface="+mn-ea"/>
+              <a:cs typeface="+mn-cs"/>
+            </a:defRPr>
+          </a:lvl5pPr>
+          <a:lvl6pPr marL="2286000" indent="0">
+            <a:defRPr sz="1100">
+              <a:solidFill>
+                <a:schemeClr val="dk1"/>
+              </a:solidFill>
+              <a:latin typeface="+mn-lt"/>
+              <a:ea typeface="+mn-ea"/>
+              <a:cs typeface="+mn-cs"/>
+            </a:defRPr>
+          </a:lvl6pPr>
+          <a:lvl7pPr marL="2743200" indent="0">
+            <a:defRPr sz="1100">
+              <a:solidFill>
+                <a:schemeClr val="dk1"/>
+              </a:solidFill>
+              <a:latin typeface="+mn-lt"/>
+              <a:ea typeface="+mn-ea"/>
+              <a:cs typeface="+mn-cs"/>
+            </a:defRPr>
+          </a:lvl7pPr>
+          <a:lvl8pPr marL="3200400" indent="0">
+            <a:defRPr sz="1100">
+              <a:solidFill>
+                <a:schemeClr val="dk1"/>
+              </a:solidFill>
+              <a:latin typeface="+mn-lt"/>
+              <a:ea typeface="+mn-ea"/>
+              <a:cs typeface="+mn-cs"/>
+            </a:defRPr>
+          </a:lvl8pPr>
+          <a:lvl9pPr marL="3657600" indent="0">
+            <a:defRPr sz="1100">
+              <a:solidFill>
+                <a:schemeClr val="dk1"/>
+              </a:solidFill>
+              <a:latin typeface="+mn-lt"/>
+              <a:ea typeface="+mn-ea"/>
+              <a:cs typeface="+mn-cs"/>
+            </a:defRPr>
+          </a:lvl9pPr>
+        </a:lstStyle>
+        <a:p xmlns:a="http://schemas.openxmlformats.org/drawingml/2006/main">
+          <a:pPr algn="ctr"/>
+          <a:endParaRPr lang="en-NL"/>
+        </a:p>
+      </cdr:txBody>
+    </cdr:sp>
+  </cdr:relSizeAnchor>
+  <cdr:relSizeAnchor xmlns:cdr="http://schemas.openxmlformats.org/drawingml/2006/chartDrawing">
+    <cdr:from>
+      <cdr:x>0.48404</cdr:x>
+      <cdr:y>0.63535</cdr:y>
+    </cdr:from>
+    <cdr:to>
+      <cdr:x>0.60514</cdr:x>
+      <cdr:y>0.63535</cdr:y>
+    </cdr:to>
+    <cdr:cxnSp macro="">
+      <cdr:nvCxnSpPr>
+        <cdr:cNvPr id="18" name="Straight Connector 17">
+          <a:extLst xmlns:a="http://schemas.openxmlformats.org/drawingml/2006/main">
+            <a:ext uri="{FF2B5EF4-FFF2-40B4-BE49-F238E27FC236}">
+              <a16:creationId xmlns:a16="http://schemas.microsoft.com/office/drawing/2014/main" id="{FF8ABDDD-F1C9-49A6-BD71-A46FAEEF4D79}"/>
+            </a:ext>
+          </a:extLst>
+        </cdr:cNvPr>
+        <cdr:cNvCxnSpPr>
+          <a:stCxn xmlns:a="http://schemas.openxmlformats.org/drawingml/2006/main" id="17" idx="1"/>
+          <a:endCxn xmlns:a="http://schemas.openxmlformats.org/drawingml/2006/main" id="17" idx="3"/>
+        </cdr:cNvCxnSpPr>
+      </cdr:nvCxnSpPr>
+      <cdr:spPr>
+        <a:xfrm xmlns:a="http://schemas.openxmlformats.org/drawingml/2006/main">
+          <a:off x="3934285" y="3442755"/>
+          <a:ext cx="984301" cy="0"/>
+        </a:xfrm>
+        <a:prstGeom xmlns:a="http://schemas.openxmlformats.org/drawingml/2006/main" prst="line">
+          <a:avLst/>
+        </a:prstGeom>
+        <a:ln xmlns:a="http://schemas.openxmlformats.org/drawingml/2006/main" w="19050">
+          <a:solidFill>
+            <a:schemeClr val="accent2"/>
+          </a:solidFill>
+        </a:ln>
+      </cdr:spPr>
+      <cdr:style>
+        <a:lnRef xmlns:a="http://schemas.openxmlformats.org/drawingml/2006/main" idx="1">
+          <a:schemeClr val="accent1"/>
+        </a:lnRef>
+        <a:fillRef xmlns:a="http://schemas.openxmlformats.org/drawingml/2006/main" idx="0">
+          <a:schemeClr val="accent1"/>
+        </a:fillRef>
+        <a:effectRef xmlns:a="http://schemas.openxmlformats.org/drawingml/2006/main" idx="0">
+          <a:schemeClr val="accent1"/>
+        </a:effectRef>
+        <a:fontRef xmlns:a="http://schemas.openxmlformats.org/drawingml/2006/main" idx="minor">
+          <a:schemeClr val="tx1"/>
+        </a:fontRef>
+      </cdr:style>
+    </cdr:cxnSp>
+  </cdr:relSizeAnchor>
+  <cdr:relSizeAnchor xmlns:cdr="http://schemas.openxmlformats.org/drawingml/2006/chartDrawing">
+    <cdr:from>
+      <cdr:x>0.74787</cdr:x>
+      <cdr:y>0.04883</cdr:y>
+    </cdr:from>
+    <cdr:to>
+      <cdr:x>0.86831</cdr:x>
+      <cdr:y>0.34296</cdr:y>
+    </cdr:to>
+    <cdr:sp macro="" textlink="">
+      <cdr:nvSpPr>
+        <cdr:cNvPr id="22" name="Rectangle 21">
+          <a:extLst xmlns:a="http://schemas.openxmlformats.org/drawingml/2006/main">
+            <a:ext uri="{FF2B5EF4-FFF2-40B4-BE49-F238E27FC236}">
+              <a16:creationId xmlns:a16="http://schemas.microsoft.com/office/drawing/2014/main" id="{F8022385-F4F5-4346-A249-2F65BD2E3EF4}"/>
+            </a:ext>
+          </a:extLst>
+        </cdr:cNvPr>
+        <cdr:cNvSpPr/>
+      </cdr:nvSpPr>
+      <cdr:spPr>
+        <a:xfrm xmlns:a="http://schemas.openxmlformats.org/drawingml/2006/main">
+          <a:off x="6078677" y="264583"/>
+          <a:ext cx="978937" cy="1593824"/>
+        </a:xfrm>
+        <a:prstGeom xmlns:a="http://schemas.openxmlformats.org/drawingml/2006/main" prst="rect">
+          <a:avLst/>
+        </a:prstGeom>
+        <a:ln xmlns:a="http://schemas.openxmlformats.org/drawingml/2006/main" w="12700"/>
+      </cdr:spPr>
+      <cdr:style>
+        <a:lnRef xmlns:a="http://schemas.openxmlformats.org/drawingml/2006/main" idx="1">
+          <a:schemeClr val="accent2"/>
+        </a:lnRef>
+        <a:fillRef xmlns:a="http://schemas.openxmlformats.org/drawingml/2006/main" idx="2">
+          <a:schemeClr val="accent2"/>
+        </a:fillRef>
+        <a:effectRef xmlns:a="http://schemas.openxmlformats.org/drawingml/2006/main" idx="1">
+          <a:schemeClr val="accent2"/>
+        </a:effectRef>
+        <a:fontRef xmlns:a="http://schemas.openxmlformats.org/drawingml/2006/main" idx="minor">
+          <a:schemeClr val="dk1"/>
+        </a:fontRef>
+      </cdr:style>
+      <cdr:txBody>
+        <a:bodyPr xmlns:a="http://schemas.openxmlformats.org/drawingml/2006/main" rtlCol="0" anchor="ctr"/>
+        <a:lstStyle xmlns:a="http://schemas.openxmlformats.org/drawingml/2006/main">
+          <a:lvl1pPr marL="0" indent="0">
+            <a:defRPr sz="1100">
+              <a:solidFill>
+                <a:schemeClr val="dk1"/>
+              </a:solidFill>
+              <a:latin typeface="+mn-lt"/>
+              <a:ea typeface="+mn-ea"/>
+              <a:cs typeface="+mn-cs"/>
+            </a:defRPr>
+          </a:lvl1pPr>
+          <a:lvl2pPr marL="457200" indent="0">
+            <a:defRPr sz="1100">
+              <a:solidFill>
+                <a:schemeClr val="dk1"/>
+              </a:solidFill>
+              <a:latin typeface="+mn-lt"/>
+              <a:ea typeface="+mn-ea"/>
+              <a:cs typeface="+mn-cs"/>
+            </a:defRPr>
+          </a:lvl2pPr>
+          <a:lvl3pPr marL="914400" indent="0">
+            <a:defRPr sz="1100">
+              <a:solidFill>
+                <a:schemeClr val="dk1"/>
+              </a:solidFill>
+              <a:latin typeface="+mn-lt"/>
+              <a:ea typeface="+mn-ea"/>
+              <a:cs typeface="+mn-cs"/>
+            </a:defRPr>
+          </a:lvl3pPr>
+          <a:lvl4pPr marL="1371600" indent="0">
+            <a:defRPr sz="1100">
+              <a:solidFill>
+                <a:schemeClr val="dk1"/>
+              </a:solidFill>
+              <a:latin typeface="+mn-lt"/>
+              <a:ea typeface="+mn-ea"/>
+              <a:cs typeface="+mn-cs"/>
+            </a:defRPr>
+          </a:lvl4pPr>
+          <a:lvl5pPr marL="1828800" indent="0">
+            <a:defRPr sz="1100">
+              <a:solidFill>
+                <a:schemeClr val="dk1"/>
+              </a:solidFill>
+              <a:latin typeface="+mn-lt"/>
+              <a:ea typeface="+mn-ea"/>
+              <a:cs typeface="+mn-cs"/>
+            </a:defRPr>
+          </a:lvl5pPr>
+          <a:lvl6pPr marL="2286000" indent="0">
+            <a:defRPr sz="1100">
+              <a:solidFill>
+                <a:schemeClr val="dk1"/>
+              </a:solidFill>
+              <a:latin typeface="+mn-lt"/>
+              <a:ea typeface="+mn-ea"/>
+              <a:cs typeface="+mn-cs"/>
+            </a:defRPr>
+          </a:lvl6pPr>
+          <a:lvl7pPr marL="2743200" indent="0">
+            <a:defRPr sz="1100">
+              <a:solidFill>
+                <a:schemeClr val="dk1"/>
+              </a:solidFill>
+              <a:latin typeface="+mn-lt"/>
+              <a:ea typeface="+mn-ea"/>
+              <a:cs typeface="+mn-cs"/>
+            </a:defRPr>
+          </a:lvl7pPr>
+          <a:lvl8pPr marL="3200400" indent="0">
+            <a:defRPr sz="1100">
+              <a:solidFill>
+                <a:schemeClr val="dk1"/>
+              </a:solidFill>
+              <a:latin typeface="+mn-lt"/>
+              <a:ea typeface="+mn-ea"/>
+              <a:cs typeface="+mn-cs"/>
+            </a:defRPr>
+          </a:lvl8pPr>
+          <a:lvl9pPr marL="3657600" indent="0">
+            <a:defRPr sz="1100">
+              <a:solidFill>
+                <a:schemeClr val="dk1"/>
+              </a:solidFill>
+              <a:latin typeface="+mn-lt"/>
+              <a:ea typeface="+mn-ea"/>
+              <a:cs typeface="+mn-cs"/>
+            </a:defRPr>
+          </a:lvl9pPr>
+        </a:lstStyle>
+        <a:p xmlns:a="http://schemas.openxmlformats.org/drawingml/2006/main">
+          <a:pPr algn="ctr"/>
+          <a:endParaRPr lang="en-NL"/>
+        </a:p>
+      </cdr:txBody>
+    </cdr:sp>
+  </cdr:relSizeAnchor>
+  <cdr:relSizeAnchor xmlns:cdr="http://schemas.openxmlformats.org/drawingml/2006/chartDrawing">
+    <cdr:from>
+      <cdr:x>0.74787</cdr:x>
+      <cdr:y>0.1959</cdr:y>
+    </cdr:from>
+    <cdr:to>
+      <cdr:x>0.86831</cdr:x>
+      <cdr:y>0.1959</cdr:y>
+    </cdr:to>
+    <cdr:cxnSp macro="">
+      <cdr:nvCxnSpPr>
+        <cdr:cNvPr id="23" name="Straight Connector 22">
+          <a:extLst xmlns:a="http://schemas.openxmlformats.org/drawingml/2006/main">
+            <a:ext uri="{FF2B5EF4-FFF2-40B4-BE49-F238E27FC236}">
+              <a16:creationId xmlns:a16="http://schemas.microsoft.com/office/drawing/2014/main" id="{C46A1175-0FF6-42EC-8EC4-73B24CC53ECC}"/>
+            </a:ext>
+          </a:extLst>
+        </cdr:cNvPr>
+        <cdr:cNvCxnSpPr>
+          <a:stCxn xmlns:a="http://schemas.openxmlformats.org/drawingml/2006/main" id="22" idx="1"/>
+          <a:endCxn xmlns:a="http://schemas.openxmlformats.org/drawingml/2006/main" id="22" idx="3"/>
+        </cdr:cNvCxnSpPr>
+      </cdr:nvCxnSpPr>
+      <cdr:spPr>
+        <a:xfrm xmlns:a="http://schemas.openxmlformats.org/drawingml/2006/main">
+          <a:off x="6078677" y="1061495"/>
+          <a:ext cx="978937" cy="0"/>
+        </a:xfrm>
+        <a:prstGeom xmlns:a="http://schemas.openxmlformats.org/drawingml/2006/main" prst="line">
+          <a:avLst/>
+        </a:prstGeom>
+        <a:ln xmlns:a="http://schemas.openxmlformats.org/drawingml/2006/main" w="19050">
+          <a:solidFill>
+            <a:schemeClr val="accent2"/>
+          </a:solidFill>
+        </a:ln>
+      </cdr:spPr>
+      <cdr:style>
+        <a:lnRef xmlns:a="http://schemas.openxmlformats.org/drawingml/2006/main" idx="1">
+          <a:schemeClr val="accent1"/>
+        </a:lnRef>
+        <a:fillRef xmlns:a="http://schemas.openxmlformats.org/drawingml/2006/main" idx="0">
+          <a:schemeClr val="accent1"/>
+        </a:fillRef>
+        <a:effectRef xmlns:a="http://schemas.openxmlformats.org/drawingml/2006/main" idx="0">
+          <a:schemeClr val="accent1"/>
+        </a:effectRef>
+        <a:fontRef xmlns:a="http://schemas.openxmlformats.org/drawingml/2006/main" idx="minor">
+          <a:schemeClr val="tx1"/>
+        </a:fontRef>
+      </cdr:style>
+    </cdr:cxnSp>
+  </cdr:relSizeAnchor>
+</c:userShapes>
+</file>
+
+<file path=ppt/drawings/drawing4.xml><?xml version="1.0" encoding="utf-8"?>
+<c:userShapes xmlns:c="http://schemas.openxmlformats.org/drawingml/2006/chart">
+  <cdr:relSizeAnchor xmlns:cdr="http://schemas.openxmlformats.org/drawingml/2006/chartDrawing">
+    <cdr:from>
       <cdr:x>0.2185</cdr:x>
       <cdr:y>0.63761</cdr:y>
     </cdr:from>
@@ -4922,7 +7910,7 @@
 </c:userShapes>
 </file>
 
-<file path=ppt/drawings/drawing3.xml><?xml version="1.0" encoding="utf-8"?>
+<file path=ppt/drawings/drawing5.xml><?xml version="1.0" encoding="utf-8"?>
 <c:userShapes xmlns:c="http://schemas.openxmlformats.org/drawingml/2006/chart">
   <cdr:relSizeAnchor xmlns:cdr="http://schemas.openxmlformats.org/drawingml/2006/chartDrawing">
     <cdr:from>
@@ -5512,7 +8500,7 @@
 </c:userShapes>
 </file>
 
-<file path=ppt/drawings/drawing4.xml><?xml version="1.0" encoding="utf-8"?>
+<file path=ppt/drawings/drawing6.xml><?xml version="1.0" encoding="utf-8"?>
 <c:userShapes xmlns:c="http://schemas.openxmlformats.org/drawingml/2006/chart">
   <cdr:relSizeAnchor xmlns:cdr="http://schemas.openxmlformats.org/drawingml/2006/chartDrawing">
     <cdr:from>
@@ -6251,7 +9239,7 @@
           <a:p>
             <a:fld id="{FACEE181-5E95-4012-89B5-E5CF011362D6}" type="datetimeFigureOut">
               <a:rPr lang="en-NL" smtClean="0"/>
-              <a:t>26/07/2021</a:t>
+              <a:t>02/08/2021</a:t>
             </a:fld>
             <a:endParaRPr lang="en-NL"/>
           </a:p>
@@ -6451,7 +9439,7 @@
           <a:p>
             <a:fld id="{FACEE181-5E95-4012-89B5-E5CF011362D6}" type="datetimeFigureOut">
               <a:rPr lang="en-NL" smtClean="0"/>
-              <a:t>26/07/2021</a:t>
+              <a:t>02/08/2021</a:t>
             </a:fld>
             <a:endParaRPr lang="en-NL"/>
           </a:p>
@@ -6661,7 +9649,7 @@
           <a:p>
             <a:fld id="{FACEE181-5E95-4012-89B5-E5CF011362D6}" type="datetimeFigureOut">
               <a:rPr lang="en-NL" smtClean="0"/>
-              <a:t>26/07/2021</a:t>
+              <a:t>02/08/2021</a:t>
             </a:fld>
             <a:endParaRPr lang="en-NL"/>
           </a:p>
@@ -6861,7 +9849,7 @@
           <a:p>
             <a:fld id="{FACEE181-5E95-4012-89B5-E5CF011362D6}" type="datetimeFigureOut">
               <a:rPr lang="en-NL" smtClean="0"/>
-              <a:t>26/07/2021</a:t>
+              <a:t>02/08/2021</a:t>
             </a:fld>
             <a:endParaRPr lang="en-NL"/>
           </a:p>
@@ -7137,7 +10125,7 @@
           <a:p>
             <a:fld id="{FACEE181-5E95-4012-89B5-E5CF011362D6}" type="datetimeFigureOut">
               <a:rPr lang="en-NL" smtClean="0"/>
-              <a:t>26/07/2021</a:t>
+              <a:t>02/08/2021</a:t>
             </a:fld>
             <a:endParaRPr lang="en-NL"/>
           </a:p>
@@ -7405,7 +10393,7 @@
           <a:p>
             <a:fld id="{FACEE181-5E95-4012-89B5-E5CF011362D6}" type="datetimeFigureOut">
               <a:rPr lang="en-NL" smtClean="0"/>
-              <a:t>26/07/2021</a:t>
+              <a:t>02/08/2021</a:t>
             </a:fld>
             <a:endParaRPr lang="en-NL"/>
           </a:p>
@@ -7820,7 +10808,7 @@
           <a:p>
             <a:fld id="{FACEE181-5E95-4012-89B5-E5CF011362D6}" type="datetimeFigureOut">
               <a:rPr lang="en-NL" smtClean="0"/>
-              <a:t>26/07/2021</a:t>
+              <a:t>02/08/2021</a:t>
             </a:fld>
             <a:endParaRPr lang="en-NL"/>
           </a:p>
@@ -7962,7 +10950,7 @@
           <a:p>
             <a:fld id="{FACEE181-5E95-4012-89B5-E5CF011362D6}" type="datetimeFigureOut">
               <a:rPr lang="en-NL" smtClean="0"/>
-              <a:t>26/07/2021</a:t>
+              <a:t>02/08/2021</a:t>
             </a:fld>
             <a:endParaRPr lang="en-NL"/>
           </a:p>
@@ -8075,7 +11063,7 @@
           <a:p>
             <a:fld id="{FACEE181-5E95-4012-89B5-E5CF011362D6}" type="datetimeFigureOut">
               <a:rPr lang="en-NL" smtClean="0"/>
-              <a:t>26/07/2021</a:t>
+              <a:t>02/08/2021</a:t>
             </a:fld>
             <a:endParaRPr lang="en-NL"/>
           </a:p>
@@ -8388,7 +11376,7 @@
           <a:p>
             <a:fld id="{FACEE181-5E95-4012-89B5-E5CF011362D6}" type="datetimeFigureOut">
               <a:rPr lang="en-NL" smtClean="0"/>
-              <a:t>26/07/2021</a:t>
+              <a:t>02/08/2021</a:t>
             </a:fld>
             <a:endParaRPr lang="en-NL"/>
           </a:p>
@@ -8677,7 +11665,7 @@
           <a:p>
             <a:fld id="{FACEE181-5E95-4012-89B5-E5CF011362D6}" type="datetimeFigureOut">
               <a:rPr lang="en-NL" smtClean="0"/>
-              <a:t>26/07/2021</a:t>
+              <a:t>02/08/2021</a:t>
             </a:fld>
             <a:endParaRPr lang="en-NL"/>
           </a:p>
@@ -8920,7 +11908,7 @@
           <a:p>
             <a:fld id="{FACEE181-5E95-4012-89B5-E5CF011362D6}" type="datetimeFigureOut">
               <a:rPr lang="en-NL" smtClean="0"/>
-              <a:t>26/07/2021</a:t>
+              <a:t>02/08/2021</a:t>
             </a:fld>
             <a:endParaRPr lang="en-NL"/>
           </a:p>
@@ -9516,6 +12504,338 @@
           <p:nvPr>
             <p:extLst>
               <p:ext uri="{D42A27DB-BD31-4B8C-83A1-F6EECF244321}">
+                <p14:modId xmlns:p14="http://schemas.microsoft.com/office/powerpoint/2010/main" val="4174973422"/>
+              </p:ext>
+            </p:extLst>
+          </p:nvPr>
+        </p:nvGraphicFramePr>
+        <p:xfrm>
+          <a:off x="2031999" y="376768"/>
+          <a:ext cx="8128000" cy="5418667"/>
+        </p:xfrm>
+        <a:graphic>
+          <a:graphicData uri="http://schemas.openxmlformats.org/drawingml/2006/chart">
+            <c:chart xmlns:c="http://schemas.openxmlformats.org/drawingml/2006/chart" xmlns:r="http://schemas.openxmlformats.org/officeDocument/2006/relationships" r:id="rId2"/>
+          </a:graphicData>
+        </a:graphic>
+      </p:graphicFrame>
+      <p:pic>
+        <p:nvPicPr>
+          <p:cNvPr id="7" name="Picture 6" descr="A picture containing clipart&#10;&#10;Description automatically generated">
+            <a:extLst>
+              <a:ext uri="{FF2B5EF4-FFF2-40B4-BE49-F238E27FC236}">
+                <a16:creationId xmlns:a16="http://schemas.microsoft.com/office/drawing/2014/main" id="{348E85AE-A18A-40C4-9E76-E3E8AD21F54B}"/>
+              </a:ext>
+            </a:extLst>
+          </p:cNvPr>
+          <p:cNvPicPr>
+            <a:picLocks noChangeAspect="1"/>
+          </p:cNvPicPr>
+          <p:nvPr/>
+        </p:nvPicPr>
+        <p:blipFill>
+          <a:blip r:embed="rId3">
+            <a:extLst>
+              <a:ext uri="{28A0092B-C50C-407E-A947-70E740481C1C}">
+                <a14:useLocalDpi xmlns:a14="http://schemas.microsoft.com/office/drawing/2010/main" val="0"/>
+              </a:ext>
+            </a:extLst>
+          </a:blip>
+          <a:stretch>
+            <a:fillRect/>
+          </a:stretch>
+        </p:blipFill>
+        <p:spPr>
+          <a:xfrm>
+            <a:off x="3575926" y="5601966"/>
+            <a:ext cx="1481597" cy="498660"/>
+          </a:xfrm>
+          <a:prstGeom prst="rect">
+            <a:avLst/>
+          </a:prstGeom>
+        </p:spPr>
+      </p:pic>
+      <p:pic>
+        <p:nvPicPr>
+          <p:cNvPr id="11" name="Picture 10">
+            <a:extLst>
+              <a:ext uri="{FF2B5EF4-FFF2-40B4-BE49-F238E27FC236}">
+                <a16:creationId xmlns:a16="http://schemas.microsoft.com/office/drawing/2014/main" id="{04A84118-5112-4110-A2AE-7E1FC4829795}"/>
+              </a:ext>
+            </a:extLst>
+          </p:cNvPr>
+          <p:cNvPicPr>
+            <a:picLocks noChangeAspect="1"/>
+          </p:cNvPicPr>
+          <p:nvPr/>
+        </p:nvPicPr>
+        <p:blipFill>
+          <a:blip r:embed="rId4">
+            <a:extLst>
+              <a:ext uri="{28A0092B-C50C-407E-A947-70E740481C1C}">
+                <a14:useLocalDpi xmlns:a14="http://schemas.microsoft.com/office/drawing/2010/main" val="0"/>
+              </a:ext>
+            </a:extLst>
+          </a:blip>
+          <a:stretch>
+            <a:fillRect/>
+          </a:stretch>
+        </p:blipFill>
+        <p:spPr>
+          <a:xfrm>
+            <a:off x="5704760" y="5615330"/>
+            <a:ext cx="1507350" cy="498660"/>
+          </a:xfrm>
+          <a:prstGeom prst="rect">
+            <a:avLst/>
+          </a:prstGeom>
+        </p:spPr>
+      </p:pic>
+      <p:pic>
+        <p:nvPicPr>
+          <p:cNvPr id="13" name="Picture 12">
+            <a:extLst>
+              <a:ext uri="{FF2B5EF4-FFF2-40B4-BE49-F238E27FC236}">
+                <a16:creationId xmlns:a16="http://schemas.microsoft.com/office/drawing/2014/main" id="{723C9624-E69C-4F6C-B8DE-6F69CEB65D04}"/>
+              </a:ext>
+            </a:extLst>
+          </p:cNvPr>
+          <p:cNvPicPr>
+            <a:picLocks noChangeAspect="1"/>
+          </p:cNvPicPr>
+          <p:nvPr/>
+        </p:nvPicPr>
+        <p:blipFill>
+          <a:blip r:embed="rId5">
+            <a:extLst>
+              <a:ext uri="{28A0092B-C50C-407E-A947-70E740481C1C}">
+                <a14:useLocalDpi xmlns:a14="http://schemas.microsoft.com/office/drawing/2010/main" val="0"/>
+              </a:ext>
+            </a:extLst>
+          </a:blip>
+          <a:stretch>
+            <a:fillRect/>
+          </a:stretch>
+        </p:blipFill>
+        <p:spPr>
+          <a:xfrm>
+            <a:off x="7859347" y="5615330"/>
+            <a:ext cx="1481597" cy="485296"/>
+          </a:xfrm>
+          <a:prstGeom prst="rect">
+            <a:avLst/>
+          </a:prstGeom>
+        </p:spPr>
+      </p:pic>
+    </p:spTree>
+    <p:extLst>
+      <p:ext uri="{BB962C8B-B14F-4D97-AF65-F5344CB8AC3E}">
+        <p14:creationId xmlns:p14="http://schemas.microsoft.com/office/powerpoint/2010/main" val="1751361399"/>
+      </p:ext>
+    </p:extLst>
+  </p:cSld>
+  <p:clrMapOvr>
+    <a:masterClrMapping/>
+  </p:clrMapOvr>
+</p:sld>
+</file>
+
+<file path=ppt/slides/slide3.xml><?xml version="1.0" encoding="utf-8"?>
+<p:sld xmlns:a="http://schemas.openxmlformats.org/drawingml/2006/main" xmlns:r="http://schemas.openxmlformats.org/officeDocument/2006/relationships" xmlns:p="http://schemas.openxmlformats.org/presentationml/2006/main">
+  <p:cSld>
+    <p:spTree>
+      <p:nvGrpSpPr>
+        <p:cNvPr id="1" name=""/>
+        <p:cNvGrpSpPr/>
+        <p:nvPr/>
+      </p:nvGrpSpPr>
+      <p:grpSpPr>
+        <a:xfrm>
+          <a:off x="0" y="0"/>
+          <a:ext cx="0" cy="0"/>
+          <a:chOff x="0" y="0"/>
+          <a:chExt cx="0" cy="0"/>
+        </a:xfrm>
+      </p:grpSpPr>
+      <p:graphicFrame>
+        <p:nvGraphicFramePr>
+          <p:cNvPr id="25" name="Chart 24">
+            <a:extLst>
+              <a:ext uri="{FF2B5EF4-FFF2-40B4-BE49-F238E27FC236}">
+                <a16:creationId xmlns:a16="http://schemas.microsoft.com/office/drawing/2014/main" id="{8938993D-F995-4FBF-8863-135D78A2ECCE}"/>
+              </a:ext>
+            </a:extLst>
+          </p:cNvPr>
+          <p:cNvGraphicFramePr/>
+          <p:nvPr>
+            <p:extLst>
+              <p:ext uri="{D42A27DB-BD31-4B8C-83A1-F6EECF244321}">
+                <p14:modId xmlns:p14="http://schemas.microsoft.com/office/powerpoint/2010/main" val="1527929376"/>
+              </p:ext>
+            </p:extLst>
+          </p:nvPr>
+        </p:nvGraphicFramePr>
+        <p:xfrm>
+          <a:off x="2031999" y="376768"/>
+          <a:ext cx="8128000" cy="5418667"/>
+        </p:xfrm>
+        <a:graphic>
+          <a:graphicData uri="http://schemas.openxmlformats.org/drawingml/2006/chart">
+            <c:chart xmlns:c="http://schemas.openxmlformats.org/drawingml/2006/chart" xmlns:r="http://schemas.openxmlformats.org/officeDocument/2006/relationships" r:id="rId2"/>
+          </a:graphicData>
+        </a:graphic>
+      </p:graphicFrame>
+      <p:pic>
+        <p:nvPicPr>
+          <p:cNvPr id="7" name="Picture 6" descr="A picture containing clipart&#10;&#10;Description automatically generated">
+            <a:extLst>
+              <a:ext uri="{FF2B5EF4-FFF2-40B4-BE49-F238E27FC236}">
+                <a16:creationId xmlns:a16="http://schemas.microsoft.com/office/drawing/2014/main" id="{348E85AE-A18A-40C4-9E76-E3E8AD21F54B}"/>
+              </a:ext>
+            </a:extLst>
+          </p:cNvPr>
+          <p:cNvPicPr>
+            <a:picLocks noChangeAspect="1"/>
+          </p:cNvPicPr>
+          <p:nvPr/>
+        </p:nvPicPr>
+        <p:blipFill>
+          <a:blip r:embed="rId3">
+            <a:extLst>
+              <a:ext uri="{28A0092B-C50C-407E-A947-70E740481C1C}">
+                <a14:useLocalDpi xmlns:a14="http://schemas.microsoft.com/office/drawing/2010/main" val="0"/>
+              </a:ext>
+            </a:extLst>
+          </a:blip>
+          <a:stretch>
+            <a:fillRect/>
+          </a:stretch>
+        </p:blipFill>
+        <p:spPr>
+          <a:xfrm>
+            <a:off x="3575926" y="5601966"/>
+            <a:ext cx="1481597" cy="498660"/>
+          </a:xfrm>
+          <a:prstGeom prst="rect">
+            <a:avLst/>
+          </a:prstGeom>
+        </p:spPr>
+      </p:pic>
+      <p:pic>
+        <p:nvPicPr>
+          <p:cNvPr id="11" name="Picture 10">
+            <a:extLst>
+              <a:ext uri="{FF2B5EF4-FFF2-40B4-BE49-F238E27FC236}">
+                <a16:creationId xmlns:a16="http://schemas.microsoft.com/office/drawing/2014/main" id="{04A84118-5112-4110-A2AE-7E1FC4829795}"/>
+              </a:ext>
+            </a:extLst>
+          </p:cNvPr>
+          <p:cNvPicPr>
+            <a:picLocks noChangeAspect="1"/>
+          </p:cNvPicPr>
+          <p:nvPr/>
+        </p:nvPicPr>
+        <p:blipFill>
+          <a:blip r:embed="rId4">
+            <a:extLst>
+              <a:ext uri="{28A0092B-C50C-407E-A947-70E740481C1C}">
+                <a14:useLocalDpi xmlns:a14="http://schemas.microsoft.com/office/drawing/2010/main" val="0"/>
+              </a:ext>
+            </a:extLst>
+          </a:blip>
+          <a:stretch>
+            <a:fillRect/>
+          </a:stretch>
+        </p:blipFill>
+        <p:spPr>
+          <a:xfrm>
+            <a:off x="5704760" y="5615330"/>
+            <a:ext cx="1507350" cy="498660"/>
+          </a:xfrm>
+          <a:prstGeom prst="rect">
+            <a:avLst/>
+          </a:prstGeom>
+        </p:spPr>
+      </p:pic>
+      <p:pic>
+        <p:nvPicPr>
+          <p:cNvPr id="13" name="Picture 12">
+            <a:extLst>
+              <a:ext uri="{FF2B5EF4-FFF2-40B4-BE49-F238E27FC236}">
+                <a16:creationId xmlns:a16="http://schemas.microsoft.com/office/drawing/2014/main" id="{723C9624-E69C-4F6C-B8DE-6F69CEB65D04}"/>
+              </a:ext>
+            </a:extLst>
+          </p:cNvPr>
+          <p:cNvPicPr>
+            <a:picLocks noChangeAspect="1"/>
+          </p:cNvPicPr>
+          <p:nvPr/>
+        </p:nvPicPr>
+        <p:blipFill>
+          <a:blip r:embed="rId5">
+            <a:extLst>
+              <a:ext uri="{28A0092B-C50C-407E-A947-70E740481C1C}">
+                <a14:useLocalDpi xmlns:a14="http://schemas.microsoft.com/office/drawing/2010/main" val="0"/>
+              </a:ext>
+            </a:extLst>
+          </a:blip>
+          <a:stretch>
+            <a:fillRect/>
+          </a:stretch>
+        </p:blipFill>
+        <p:spPr>
+          <a:xfrm>
+            <a:off x="7859347" y="5615330"/>
+            <a:ext cx="1481597" cy="485296"/>
+          </a:xfrm>
+          <a:prstGeom prst="rect">
+            <a:avLst/>
+          </a:prstGeom>
+        </p:spPr>
+      </p:pic>
+    </p:spTree>
+    <p:extLst>
+      <p:ext uri="{BB962C8B-B14F-4D97-AF65-F5344CB8AC3E}">
+        <p14:creationId xmlns:p14="http://schemas.microsoft.com/office/powerpoint/2010/main" val="389518916"/>
+      </p:ext>
+    </p:extLst>
+  </p:cSld>
+  <p:clrMapOvr>
+    <a:masterClrMapping/>
+  </p:clrMapOvr>
+</p:sld>
+</file>
+
+<file path=ppt/slides/slide4.xml><?xml version="1.0" encoding="utf-8"?>
+<p:sld xmlns:a="http://schemas.openxmlformats.org/drawingml/2006/main" xmlns:r="http://schemas.openxmlformats.org/officeDocument/2006/relationships" xmlns:p="http://schemas.openxmlformats.org/presentationml/2006/main">
+  <p:cSld>
+    <p:spTree>
+      <p:nvGrpSpPr>
+        <p:cNvPr id="1" name=""/>
+        <p:cNvGrpSpPr/>
+        <p:nvPr/>
+      </p:nvGrpSpPr>
+      <p:grpSpPr>
+        <a:xfrm>
+          <a:off x="0" y="0"/>
+          <a:ext cx="0" cy="0"/>
+          <a:chOff x="0" y="0"/>
+          <a:chExt cx="0" cy="0"/>
+        </a:xfrm>
+      </p:grpSpPr>
+      <p:graphicFrame>
+        <p:nvGraphicFramePr>
+          <p:cNvPr id="25" name="Chart 24">
+            <a:extLst>
+              <a:ext uri="{FF2B5EF4-FFF2-40B4-BE49-F238E27FC236}">
+                <a16:creationId xmlns:a16="http://schemas.microsoft.com/office/drawing/2014/main" id="{8938993D-F995-4FBF-8863-135D78A2ECCE}"/>
+              </a:ext>
+            </a:extLst>
+          </p:cNvPr>
+          <p:cNvGraphicFramePr/>
+          <p:nvPr>
+            <p:extLst>
+              <p:ext uri="{D42A27DB-BD31-4B8C-83A1-F6EECF244321}">
                 <p14:modId xmlns:p14="http://schemas.microsoft.com/office/powerpoint/2010/main" val="1820720623"/>
               </p:ext>
             </p:extLst>
@@ -9656,7 +12976,7 @@
 </p:sld>
 </file>
 
-<file path=ppt/slides/slide3.xml><?xml version="1.0" encoding="utf-8"?>
+<file path=ppt/slides/slide5.xml><?xml version="1.0" encoding="utf-8"?>
 <p:sld xmlns:a="http://schemas.openxmlformats.org/drawingml/2006/main" xmlns:r="http://schemas.openxmlformats.org/officeDocument/2006/relationships" xmlns:p="http://schemas.openxmlformats.org/presentationml/2006/main">
   <p:cSld>
     <p:spTree>
@@ -9826,7 +13146,7 @@
 </p:sld>
 </file>
 
-<file path=ppt/slides/slide4.xml><?xml version="1.0" encoding="utf-8"?>
+<file path=ppt/slides/slide6.xml><?xml version="1.0" encoding="utf-8"?>
 <p:sld xmlns:a="http://schemas.openxmlformats.org/drawingml/2006/main" xmlns:r="http://schemas.openxmlformats.org/officeDocument/2006/relationships" xmlns:p="http://schemas.openxmlformats.org/presentationml/2006/main">
   <p:cSld>
     <p:spTree>

--- a/_static/EcoTask/figures/Infographic_graphs/sketch diagram.pptx
+++ b/_static/EcoTask/figures/Infographic_graphs/sketch diagram.pptx
@@ -6,11 +6,11 @@
   </p:sldMasterIdLst>
   <p:sldIdLst>
     <p:sldId id="262" r:id="rId2"/>
-    <p:sldId id="266" r:id="rId3"/>
-    <p:sldId id="267" r:id="rId4"/>
+    <p:sldId id="264" r:id="rId3"/>
+    <p:sldId id="265" r:id="rId4"/>
     <p:sldId id="263" r:id="rId5"/>
-    <p:sldId id="264" r:id="rId6"/>
-    <p:sldId id="265" r:id="rId7"/>
+    <p:sldId id="266" r:id="rId6"/>
+    <p:sldId id="267" r:id="rId7"/>
   </p:sldIdLst>
   <p:sldSz cx="12192000" cy="6858000"/>
   <p:notesSz cx="6858000" cy="9144000"/>
@@ -295,8 +295,8 @@
         <c:axId val="510073344"/>
         <c:scaling>
           <c:orientation val="minMax"/>
-          <c:max val="7"/>
-          <c:min val="4"/>
+          <c:max val="60"/>
+          <c:min val="30"/>
         </c:scaling>
         <c:delete val="0"/>
         <c:axPos val="l"/>
@@ -338,7 +338,7 @@
                     <a:latin typeface="Arial" panose="020B0604020202020204" pitchFamily="34" charset="0"/>
                     <a:cs typeface="Arial" panose="020B0604020202020204" pitchFamily="34" charset="0"/>
                   </a:rPr>
-                  <a:t>Pounds</a:t>
+                  <a:t>Points</a:t>
                 </a:r>
               </a:p>
             </c:rich>
@@ -348,7 +348,7 @@
               <c:xMode val="edge"/>
               <c:yMode val="edge"/>
               <c:x val="7.8125E-3"/>
-              <c:y val="0.46611722034219855"/>
+              <c:y val="0.43564847221650638"/>
             </c:manualLayout>
           </c:layout>
           <c:overlay val="0"/>
@@ -416,7 +416,7 @@
         <c:crossAx val="816337520"/>
         <c:crosses val="autoZero"/>
         <c:crossBetween val="between"/>
-        <c:majorUnit val="0.5"/>
+        <c:majorUnit val="5"/>
       </c:valAx>
       <c:spPr>
         <a:pattFill prst="pct20">
@@ -646,8 +646,8 @@
         <c:axId val="510073344"/>
         <c:scaling>
           <c:orientation val="minMax"/>
-          <c:max val="7"/>
-          <c:min val="4"/>
+          <c:max val="60"/>
+          <c:min val="30"/>
         </c:scaling>
         <c:delete val="0"/>
         <c:axPos val="l"/>
@@ -689,7 +689,7 @@
                     <a:latin typeface="Arial" panose="020B0604020202020204" pitchFamily="34" charset="0"/>
                     <a:cs typeface="Arial" panose="020B0604020202020204" pitchFamily="34" charset="0"/>
                   </a:rPr>
-                  <a:t>Pounds</a:t>
+                  <a:t>Points</a:t>
                 </a:r>
               </a:p>
             </c:rich>
@@ -698,8 +698,8 @@
             <c:manualLayout>
               <c:xMode val="edge"/>
               <c:yMode val="edge"/>
-              <c:x val="7.8125E-3"/>
-              <c:y val="0.46611722034219855"/>
+              <c:x val="9.3749999999999997E-3"/>
+              <c:y val="0.43564847221650638"/>
             </c:manualLayout>
           </c:layout>
           <c:overlay val="0"/>
@@ -767,7 +767,7 @@
         <c:crossAx val="816337520"/>
         <c:crosses val="autoZero"/>
         <c:crossBetween val="between"/>
-        <c:majorUnit val="0.5"/>
+        <c:majorUnit val="5"/>
       </c:valAx>
       <c:spPr>
         <a:pattFill prst="pct20">
@@ -997,8 +997,8 @@
         <c:axId val="510073344"/>
         <c:scaling>
           <c:orientation val="minMax"/>
-          <c:max val="7"/>
-          <c:min val="4"/>
+          <c:max val="60"/>
+          <c:min val="30"/>
         </c:scaling>
         <c:delete val="0"/>
         <c:axPos val="l"/>
@@ -1040,7 +1040,7 @@
                     <a:latin typeface="Arial" panose="020B0604020202020204" pitchFamily="34" charset="0"/>
                     <a:cs typeface="Arial" panose="020B0604020202020204" pitchFamily="34" charset="0"/>
                   </a:rPr>
-                  <a:t>Pounds</a:t>
+                  <a:t>Points</a:t>
                 </a:r>
               </a:p>
             </c:rich>
@@ -1049,8 +1049,8 @@
             <c:manualLayout>
               <c:xMode val="edge"/>
               <c:yMode val="edge"/>
-              <c:x val="7.8125E-3"/>
-              <c:y val="0.46611722034219855"/>
+              <c:x val="9.3749999999999997E-3"/>
+              <c:y val="0.4426797217839738"/>
             </c:manualLayout>
           </c:layout>
           <c:overlay val="0"/>
@@ -1118,7 +1118,7 @@
         <c:crossAx val="816337520"/>
         <c:crosses val="autoZero"/>
         <c:crossBetween val="between"/>
-        <c:majorUnit val="0.5"/>
+        <c:majorUnit val="5"/>
       </c:valAx>
       <c:spPr>
         <a:pattFill prst="pct20">
@@ -1348,7 +1348,7 @@
         <c:axId val="510073344"/>
         <c:scaling>
           <c:orientation val="minMax"/>
-          <c:max val="6"/>
+          <c:max val="30"/>
           <c:min val="0"/>
         </c:scaling>
         <c:delete val="0"/>
@@ -1391,21 +1391,7 @@
                     <a:latin typeface="Arial" panose="020B0604020202020204" pitchFamily="34" charset="0"/>
                     <a:cs typeface="Arial" panose="020B0604020202020204" pitchFamily="34" charset="0"/>
                   </a:rPr>
-                  <a:t>Amount of planted</a:t>
-                </a:r>
-                <a:r>
-                  <a:rPr lang="en-US" sz="1600" b="0" baseline="0" dirty="0">
-                    <a:latin typeface="Arial" panose="020B0604020202020204" pitchFamily="34" charset="0"/>
-                    <a:cs typeface="Arial" panose="020B0604020202020204" pitchFamily="34" charset="0"/>
-                  </a:rPr>
-                  <a:t> </a:t>
-                </a:r>
-                <a:r>
-                  <a:rPr lang="en-US" sz="1600" b="0" dirty="0">
-                    <a:latin typeface="Arial" panose="020B0604020202020204" pitchFamily="34" charset="0"/>
-                    <a:cs typeface="Arial" panose="020B0604020202020204" pitchFamily="34" charset="0"/>
-                  </a:rPr>
-                  <a:t>trees</a:t>
+                  <a:t>Points</a:t>
                 </a:r>
               </a:p>
             </c:rich>
@@ -1414,8 +1400,8 @@
             <c:manualLayout>
               <c:xMode val="edge"/>
               <c:yMode val="edge"/>
-              <c:x val="1.7187500000000001E-2"/>
-              <c:y val="0.33017972870449502"/>
+              <c:x val="1.0937499999999999E-2"/>
+              <c:y val="0.43564847221650638"/>
             </c:manualLayout>
           </c:layout>
           <c:overlay val="0"/>
@@ -1483,7 +1469,7 @@
         <c:crossAx val="816337520"/>
         <c:crosses val="autoZero"/>
         <c:crossBetween val="between"/>
-        <c:majorUnit val="1"/>
+        <c:majorUnit val="5"/>
       </c:valAx>
       <c:spPr>
         <a:pattFill prst="pct20">
@@ -1713,7 +1699,7 @@
         <c:axId val="510073344"/>
         <c:scaling>
           <c:orientation val="minMax"/>
-          <c:max val="6"/>
+          <c:max val="30"/>
           <c:min val="0"/>
         </c:scaling>
         <c:delete val="0"/>
@@ -1756,21 +1742,7 @@
                     <a:latin typeface="Arial" panose="020B0604020202020204" pitchFamily="34" charset="0"/>
                     <a:cs typeface="Arial" panose="020B0604020202020204" pitchFamily="34" charset="0"/>
                   </a:rPr>
-                  <a:t>Amount of planted</a:t>
-                </a:r>
-                <a:r>
-                  <a:rPr lang="en-US" sz="1600" b="0" baseline="0" dirty="0">
-                    <a:latin typeface="Arial" panose="020B0604020202020204" pitchFamily="34" charset="0"/>
-                    <a:cs typeface="Arial" panose="020B0604020202020204" pitchFamily="34" charset="0"/>
-                  </a:rPr>
-                  <a:t> </a:t>
-                </a:r>
-                <a:r>
-                  <a:rPr lang="en-US" sz="1600" b="0" dirty="0">
-                    <a:latin typeface="Arial" panose="020B0604020202020204" pitchFamily="34" charset="0"/>
-                    <a:cs typeface="Arial" panose="020B0604020202020204" pitchFamily="34" charset="0"/>
-                  </a:rPr>
-                  <a:t>trees</a:t>
+                  <a:t>Points</a:t>
                 </a:r>
               </a:p>
             </c:rich>
@@ -1779,8 +1751,8 @@
             <c:manualLayout>
               <c:xMode val="edge"/>
               <c:yMode val="edge"/>
-              <c:x val="1.7187500000000001E-2"/>
-              <c:y val="0.33017972870449502"/>
+              <c:x val="9.3749999999999997E-3"/>
+              <c:y val="0.43564847221650638"/>
             </c:manualLayout>
           </c:layout>
           <c:overlay val="0"/>
@@ -1848,7 +1820,7 @@
         <c:crossAx val="816337520"/>
         <c:crosses val="autoZero"/>
         <c:crossBetween val="between"/>
-        <c:majorUnit val="1"/>
+        <c:majorUnit val="5"/>
       </c:valAx>
       <c:spPr>
         <a:pattFill prst="pct20">
@@ -2078,7 +2050,7 @@
         <c:axId val="510073344"/>
         <c:scaling>
           <c:orientation val="minMax"/>
-          <c:max val="6"/>
+          <c:max val="30"/>
           <c:min val="0"/>
         </c:scaling>
         <c:delete val="0"/>
@@ -2121,21 +2093,7 @@
                     <a:latin typeface="Arial" panose="020B0604020202020204" pitchFamily="34" charset="0"/>
                     <a:cs typeface="Arial" panose="020B0604020202020204" pitchFamily="34" charset="0"/>
                   </a:rPr>
-                  <a:t>Amount of planted</a:t>
-                </a:r>
-                <a:r>
-                  <a:rPr lang="en-US" sz="1600" b="0" baseline="0" dirty="0">
-                    <a:latin typeface="Arial" panose="020B0604020202020204" pitchFamily="34" charset="0"/>
-                    <a:cs typeface="Arial" panose="020B0604020202020204" pitchFamily="34" charset="0"/>
-                  </a:rPr>
-                  <a:t> </a:t>
-                </a:r>
-                <a:r>
-                  <a:rPr lang="en-US" sz="1600" b="0" dirty="0">
-                    <a:latin typeface="Arial" panose="020B0604020202020204" pitchFamily="34" charset="0"/>
-                    <a:cs typeface="Arial" panose="020B0604020202020204" pitchFamily="34" charset="0"/>
-                  </a:rPr>
-                  <a:t>trees</a:t>
+                  <a:t>Points</a:t>
                 </a:r>
               </a:p>
             </c:rich>
@@ -2144,8 +2102,8 @@
             <c:manualLayout>
               <c:xMode val="edge"/>
               <c:yMode val="edge"/>
-              <c:x val="1.7187500000000001E-2"/>
-              <c:y val="0.33017972870449502"/>
+              <c:x val="6.2500000000000003E-3"/>
+              <c:y val="0.41924222322574906"/>
             </c:manualLayout>
           </c:layout>
           <c:overlay val="0"/>
@@ -2213,7 +2171,7 @@
         <c:crossAx val="816337520"/>
         <c:crosses val="autoZero"/>
         <c:crossBetween val="between"/>
-        <c:majorUnit val="1"/>
+        <c:majorUnit val="5"/>
       </c:valAx>
       <c:spPr>
         <a:pattFill prst="pct20">
@@ -6325,11 +6283,11 @@
   <cdr:relSizeAnchor xmlns:cdr="http://schemas.openxmlformats.org/drawingml/2006/chartDrawing">
     <cdr:from>
       <cdr:x>0.48404</cdr:x>
-      <cdr:y>0.2</cdr:y>
+      <cdr:y>0.1951</cdr:y>
     </cdr:from>
     <cdr:to>
       <cdr:x>0.60514</cdr:x>
-      <cdr:y>0.48828</cdr:y>
+      <cdr:y>0.48895</cdr:y>
     </cdr:to>
     <cdr:sp macro="" textlink="">
       <cdr:nvSpPr>
@@ -6344,8 +6302,8 @@
       </cdr:nvSpPr>
       <cdr:spPr>
         <a:xfrm xmlns:a="http://schemas.openxmlformats.org/drawingml/2006/main">
-          <a:off x="3934285" y="1083734"/>
-          <a:ext cx="984301" cy="1562093"/>
+          <a:off x="3934285" y="1057188"/>
+          <a:ext cx="984301" cy="1592273"/>
         </a:xfrm>
         <a:prstGeom xmlns:a="http://schemas.openxmlformats.org/drawingml/2006/main" prst="rect">
           <a:avLst/>
@@ -6470,11 +6428,11 @@
   <cdr:relSizeAnchor xmlns:cdr="http://schemas.openxmlformats.org/drawingml/2006/chartDrawing">
     <cdr:from>
       <cdr:x>0.48404</cdr:x>
-      <cdr:y>0.34414</cdr:y>
+      <cdr:y>0.34203</cdr:y>
     </cdr:from>
     <cdr:to>
       <cdr:x>0.60514</cdr:x>
-      <cdr:y>0.34414</cdr:y>
+      <cdr:y>0.34203</cdr:y>
     </cdr:to>
     <cdr:cxnSp macro="">
       <cdr:nvCxnSpPr>
@@ -6492,7 +6450,7 @@
       </cdr:nvCxnSpPr>
       <cdr:spPr>
         <a:xfrm xmlns:a="http://schemas.openxmlformats.org/drawingml/2006/main">
-          <a:off x="3934285" y="1864781"/>
+          <a:off x="3934285" y="1853325"/>
           <a:ext cx="984301" cy="0"/>
         </a:xfrm>
         <a:prstGeom xmlns:a="http://schemas.openxmlformats.org/drawingml/2006/main" prst="line">
@@ -6923,11 +6881,11 @@
   </cdr:relSizeAnchor>
   <cdr:relSizeAnchor xmlns:cdr="http://schemas.openxmlformats.org/drawingml/2006/chartDrawing">
     <cdr:from>
-      <cdr:x>0.48404</cdr:x>
-      <cdr:y>0.48828</cdr:y>
+      <cdr:x>0.48437</cdr:x>
+      <cdr:y>0.48895</cdr:y>
     </cdr:from>
     <cdr:to>
-      <cdr:x>0.60514</cdr:x>
+      <cdr:x>0.60547</cdr:x>
       <cdr:y>0.78242</cdr:y>
     </cdr:to>
     <cdr:sp macro="" textlink="">
@@ -6943,8 +6901,8 @@
       </cdr:nvSpPr>
       <cdr:spPr>
         <a:xfrm xmlns:a="http://schemas.openxmlformats.org/drawingml/2006/main">
-          <a:off x="3934285" y="2645827"/>
-          <a:ext cx="984301" cy="1593855"/>
+          <a:off x="3936959" y="2649462"/>
+          <a:ext cx="984301" cy="1590212"/>
         </a:xfrm>
         <a:prstGeom xmlns:a="http://schemas.openxmlformats.org/drawingml/2006/main" prst="rect">
           <a:avLst/>
@@ -7068,12 +7026,12 @@
   </cdr:relSizeAnchor>
   <cdr:relSizeAnchor xmlns:cdr="http://schemas.openxmlformats.org/drawingml/2006/chartDrawing">
     <cdr:from>
-      <cdr:x>0.48404</cdr:x>
-      <cdr:y>0.63535</cdr:y>
+      <cdr:x>0.48437</cdr:x>
+      <cdr:y>0.63569</cdr:y>
     </cdr:from>
     <cdr:to>
-      <cdr:x>0.60514</cdr:x>
-      <cdr:y>0.63535</cdr:y>
+      <cdr:x>0.60547</cdr:x>
+      <cdr:y>0.63569</cdr:y>
     </cdr:to>
     <cdr:cxnSp macro="">
       <cdr:nvCxnSpPr>
@@ -7091,7 +7049,7 @@
       </cdr:nvCxnSpPr>
       <cdr:spPr>
         <a:xfrm xmlns:a="http://schemas.openxmlformats.org/drawingml/2006/main">
-          <a:off x="3934285" y="3442755"/>
+          <a:off x="3936959" y="3444568"/>
           <a:ext cx="984301" cy="0"/>
         </a:xfrm>
         <a:prstGeom xmlns:a="http://schemas.openxmlformats.org/drawingml/2006/main" prst="line">
@@ -8131,8 +8089,8 @@
       </cdr:nvSpPr>
       <cdr:spPr>
         <a:xfrm xmlns:a="http://schemas.openxmlformats.org/drawingml/2006/main">
-          <a:off x="3901765" y="1042691"/>
-          <a:ext cx="914400" cy="1596580"/>
+          <a:off x="3901765" y="1042715"/>
+          <a:ext cx="914400" cy="1596556"/>
         </a:xfrm>
         <a:prstGeom xmlns:a="http://schemas.openxmlformats.org/drawingml/2006/main" prst="rect">
           <a:avLst/>
@@ -8279,7 +8237,7 @@
       </cdr:nvCxnSpPr>
       <cdr:spPr>
         <a:xfrm xmlns:a="http://schemas.openxmlformats.org/drawingml/2006/main">
-          <a:off x="3901765" y="1840981"/>
+          <a:off x="3901765" y="1840993"/>
           <a:ext cx="914400" cy="0"/>
         </a:xfrm>
         <a:prstGeom xmlns:a="http://schemas.openxmlformats.org/drawingml/2006/main" prst="line">
@@ -8706,7 +8664,7 @@
     </cdr:from>
     <cdr:to>
       <cdr:x>0.59254</cdr:x>
-      <cdr:y>0.7836</cdr:y>
+      <cdr:y>0.78359</cdr:y>
     </cdr:to>
     <cdr:sp macro="" textlink="">
       <cdr:nvSpPr>
@@ -8721,8 +8679,8 @@
       </cdr:nvSpPr>
       <cdr:spPr>
         <a:xfrm xmlns:a="http://schemas.openxmlformats.org/drawingml/2006/main">
-          <a:off x="3901764" y="2649466"/>
-          <a:ext cx="914400" cy="1596580"/>
+          <a:off x="3901765" y="2649457"/>
+          <a:ext cx="914400" cy="1596556"/>
         </a:xfrm>
         <a:prstGeom xmlns:a="http://schemas.openxmlformats.org/drawingml/2006/main" prst="rect">
           <a:avLst/>
@@ -8869,7 +8827,7 @@
       </cdr:nvCxnSpPr>
       <cdr:spPr>
         <a:xfrm xmlns:a="http://schemas.openxmlformats.org/drawingml/2006/main">
-          <a:off x="3901764" y="3447756"/>
+          <a:off x="3901765" y="3447735"/>
           <a:ext cx="914400" cy="0"/>
         </a:xfrm>
         <a:prstGeom xmlns:a="http://schemas.openxmlformats.org/drawingml/2006/main" prst="line">
@@ -9239,7 +9197,7 @@
           <a:p>
             <a:fld id="{FACEE181-5E95-4012-89B5-E5CF011362D6}" type="datetimeFigureOut">
               <a:rPr lang="en-NL" smtClean="0"/>
-              <a:t>02/08/2021</a:t>
+              <a:t>08/09/2021</a:t>
             </a:fld>
             <a:endParaRPr lang="en-NL"/>
           </a:p>
@@ -9439,7 +9397,7 @@
           <a:p>
             <a:fld id="{FACEE181-5E95-4012-89B5-E5CF011362D6}" type="datetimeFigureOut">
               <a:rPr lang="en-NL" smtClean="0"/>
-              <a:t>02/08/2021</a:t>
+              <a:t>08/09/2021</a:t>
             </a:fld>
             <a:endParaRPr lang="en-NL"/>
           </a:p>
@@ -9649,7 +9607,7 @@
           <a:p>
             <a:fld id="{FACEE181-5E95-4012-89B5-E5CF011362D6}" type="datetimeFigureOut">
               <a:rPr lang="en-NL" smtClean="0"/>
-              <a:t>02/08/2021</a:t>
+              <a:t>08/09/2021</a:t>
             </a:fld>
             <a:endParaRPr lang="en-NL"/>
           </a:p>
@@ -9849,7 +9807,7 @@
           <a:p>
             <a:fld id="{FACEE181-5E95-4012-89B5-E5CF011362D6}" type="datetimeFigureOut">
               <a:rPr lang="en-NL" smtClean="0"/>
-              <a:t>02/08/2021</a:t>
+              <a:t>08/09/2021</a:t>
             </a:fld>
             <a:endParaRPr lang="en-NL"/>
           </a:p>
@@ -10125,7 +10083,7 @@
           <a:p>
             <a:fld id="{FACEE181-5E95-4012-89B5-E5CF011362D6}" type="datetimeFigureOut">
               <a:rPr lang="en-NL" smtClean="0"/>
-              <a:t>02/08/2021</a:t>
+              <a:t>08/09/2021</a:t>
             </a:fld>
             <a:endParaRPr lang="en-NL"/>
           </a:p>
@@ -10393,7 +10351,7 @@
           <a:p>
             <a:fld id="{FACEE181-5E95-4012-89B5-E5CF011362D6}" type="datetimeFigureOut">
               <a:rPr lang="en-NL" smtClean="0"/>
-              <a:t>02/08/2021</a:t>
+              <a:t>08/09/2021</a:t>
             </a:fld>
             <a:endParaRPr lang="en-NL"/>
           </a:p>
@@ -10808,7 +10766,7 @@
           <a:p>
             <a:fld id="{FACEE181-5E95-4012-89B5-E5CF011362D6}" type="datetimeFigureOut">
               <a:rPr lang="en-NL" smtClean="0"/>
-              <a:t>02/08/2021</a:t>
+              <a:t>08/09/2021</a:t>
             </a:fld>
             <a:endParaRPr lang="en-NL"/>
           </a:p>
@@ -10950,7 +10908,7 @@
           <a:p>
             <a:fld id="{FACEE181-5E95-4012-89B5-E5CF011362D6}" type="datetimeFigureOut">
               <a:rPr lang="en-NL" smtClean="0"/>
-              <a:t>02/08/2021</a:t>
+              <a:t>08/09/2021</a:t>
             </a:fld>
             <a:endParaRPr lang="en-NL"/>
           </a:p>
@@ -11063,7 +11021,7 @@
           <a:p>
             <a:fld id="{FACEE181-5E95-4012-89B5-E5CF011362D6}" type="datetimeFigureOut">
               <a:rPr lang="en-NL" smtClean="0"/>
-              <a:t>02/08/2021</a:t>
+              <a:t>08/09/2021</a:t>
             </a:fld>
             <a:endParaRPr lang="en-NL"/>
           </a:p>
@@ -11376,7 +11334,7 @@
           <a:p>
             <a:fld id="{FACEE181-5E95-4012-89B5-E5CF011362D6}" type="datetimeFigureOut">
               <a:rPr lang="en-NL" smtClean="0"/>
-              <a:t>02/08/2021</a:t>
+              <a:t>08/09/2021</a:t>
             </a:fld>
             <a:endParaRPr lang="en-NL"/>
           </a:p>
@@ -11665,7 +11623,7 @@
           <a:p>
             <a:fld id="{FACEE181-5E95-4012-89B5-E5CF011362D6}" type="datetimeFigureOut">
               <a:rPr lang="en-NL" smtClean="0"/>
-              <a:t>02/08/2021</a:t>
+              <a:t>08/09/2021</a:t>
             </a:fld>
             <a:endParaRPr lang="en-NL"/>
           </a:p>
@@ -11908,7 +11866,7 @@
           <a:p>
             <a:fld id="{FACEE181-5E95-4012-89B5-E5CF011362D6}" type="datetimeFigureOut">
               <a:rPr lang="en-NL" smtClean="0"/>
-              <a:t>02/08/2021</a:t>
+              <a:t>08/09/2021</a:t>
             </a:fld>
             <a:endParaRPr lang="en-NL"/>
           </a:p>
@@ -12338,7 +12296,7 @@
           <p:nvPr>
             <p:extLst>
               <p:ext uri="{D42A27DB-BD31-4B8C-83A1-F6EECF244321}">
-                <p14:modId xmlns:p14="http://schemas.microsoft.com/office/powerpoint/2010/main" val="3640488446"/>
+                <p14:modId xmlns:p14="http://schemas.microsoft.com/office/powerpoint/2010/main" val="3499112787"/>
               </p:ext>
             </p:extLst>
           </p:nvPr>
@@ -12504,7 +12462,7 @@
           <p:nvPr>
             <p:extLst>
               <p:ext uri="{D42A27DB-BD31-4B8C-83A1-F6EECF244321}">
-                <p14:modId xmlns:p14="http://schemas.microsoft.com/office/powerpoint/2010/main" val="4174973422"/>
+                <p14:modId xmlns:p14="http://schemas.microsoft.com/office/powerpoint/2010/main" val="3140217135"/>
               </p:ext>
             </p:extLst>
           </p:nvPr>
@@ -12630,7 +12588,7 @@
     </p:spTree>
     <p:extLst>
       <p:ext uri="{BB962C8B-B14F-4D97-AF65-F5344CB8AC3E}">
-        <p14:creationId xmlns:p14="http://schemas.microsoft.com/office/powerpoint/2010/main" val="1751361399"/>
+        <p14:creationId xmlns:p14="http://schemas.microsoft.com/office/powerpoint/2010/main" val="1626528851"/>
       </p:ext>
     </p:extLst>
   </p:cSld>
@@ -12670,7 +12628,7 @@
           <p:nvPr>
             <p:extLst>
               <p:ext uri="{D42A27DB-BD31-4B8C-83A1-F6EECF244321}">
-                <p14:modId xmlns:p14="http://schemas.microsoft.com/office/powerpoint/2010/main" val="1527929376"/>
+                <p14:modId xmlns:p14="http://schemas.microsoft.com/office/powerpoint/2010/main" val="1158988819"/>
               </p:ext>
             </p:extLst>
           </p:nvPr>
@@ -12796,7 +12754,7 @@
     </p:spTree>
     <p:extLst>
       <p:ext uri="{BB962C8B-B14F-4D97-AF65-F5344CB8AC3E}">
-        <p14:creationId xmlns:p14="http://schemas.microsoft.com/office/powerpoint/2010/main" val="389518916"/>
+        <p14:creationId xmlns:p14="http://schemas.microsoft.com/office/powerpoint/2010/main" val="37592818"/>
       </p:ext>
     </p:extLst>
   </p:cSld>
@@ -12836,7 +12794,7 @@
           <p:nvPr>
             <p:extLst>
               <p:ext uri="{D42A27DB-BD31-4B8C-83A1-F6EECF244321}">
-                <p14:modId xmlns:p14="http://schemas.microsoft.com/office/powerpoint/2010/main" val="1820720623"/>
+                <p14:modId xmlns:p14="http://schemas.microsoft.com/office/powerpoint/2010/main" val="942760570"/>
               </p:ext>
             </p:extLst>
           </p:nvPr>
@@ -13006,7 +12964,7 @@
           <p:nvPr>
             <p:extLst>
               <p:ext uri="{D42A27DB-BD31-4B8C-83A1-F6EECF244321}">
-                <p14:modId xmlns:p14="http://schemas.microsoft.com/office/powerpoint/2010/main" val="3237414396"/>
+                <p14:modId xmlns:p14="http://schemas.microsoft.com/office/powerpoint/2010/main" val="339498318"/>
               </p:ext>
             </p:extLst>
           </p:nvPr>
@@ -13136,7 +13094,7 @@
     </p:spTree>
     <p:extLst>
       <p:ext uri="{BB962C8B-B14F-4D97-AF65-F5344CB8AC3E}">
-        <p14:creationId xmlns:p14="http://schemas.microsoft.com/office/powerpoint/2010/main" val="3381524888"/>
+        <p14:creationId xmlns:p14="http://schemas.microsoft.com/office/powerpoint/2010/main" val="2850507349"/>
       </p:ext>
     </p:extLst>
   </p:cSld>
@@ -13176,7 +13134,7 @@
           <p:nvPr>
             <p:extLst>
               <p:ext uri="{D42A27DB-BD31-4B8C-83A1-F6EECF244321}">
-                <p14:modId xmlns:p14="http://schemas.microsoft.com/office/powerpoint/2010/main" val="2926521153"/>
+                <p14:modId xmlns:p14="http://schemas.microsoft.com/office/powerpoint/2010/main" val="722373381"/>
               </p:ext>
             </p:extLst>
           </p:nvPr>
@@ -13306,7 +13264,7 @@
     </p:spTree>
     <p:extLst>
       <p:ext uri="{BB962C8B-B14F-4D97-AF65-F5344CB8AC3E}">
-        <p14:creationId xmlns:p14="http://schemas.microsoft.com/office/powerpoint/2010/main" val="2357798601"/>
+        <p14:creationId xmlns:p14="http://schemas.microsoft.com/office/powerpoint/2010/main" val="713398853"/>
       </p:ext>
     </p:extLst>
   </p:cSld>
